--- a/Lesson 9  Getting Started with React.pptx
+++ b/Lesson 9  Getting Started with React.pptx
@@ -1,36 +1,37 @@
 
 <file path=ppt/presentation.xml><?xml version="1.0" encoding="utf-8"?>
-<p:presentation xmlns:a="http://schemas.openxmlformats.org/drawingml/2006/main" xmlns:r="http://schemas.openxmlformats.org/officeDocument/2006/relationships" xmlns:mc="http://schemas.openxmlformats.org/markup-compatibility/2006" xmlns:mv="urn:schemas-microsoft-com:mac:vml" xmlns:p="http://schemas.openxmlformats.org/presentationml/2006/main" xmlns:c="http://schemas.openxmlformats.org/drawingml/2006/chart" xmlns:dgm="http://schemas.openxmlformats.org/drawingml/2006/diagram" xmlns:o="urn:schemas-microsoft-com:office:office" xmlns:v="urn:schemas-microsoft-com:vml" xmlns:pvml="urn:schemas-microsoft-com:office:powerpoint" xmlns:com="http://schemas.openxmlformats.org/drawingml/2006/compatibility" xmlns:p14="http://schemas.microsoft.com/office/powerpoint/2010/main" xmlns:p15="http://schemas.microsoft.com/office/powerpoint/2012/main" xmlns:ahyp="http://schemas.microsoft.com/office/drawing/2018/hyperlinkcolor" autoCompressPictures="0" embedTrueTypeFonts="1" strictFirstAndLastChars="0" saveSubsetFonts="1">
+<p:presentation xmlns:a="http://schemas.openxmlformats.org/drawingml/2006/main" xmlns:r="http://schemas.openxmlformats.org/officeDocument/2006/relationships" xmlns:p="http://schemas.openxmlformats.org/presentationml/2006/main" strictFirstAndLastChars="0" embedTrueTypeFonts="1" saveSubsetFonts="1" autoCompressPictures="0">
   <p:sldMasterIdLst>
-    <p:sldMasterId id="2147483659" r:id="rId4"/>
+    <p:sldMasterId id="2147483659" r:id="rId1"/>
   </p:sldMasterIdLst>
   <p:notesMasterIdLst>
-    <p:notesMasterId r:id="rId5"/>
+    <p:notesMasterId r:id="rId12"/>
   </p:notesMasterIdLst>
   <p:sldIdLst>
-    <p:sldId id="256" r:id="rId6"/>
-    <p:sldId id="257" r:id="rId7"/>
-    <p:sldId id="258" r:id="rId8"/>
-    <p:sldId id="259" r:id="rId9"/>
-    <p:sldId id="260" r:id="rId10"/>
-    <p:sldId id="261" r:id="rId11"/>
-    <p:sldId id="262" r:id="rId12"/>
-    <p:sldId id="263" r:id="rId13"/>
-    <p:sldId id="264" r:id="rId14"/>
+    <p:sldId id="256" r:id="rId2"/>
+    <p:sldId id="257" r:id="rId3"/>
+    <p:sldId id="258" r:id="rId4"/>
+    <p:sldId id="259" r:id="rId5"/>
+    <p:sldId id="260" r:id="rId6"/>
+    <p:sldId id="261" r:id="rId7"/>
+    <p:sldId id="265" r:id="rId8"/>
+    <p:sldId id="262" r:id="rId9"/>
+    <p:sldId id="263" r:id="rId10"/>
+    <p:sldId id="264" r:id="rId11"/>
   </p:sldIdLst>
-  <p:sldSz cy="5143500" cx="9144000"/>
+  <p:sldSz cx="9144000" cy="5143500" type="screen16x9"/>
   <p:notesSz cx="6858000" cy="9144000"/>
   <p:embeddedFontLst>
     <p:embeddedFont>
-      <p:font typeface="Proxima Nova"/>
-      <p:regular r:id="rId15"/>
-      <p:bold r:id="rId16"/>
-      <p:italic r:id="rId17"/>
-      <p:boldItalic r:id="rId18"/>
+      <p:font typeface="Proxima Nova" panose="020B0604020202020204" charset="0"/>
+      <p:regular r:id="rId13"/>
+      <p:bold r:id="rId14"/>
+      <p:italic r:id="rId15"/>
+      <p:boldItalic r:id="rId16"/>
     </p:embeddedFont>
   </p:embeddedFontLst>
   <p:defaultTextStyle>
-    <a:defPPr lvl="0" marR="0" rtl="0" algn="l">
+    <a:defPPr marR="0" lvl="0" algn="l" rtl="0">
       <a:lnSpc>
         <a:spcPct val="100000"/>
       </a:lnSpc>
@@ -41,7 +42,7 @@
         <a:spcPts val="0"/>
       </a:spcAft>
     </a:defPPr>
-    <a:lvl1pPr lvl="0" marR="0" rtl="0" algn="l">
+    <a:lvl1pPr marR="0" lvl="0" algn="l" rtl="0">
       <a:lnSpc>
         <a:spcPct val="100000"/>
       </a:lnSpc>
@@ -55,7 +56,7 @@
         <a:srgbClr val="000000"/>
       </a:buClr>
       <a:buFont typeface="Arial"/>
-      <a:defRPr b="0" i="0" sz="1400" u="none" cap="none" strike="noStrike">
+      <a:defRPr sz="1400" b="0" i="0" u="none" strike="noStrike" cap="none">
         <a:solidFill>
           <a:srgbClr val="000000"/>
         </a:solidFill>
@@ -65,7 +66,7 @@
         <a:sym typeface="Arial"/>
       </a:defRPr>
     </a:lvl1pPr>
-    <a:lvl2pPr lvl="1" marR="0" rtl="0" algn="l">
+    <a:lvl2pPr marR="0" lvl="1" algn="l" rtl="0">
       <a:lnSpc>
         <a:spcPct val="100000"/>
       </a:lnSpc>
@@ -79,7 +80,7 @@
         <a:srgbClr val="000000"/>
       </a:buClr>
       <a:buFont typeface="Arial"/>
-      <a:defRPr b="0" i="0" sz="1400" u="none" cap="none" strike="noStrike">
+      <a:defRPr sz="1400" b="0" i="0" u="none" strike="noStrike" cap="none">
         <a:solidFill>
           <a:srgbClr val="000000"/>
         </a:solidFill>
@@ -89,7 +90,7 @@
         <a:sym typeface="Arial"/>
       </a:defRPr>
     </a:lvl2pPr>
-    <a:lvl3pPr lvl="2" marR="0" rtl="0" algn="l">
+    <a:lvl3pPr marR="0" lvl="2" algn="l" rtl="0">
       <a:lnSpc>
         <a:spcPct val="100000"/>
       </a:lnSpc>
@@ -103,7 +104,7 @@
         <a:srgbClr val="000000"/>
       </a:buClr>
       <a:buFont typeface="Arial"/>
-      <a:defRPr b="0" i="0" sz="1400" u="none" cap="none" strike="noStrike">
+      <a:defRPr sz="1400" b="0" i="0" u="none" strike="noStrike" cap="none">
         <a:solidFill>
           <a:srgbClr val="000000"/>
         </a:solidFill>
@@ -113,7 +114,7 @@
         <a:sym typeface="Arial"/>
       </a:defRPr>
     </a:lvl3pPr>
-    <a:lvl4pPr lvl="3" marR="0" rtl="0" algn="l">
+    <a:lvl4pPr marR="0" lvl="3" algn="l" rtl="0">
       <a:lnSpc>
         <a:spcPct val="100000"/>
       </a:lnSpc>
@@ -127,7 +128,7 @@
         <a:srgbClr val="000000"/>
       </a:buClr>
       <a:buFont typeface="Arial"/>
-      <a:defRPr b="0" i="0" sz="1400" u="none" cap="none" strike="noStrike">
+      <a:defRPr sz="1400" b="0" i="0" u="none" strike="noStrike" cap="none">
         <a:solidFill>
           <a:srgbClr val="000000"/>
         </a:solidFill>
@@ -137,7 +138,7 @@
         <a:sym typeface="Arial"/>
       </a:defRPr>
     </a:lvl4pPr>
-    <a:lvl5pPr lvl="4" marR="0" rtl="0" algn="l">
+    <a:lvl5pPr marR="0" lvl="4" algn="l" rtl="0">
       <a:lnSpc>
         <a:spcPct val="100000"/>
       </a:lnSpc>
@@ -151,7 +152,7 @@
         <a:srgbClr val="000000"/>
       </a:buClr>
       <a:buFont typeface="Arial"/>
-      <a:defRPr b="0" i="0" sz="1400" u="none" cap="none" strike="noStrike">
+      <a:defRPr sz="1400" b="0" i="0" u="none" strike="noStrike" cap="none">
         <a:solidFill>
           <a:srgbClr val="000000"/>
         </a:solidFill>
@@ -161,7 +162,7 @@
         <a:sym typeface="Arial"/>
       </a:defRPr>
     </a:lvl5pPr>
-    <a:lvl6pPr lvl="5" marR="0" rtl="0" algn="l">
+    <a:lvl6pPr marR="0" lvl="5" algn="l" rtl="0">
       <a:lnSpc>
         <a:spcPct val="100000"/>
       </a:lnSpc>
@@ -175,7 +176,7 @@
         <a:srgbClr val="000000"/>
       </a:buClr>
       <a:buFont typeface="Arial"/>
-      <a:defRPr b="0" i="0" sz="1400" u="none" cap="none" strike="noStrike">
+      <a:defRPr sz="1400" b="0" i="0" u="none" strike="noStrike" cap="none">
         <a:solidFill>
           <a:srgbClr val="000000"/>
         </a:solidFill>
@@ -185,7 +186,7 @@
         <a:sym typeface="Arial"/>
       </a:defRPr>
     </a:lvl6pPr>
-    <a:lvl7pPr lvl="6" marR="0" rtl="0" algn="l">
+    <a:lvl7pPr marR="0" lvl="6" algn="l" rtl="0">
       <a:lnSpc>
         <a:spcPct val="100000"/>
       </a:lnSpc>
@@ -199,7 +200,7 @@
         <a:srgbClr val="000000"/>
       </a:buClr>
       <a:buFont typeface="Arial"/>
-      <a:defRPr b="0" i="0" sz="1400" u="none" cap="none" strike="noStrike">
+      <a:defRPr sz="1400" b="0" i="0" u="none" strike="noStrike" cap="none">
         <a:solidFill>
           <a:srgbClr val="000000"/>
         </a:solidFill>
@@ -209,7 +210,7 @@
         <a:sym typeface="Arial"/>
       </a:defRPr>
     </a:lvl7pPr>
-    <a:lvl8pPr lvl="7" marR="0" rtl="0" algn="l">
+    <a:lvl8pPr marR="0" lvl="7" algn="l" rtl="0">
       <a:lnSpc>
         <a:spcPct val="100000"/>
       </a:lnSpc>
@@ -223,7 +224,7 @@
         <a:srgbClr val="000000"/>
       </a:buClr>
       <a:buFont typeface="Arial"/>
-      <a:defRPr b="0" i="0" sz="1400" u="none" cap="none" strike="noStrike">
+      <a:defRPr sz="1400" b="0" i="0" u="none" strike="noStrike" cap="none">
         <a:solidFill>
           <a:srgbClr val="000000"/>
         </a:solidFill>
@@ -233,7 +234,7 @@
         <a:sym typeface="Arial"/>
       </a:defRPr>
     </a:lvl8pPr>
-    <a:lvl9pPr lvl="8" marR="0" rtl="0" algn="l">
+    <a:lvl9pPr marR="0" lvl="8" algn="l" rtl="0">
       <a:lnSpc>
         <a:spcPct val="100000"/>
       </a:lnSpc>
@@ -247,7 +248,7 @@
         <a:srgbClr val="000000"/>
       </a:buClr>
       <a:buFont typeface="Arial"/>
-      <a:defRPr b="0" i="0" sz="1400" u="none" cap="none" strike="noStrike">
+      <a:defRPr sz="1400" b="0" i="0" u="none" strike="noStrike" cap="none">
         <a:solidFill>
           <a:srgbClr val="000000"/>
         </a:solidFill>
@@ -260,7 +261,7 @@
   </p:defaultTextStyle>
   <p:extLst>
     <p:ext uri="{EFAFB233-063F-42B5-8137-9DF3F51BA10A}">
-      <p15:sldGuideLst>
+      <p15:sldGuideLst xmlns:p15="http://schemas.microsoft.com/office/powerpoint/2012/main">
         <p15:guide id="1" orient="horz" pos="1620">
           <p15:clr>
             <a:srgbClr val="747775"/>
@@ -278,11 +279,16 @@
 </file>
 
 <file path=ppt/notesMasters/notesMaster1.xml><?xml version="1.0" encoding="utf-8"?>
-<p:notesMaster xmlns:a="http://schemas.openxmlformats.org/drawingml/2006/main" xmlns:r="http://schemas.openxmlformats.org/officeDocument/2006/relationships" xmlns:mc="http://schemas.openxmlformats.org/markup-compatibility/2006" xmlns:mv="urn:schemas-microsoft-com:mac:vml" xmlns:p="http://schemas.openxmlformats.org/presentationml/2006/main" xmlns:c="http://schemas.openxmlformats.org/drawingml/2006/chart" xmlns:dgm="http://schemas.openxmlformats.org/drawingml/2006/diagram" xmlns:o="urn:schemas-microsoft-com:office:office" xmlns:v="urn:schemas-microsoft-com:vml" xmlns:pvml="urn:schemas-microsoft-com:office:powerpoint" xmlns:com="http://schemas.openxmlformats.org/drawingml/2006/compatibility" xmlns:p14="http://schemas.microsoft.com/office/powerpoint/2010/main" xmlns:p15="http://schemas.microsoft.com/office/powerpoint/2012/main" xmlns:ahyp="http://schemas.microsoft.com/office/drawing/2018/hyperlinkcolor">
+<p:notesMaster xmlns:a="http://schemas.openxmlformats.org/drawingml/2006/main" xmlns:r="http://schemas.openxmlformats.org/officeDocument/2006/relationships" xmlns:p="http://schemas.openxmlformats.org/presentationml/2006/main">
   <p:cSld>
+    <p:bg>
+      <p:bgRef idx="1001">
+        <a:schemeClr val="bg1"/>
+      </p:bgRef>
+    </p:bg>
     <p:spTree>
       <p:nvGrpSpPr>
-        <p:cNvPr id="2" name="Shape 2"/>
+        <p:cNvPr id="1" name="Shape 2"/>
         <p:cNvGrpSpPr/>
         <p:nvPr/>
       </p:nvGrpSpPr>
@@ -297,9 +303,11 @@
       <p:sp>
         <p:nvSpPr>
           <p:cNvPr id="3" name="Google Shape;3;n"/>
-          <p:cNvSpPr/>
+          <p:cNvSpPr>
+            <a:spLocks noGrp="1" noRot="1" noChangeAspect="1"/>
+          </p:cNvSpPr>
           <p:nvPr>
-            <p:ph idx="2" type="sldImg"/>
+            <p:ph type="sldImg" idx="2"/>
           </p:nvPr>
         </p:nvSpPr>
         <p:spPr>
@@ -308,9 +316,13 @@
             <a:ext cx="6096075" cy="3429000"/>
           </a:xfrm>
           <a:custGeom>
-            <a:rect b="b" l="l" r="r" t="t"/>
+            <a:avLst/>
+            <a:gdLst/>
+            <a:ahLst/>
+            <a:cxnLst/>
+            <a:rect l="l" t="t" r="r" b="b"/>
             <a:pathLst>
-              <a:path extrusionOk="0" h="120000" w="120000">
+              <a:path w="120000" h="120000" extrusionOk="0">
                 <a:moveTo>
                   <a:pt x="0" y="0"/>
                 </a:moveTo>
@@ -328,23 +340,25 @@
             </a:pathLst>
           </a:custGeom>
           <a:noFill/>
-          <a:ln cap="flat" cmpd="sng" w="9525">
+          <a:ln w="9525" cap="flat" cmpd="sng">
             <a:solidFill>
               <a:srgbClr val="000000"/>
             </a:solidFill>
             <a:prstDash val="solid"/>
             <a:round/>
-            <a:headEnd len="sm" w="sm" type="none"/>
-            <a:tailEnd len="sm" w="sm" type="none"/>
+            <a:headEnd type="none" w="sm" len="sm"/>
+            <a:tailEnd type="none" w="sm" len="sm"/>
           </a:ln>
         </p:spPr>
       </p:sp>
       <p:sp>
         <p:nvSpPr>
           <p:cNvPr id="4" name="Google Shape;4;n"/>
-          <p:cNvSpPr txBox="1"/>
+          <p:cNvSpPr txBox="1">
+            <a:spLocks noGrp="1"/>
+          </p:cNvSpPr>
           <p:nvPr>
-            <p:ph idx="1" type="body"/>
+            <p:ph type="body" idx="1"/>
           </p:nvPr>
         </p:nvSpPr>
         <p:spPr>
@@ -361,11 +375,11 @@
           </a:ln>
         </p:spPr>
         <p:txBody>
-          <a:bodyPr anchorCtr="0" anchor="t" bIns="91425" lIns="91425" spcFirstLastPara="1" rIns="91425" wrap="square" tIns="91425">
+          <a:bodyPr spcFirstLastPara="1" wrap="square" lIns="91425" tIns="91425" rIns="91425" bIns="91425" anchor="t" anchorCtr="0">
             <a:noAutofit/>
           </a:bodyPr>
           <a:lstStyle>
-            <a:lvl1pPr indent="-298450" lvl="0" marL="457200">
+            <a:lvl1pPr marL="457200" lvl="0" indent="-298450">
               <a:spcBef>
                 <a:spcPts val="0"/>
               </a:spcBef>
@@ -376,7 +390,7 @@
               <a:buChar char="●"/>
               <a:defRPr sz="1100"/>
             </a:lvl1pPr>
-            <a:lvl2pPr indent="-298450" lvl="1" marL="914400">
+            <a:lvl2pPr marL="914400" lvl="1" indent="-298450">
               <a:spcBef>
                 <a:spcPts val="0"/>
               </a:spcBef>
@@ -387,7 +401,7 @@
               <a:buChar char="○"/>
               <a:defRPr sz="1100"/>
             </a:lvl2pPr>
-            <a:lvl3pPr indent="-298450" lvl="2" marL="1371600">
+            <a:lvl3pPr marL="1371600" lvl="2" indent="-298450">
               <a:spcBef>
                 <a:spcPts val="0"/>
               </a:spcBef>
@@ -398,7 +412,7 @@
               <a:buChar char="■"/>
               <a:defRPr sz="1100"/>
             </a:lvl3pPr>
-            <a:lvl4pPr indent="-298450" lvl="3" marL="1828800">
+            <a:lvl4pPr marL="1828800" lvl="3" indent="-298450">
               <a:spcBef>
                 <a:spcPts val="0"/>
               </a:spcBef>
@@ -409,7 +423,7 @@
               <a:buChar char="●"/>
               <a:defRPr sz="1100"/>
             </a:lvl4pPr>
-            <a:lvl5pPr indent="-298450" lvl="4" marL="2286000">
+            <a:lvl5pPr marL="2286000" lvl="4" indent="-298450">
               <a:spcBef>
                 <a:spcPts val="0"/>
               </a:spcBef>
@@ -420,7 +434,7 @@
               <a:buChar char="○"/>
               <a:defRPr sz="1100"/>
             </a:lvl5pPr>
-            <a:lvl6pPr indent="-298450" lvl="5" marL="2743200">
+            <a:lvl6pPr marL="2743200" lvl="5" indent="-298450">
               <a:spcBef>
                 <a:spcPts val="0"/>
               </a:spcBef>
@@ -431,7 +445,7 @@
               <a:buChar char="■"/>
               <a:defRPr sz="1100"/>
             </a:lvl6pPr>
-            <a:lvl7pPr indent="-298450" lvl="6" marL="3200400">
+            <a:lvl7pPr marL="3200400" lvl="6" indent="-298450">
               <a:spcBef>
                 <a:spcPts val="0"/>
               </a:spcBef>
@@ -442,7 +456,7 @@
               <a:buChar char="●"/>
               <a:defRPr sz="1100"/>
             </a:lvl7pPr>
-            <a:lvl8pPr indent="-298450" lvl="7" marL="3657600">
+            <a:lvl8pPr marL="3657600" lvl="7" indent="-298450">
               <a:spcBef>
                 <a:spcPts val="0"/>
               </a:spcBef>
@@ -453,7 +467,7 @@
               <a:buChar char="○"/>
               <a:defRPr sz="1100"/>
             </a:lvl8pPr>
-            <a:lvl9pPr indent="-298450" lvl="8" marL="4114800">
+            <a:lvl9pPr marL="4114800" lvl="8" indent="-298450">
               <a:spcBef>
                 <a:spcPts val="0"/>
               </a:spcBef>
@@ -465,14 +479,16 @@
               <a:defRPr sz="1100"/>
             </a:lvl9pPr>
           </a:lstStyle>
-          <a:p/>
+          <a:p>
+            <a:endParaRPr/>
+          </a:p>
         </p:txBody>
       </p:sp>
     </p:spTree>
   </p:cSld>
-  <p:clrMap accent1="accent1" accent2="accent2" accent3="accent3" accent4="accent4" accent5="accent5" accent6="accent6" bg1="lt1" bg2="dk2" tx1="dk1" tx2="lt2" folHlink="folHlink" hlink="hlink"/>
+  <p:clrMap bg1="lt1" tx1="dk1" bg2="dk2" tx2="lt2" accent1="accent1" accent2="accent2" accent3="accent3" accent4="accent4" accent5="accent5" accent6="accent6" hlink="hlink" folHlink="folHlink"/>
   <p:notesStyle>
-    <a:defPPr lvl="0" marR="0" rtl="0" algn="l">
+    <a:defPPr marR="0" lvl="0" algn="l" rtl="0">
       <a:lnSpc>
         <a:spcPct val="100000"/>
       </a:lnSpc>
@@ -483,7 +499,7 @@
         <a:spcPts val="0"/>
       </a:spcAft>
     </a:defPPr>
-    <a:lvl1pPr lvl="0" marR="0" rtl="0" algn="l">
+    <a:lvl1pPr marR="0" lvl="0" algn="l" rtl="0">
       <a:lnSpc>
         <a:spcPct val="100000"/>
       </a:lnSpc>
@@ -497,7 +513,7 @@
         <a:srgbClr val="000000"/>
       </a:buClr>
       <a:buFont typeface="Arial"/>
-      <a:defRPr b="0" i="0" sz="1400" u="none" cap="none" strike="noStrike">
+      <a:defRPr sz="1400" b="0" i="0" u="none" strike="noStrike" cap="none">
         <a:solidFill>
           <a:srgbClr val="000000"/>
         </a:solidFill>
@@ -507,7 +523,7 @@
         <a:sym typeface="Arial"/>
       </a:defRPr>
     </a:lvl1pPr>
-    <a:lvl2pPr lvl="1" marR="0" rtl="0" algn="l">
+    <a:lvl2pPr marR="0" lvl="1" algn="l" rtl="0">
       <a:lnSpc>
         <a:spcPct val="100000"/>
       </a:lnSpc>
@@ -521,7 +537,7 @@
         <a:srgbClr val="000000"/>
       </a:buClr>
       <a:buFont typeface="Arial"/>
-      <a:defRPr b="0" i="0" sz="1400" u="none" cap="none" strike="noStrike">
+      <a:defRPr sz="1400" b="0" i="0" u="none" strike="noStrike" cap="none">
         <a:solidFill>
           <a:srgbClr val="000000"/>
         </a:solidFill>
@@ -531,7 +547,7 @@
         <a:sym typeface="Arial"/>
       </a:defRPr>
     </a:lvl2pPr>
-    <a:lvl3pPr lvl="2" marR="0" rtl="0" algn="l">
+    <a:lvl3pPr marR="0" lvl="2" algn="l" rtl="0">
       <a:lnSpc>
         <a:spcPct val="100000"/>
       </a:lnSpc>
@@ -545,7 +561,7 @@
         <a:srgbClr val="000000"/>
       </a:buClr>
       <a:buFont typeface="Arial"/>
-      <a:defRPr b="0" i="0" sz="1400" u="none" cap="none" strike="noStrike">
+      <a:defRPr sz="1400" b="0" i="0" u="none" strike="noStrike" cap="none">
         <a:solidFill>
           <a:srgbClr val="000000"/>
         </a:solidFill>
@@ -555,7 +571,7 @@
         <a:sym typeface="Arial"/>
       </a:defRPr>
     </a:lvl3pPr>
-    <a:lvl4pPr lvl="3" marR="0" rtl="0" algn="l">
+    <a:lvl4pPr marR="0" lvl="3" algn="l" rtl="0">
       <a:lnSpc>
         <a:spcPct val="100000"/>
       </a:lnSpc>
@@ -569,7 +585,7 @@
         <a:srgbClr val="000000"/>
       </a:buClr>
       <a:buFont typeface="Arial"/>
-      <a:defRPr b="0" i="0" sz="1400" u="none" cap="none" strike="noStrike">
+      <a:defRPr sz="1400" b="0" i="0" u="none" strike="noStrike" cap="none">
         <a:solidFill>
           <a:srgbClr val="000000"/>
         </a:solidFill>
@@ -579,7 +595,7 @@
         <a:sym typeface="Arial"/>
       </a:defRPr>
     </a:lvl4pPr>
-    <a:lvl5pPr lvl="4" marR="0" rtl="0" algn="l">
+    <a:lvl5pPr marR="0" lvl="4" algn="l" rtl="0">
       <a:lnSpc>
         <a:spcPct val="100000"/>
       </a:lnSpc>
@@ -593,7 +609,7 @@
         <a:srgbClr val="000000"/>
       </a:buClr>
       <a:buFont typeface="Arial"/>
-      <a:defRPr b="0" i="0" sz="1400" u="none" cap="none" strike="noStrike">
+      <a:defRPr sz="1400" b="0" i="0" u="none" strike="noStrike" cap="none">
         <a:solidFill>
           <a:srgbClr val="000000"/>
         </a:solidFill>
@@ -603,7 +619,7 @@
         <a:sym typeface="Arial"/>
       </a:defRPr>
     </a:lvl5pPr>
-    <a:lvl6pPr lvl="5" marR="0" rtl="0" algn="l">
+    <a:lvl6pPr marR="0" lvl="5" algn="l" rtl="0">
       <a:lnSpc>
         <a:spcPct val="100000"/>
       </a:lnSpc>
@@ -617,7 +633,7 @@
         <a:srgbClr val="000000"/>
       </a:buClr>
       <a:buFont typeface="Arial"/>
-      <a:defRPr b="0" i="0" sz="1400" u="none" cap="none" strike="noStrike">
+      <a:defRPr sz="1400" b="0" i="0" u="none" strike="noStrike" cap="none">
         <a:solidFill>
           <a:srgbClr val="000000"/>
         </a:solidFill>
@@ -627,7 +643,7 @@
         <a:sym typeface="Arial"/>
       </a:defRPr>
     </a:lvl6pPr>
-    <a:lvl7pPr lvl="6" marR="0" rtl="0" algn="l">
+    <a:lvl7pPr marR="0" lvl="6" algn="l" rtl="0">
       <a:lnSpc>
         <a:spcPct val="100000"/>
       </a:lnSpc>
@@ -641,7 +657,7 @@
         <a:srgbClr val="000000"/>
       </a:buClr>
       <a:buFont typeface="Arial"/>
-      <a:defRPr b="0" i="0" sz="1400" u="none" cap="none" strike="noStrike">
+      <a:defRPr sz="1400" b="0" i="0" u="none" strike="noStrike" cap="none">
         <a:solidFill>
           <a:srgbClr val="000000"/>
         </a:solidFill>
@@ -651,7 +667,7 @@
         <a:sym typeface="Arial"/>
       </a:defRPr>
     </a:lvl7pPr>
-    <a:lvl8pPr lvl="7" marR="0" rtl="0" algn="l">
+    <a:lvl8pPr marR="0" lvl="7" algn="l" rtl="0">
       <a:lnSpc>
         <a:spcPct val="100000"/>
       </a:lnSpc>
@@ -665,7 +681,7 @@
         <a:srgbClr val="000000"/>
       </a:buClr>
       <a:buFont typeface="Arial"/>
-      <a:defRPr b="0" i="0" sz="1400" u="none" cap="none" strike="noStrike">
+      <a:defRPr sz="1400" b="0" i="0" u="none" strike="noStrike" cap="none">
         <a:solidFill>
           <a:srgbClr val="000000"/>
         </a:solidFill>
@@ -675,7 +691,7 @@
         <a:sym typeface="Arial"/>
       </a:defRPr>
     </a:lvl8pPr>
-    <a:lvl9pPr lvl="8" marR="0" rtl="0" algn="l">
+    <a:lvl9pPr marR="0" lvl="8" algn="l" rtl="0">
       <a:lnSpc>
         <a:spcPct val="100000"/>
       </a:lnSpc>
@@ -689,7 +705,7 @@
         <a:srgbClr val="000000"/>
       </a:buClr>
       <a:buFont typeface="Arial"/>
-      <a:defRPr b="0" i="0" sz="1400" u="none" cap="none" strike="noStrike">
+      <a:defRPr sz="1400" b="0" i="0" u="none" strike="noStrike" cap="none">
         <a:solidFill>
           <a:srgbClr val="000000"/>
         </a:solidFill>
@@ -704,11 +720,11 @@
 </file>
 
 <file path=ppt/notesSlides/notesSlide1.xml><?xml version="1.0" encoding="utf-8"?>
-<p:notes xmlns:a="http://schemas.openxmlformats.org/drawingml/2006/main" xmlns:r="http://schemas.openxmlformats.org/officeDocument/2006/relationships" xmlns:mc="http://schemas.openxmlformats.org/markup-compatibility/2006" xmlns:mv="urn:schemas-microsoft-com:mac:vml" xmlns:p="http://schemas.openxmlformats.org/presentationml/2006/main" xmlns:c="http://schemas.openxmlformats.org/drawingml/2006/chart" xmlns:dgm="http://schemas.openxmlformats.org/drawingml/2006/diagram" xmlns:o="urn:schemas-microsoft-com:office:office" xmlns:v="urn:schemas-microsoft-com:vml" xmlns:pvml="urn:schemas-microsoft-com:office:powerpoint" xmlns:com="http://schemas.openxmlformats.org/drawingml/2006/compatibility" xmlns:p14="http://schemas.microsoft.com/office/powerpoint/2010/main" xmlns:p15="http://schemas.microsoft.com/office/powerpoint/2012/main" xmlns:ahyp="http://schemas.microsoft.com/office/drawing/2018/hyperlinkcolor" showMasterPhAnim="0" showMasterSp="0">
+<p:notes xmlns:a="http://schemas.openxmlformats.org/drawingml/2006/main" xmlns:r="http://schemas.openxmlformats.org/officeDocument/2006/relationships" xmlns:p="http://schemas.openxmlformats.org/presentationml/2006/main" showMasterSp="0" showMasterPhAnim="0">
   <p:cSld>
     <p:spTree>
       <p:nvGrpSpPr>
-        <p:cNvPr id="55" name="Shape 55"/>
+        <p:cNvPr id="1" name="Shape 55"/>
         <p:cNvGrpSpPr/>
         <p:nvPr/>
       </p:nvGrpSpPr>
@@ -723,9 +739,11 @@
       <p:sp>
         <p:nvSpPr>
           <p:cNvPr id="56" name="Google Shape;56;p:notes"/>
-          <p:cNvSpPr/>
+          <p:cNvSpPr>
+            <a:spLocks noGrp="1" noRot="1" noChangeAspect="1"/>
+          </p:cNvSpPr>
           <p:nvPr>
-            <p:ph idx="2" type="sldImg"/>
+            <p:ph type="sldImg" idx="2"/>
           </p:nvPr>
         </p:nvSpPr>
         <p:spPr>
@@ -734,9 +752,13 @@
             <a:ext cx="6096075" cy="3429000"/>
           </a:xfrm>
           <a:custGeom>
-            <a:rect b="b" l="l" r="r" t="t"/>
+            <a:avLst/>
+            <a:gdLst/>
+            <a:ahLst/>
+            <a:cxnLst/>
+            <a:rect l="l" t="t" r="r" b="b"/>
             <a:pathLst>
-              <a:path extrusionOk="0" h="120000" w="120000">
+              <a:path w="120000" h="120000" extrusionOk="0">
                 <a:moveTo>
                   <a:pt x="0" y="0"/>
                 </a:moveTo>
@@ -758,9 +780,11 @@
       <p:sp>
         <p:nvSpPr>
           <p:cNvPr id="57" name="Google Shape;57;p:notes"/>
-          <p:cNvSpPr txBox="1"/>
+          <p:cNvSpPr txBox="1">
+            <a:spLocks noGrp="1"/>
+          </p:cNvSpPr>
           <p:nvPr>
-            <p:ph idx="1" type="body"/>
+            <p:ph type="body" idx="1"/>
           </p:nvPr>
         </p:nvSpPr>
         <p:spPr>
@@ -773,12 +797,12 @@
           </a:prstGeom>
         </p:spPr>
         <p:txBody>
-          <a:bodyPr anchorCtr="0" anchor="t" bIns="91425" lIns="91425" spcFirstLastPara="1" rIns="91425" wrap="square" tIns="91425">
+          <a:bodyPr spcFirstLastPara="1" wrap="square" lIns="91425" tIns="91425" rIns="91425" bIns="91425" anchor="t" anchorCtr="0">
             <a:noAutofit/>
           </a:bodyPr>
           <a:lstStyle/>
           <a:p>
-            <a:pPr indent="0" lvl="0" marL="0" rtl="0" algn="l">
+            <a:pPr marL="0" lvl="0" indent="0" algn="l" rtl="0">
               <a:spcBef>
                 <a:spcPts val="0"/>
               </a:spcBef>
@@ -787,9 +811,6 @@
               </a:spcAft>
               <a:buNone/>
             </a:pPr>
-            <a:r>
-              <a:t/>
-            </a:r>
             <a:endParaRPr/>
           </a:p>
         </p:txBody>
@@ -803,11 +824,11 @@
 </file>
 
 <file path=ppt/notesSlides/notesSlide2.xml><?xml version="1.0" encoding="utf-8"?>
-<p:notes xmlns:a="http://schemas.openxmlformats.org/drawingml/2006/main" xmlns:r="http://schemas.openxmlformats.org/officeDocument/2006/relationships" xmlns:mc="http://schemas.openxmlformats.org/markup-compatibility/2006" xmlns:mv="urn:schemas-microsoft-com:mac:vml" xmlns:p="http://schemas.openxmlformats.org/presentationml/2006/main" xmlns:c="http://schemas.openxmlformats.org/drawingml/2006/chart" xmlns:dgm="http://schemas.openxmlformats.org/drawingml/2006/diagram" xmlns:o="urn:schemas-microsoft-com:office:office" xmlns:v="urn:schemas-microsoft-com:vml" xmlns:pvml="urn:schemas-microsoft-com:office:powerpoint" xmlns:com="http://schemas.openxmlformats.org/drawingml/2006/compatibility" xmlns:p14="http://schemas.microsoft.com/office/powerpoint/2010/main" xmlns:p15="http://schemas.microsoft.com/office/powerpoint/2012/main" xmlns:ahyp="http://schemas.microsoft.com/office/drawing/2018/hyperlinkcolor" showMasterPhAnim="0" showMasterSp="0">
+<p:notes xmlns:a="http://schemas.openxmlformats.org/drawingml/2006/main" xmlns:r="http://schemas.openxmlformats.org/officeDocument/2006/relationships" xmlns:p="http://schemas.openxmlformats.org/presentationml/2006/main" showMasterSp="0" showMasterPhAnim="0">
   <p:cSld>
     <p:spTree>
       <p:nvGrpSpPr>
-        <p:cNvPr id="61" name="Shape 61"/>
+        <p:cNvPr id="1" name="Shape 61"/>
         <p:cNvGrpSpPr/>
         <p:nvPr/>
       </p:nvGrpSpPr>
@@ -822,9 +843,11 @@
       <p:sp>
         <p:nvSpPr>
           <p:cNvPr id="62" name="Google Shape;62;g2d3f0d7c4d3_0_235:notes"/>
-          <p:cNvSpPr/>
+          <p:cNvSpPr>
+            <a:spLocks noGrp="1" noRot="1" noChangeAspect="1"/>
+          </p:cNvSpPr>
           <p:nvPr>
-            <p:ph idx="2" type="sldImg"/>
+            <p:ph type="sldImg" idx="2"/>
           </p:nvPr>
         </p:nvSpPr>
         <p:spPr>
@@ -833,9 +856,13 @@
             <a:ext cx="6096000" cy="3429000"/>
           </a:xfrm>
           <a:custGeom>
-            <a:rect b="b" l="l" r="r" t="t"/>
+            <a:avLst/>
+            <a:gdLst/>
+            <a:ahLst/>
+            <a:cxnLst/>
+            <a:rect l="l" t="t" r="r" b="b"/>
             <a:pathLst>
-              <a:path extrusionOk="0" h="120000" w="120000">
+              <a:path w="120000" h="120000" extrusionOk="0">
                 <a:moveTo>
                   <a:pt x="0" y="0"/>
                 </a:moveTo>
@@ -857,9 +884,11 @@
       <p:sp>
         <p:nvSpPr>
           <p:cNvPr id="63" name="Google Shape;63;g2d3f0d7c4d3_0_235:notes"/>
-          <p:cNvSpPr txBox="1"/>
+          <p:cNvSpPr txBox="1">
+            <a:spLocks noGrp="1"/>
+          </p:cNvSpPr>
           <p:nvPr>
-            <p:ph idx="1" type="body"/>
+            <p:ph type="body" idx="1"/>
           </p:nvPr>
         </p:nvSpPr>
         <p:spPr>
@@ -872,12 +901,12 @@
           </a:prstGeom>
         </p:spPr>
         <p:txBody>
-          <a:bodyPr anchorCtr="0" anchor="t" bIns="91425" lIns="91425" spcFirstLastPara="1" rIns="91425" wrap="square" tIns="91425">
+          <a:bodyPr spcFirstLastPara="1" wrap="square" lIns="91425" tIns="91425" rIns="91425" bIns="91425" anchor="t" anchorCtr="0">
             <a:noAutofit/>
           </a:bodyPr>
           <a:lstStyle/>
           <a:p>
-            <a:pPr indent="0" lvl="0" marL="0" rtl="0" algn="l">
+            <a:pPr marL="0" lvl="0" indent="0" algn="l" rtl="0">
               <a:spcBef>
                 <a:spcPts val="0"/>
               </a:spcBef>
@@ -903,11 +932,11 @@
 </file>
 
 <file path=ppt/notesSlides/notesSlide3.xml><?xml version="1.0" encoding="utf-8"?>
-<p:notes xmlns:a="http://schemas.openxmlformats.org/drawingml/2006/main" xmlns:r="http://schemas.openxmlformats.org/officeDocument/2006/relationships" xmlns:mc="http://schemas.openxmlformats.org/markup-compatibility/2006" xmlns:mv="urn:schemas-microsoft-com:mac:vml" xmlns:p="http://schemas.openxmlformats.org/presentationml/2006/main" xmlns:c="http://schemas.openxmlformats.org/drawingml/2006/chart" xmlns:dgm="http://schemas.openxmlformats.org/drawingml/2006/diagram" xmlns:o="urn:schemas-microsoft-com:office:office" xmlns:v="urn:schemas-microsoft-com:vml" xmlns:pvml="urn:schemas-microsoft-com:office:powerpoint" xmlns:com="http://schemas.openxmlformats.org/drawingml/2006/compatibility" xmlns:p14="http://schemas.microsoft.com/office/powerpoint/2010/main" xmlns:p15="http://schemas.microsoft.com/office/powerpoint/2012/main" xmlns:ahyp="http://schemas.microsoft.com/office/drawing/2018/hyperlinkcolor" showMasterPhAnim="0" showMasterSp="0">
+<p:notes xmlns:a="http://schemas.openxmlformats.org/drawingml/2006/main" xmlns:r="http://schemas.openxmlformats.org/officeDocument/2006/relationships" xmlns:p="http://schemas.openxmlformats.org/presentationml/2006/main" showMasterSp="0" showMasterPhAnim="0">
   <p:cSld>
     <p:spTree>
       <p:nvGrpSpPr>
-        <p:cNvPr id="67" name="Shape 67"/>
+        <p:cNvPr id="1" name="Shape 67"/>
         <p:cNvGrpSpPr/>
         <p:nvPr/>
       </p:nvGrpSpPr>
@@ -922,9 +951,11 @@
       <p:sp>
         <p:nvSpPr>
           <p:cNvPr id="68" name="Google Shape;68;g2d3f0d7c4d3_0_342:notes"/>
-          <p:cNvSpPr/>
+          <p:cNvSpPr>
+            <a:spLocks noGrp="1" noRot="1" noChangeAspect="1"/>
+          </p:cNvSpPr>
           <p:nvPr>
-            <p:ph idx="2" type="sldImg"/>
+            <p:ph type="sldImg" idx="2"/>
           </p:nvPr>
         </p:nvSpPr>
         <p:spPr>
@@ -933,9 +964,13 @@
             <a:ext cx="6096000" cy="3429000"/>
           </a:xfrm>
           <a:custGeom>
-            <a:rect b="b" l="l" r="r" t="t"/>
+            <a:avLst/>
+            <a:gdLst/>
+            <a:ahLst/>
+            <a:cxnLst/>
+            <a:rect l="l" t="t" r="r" b="b"/>
             <a:pathLst>
-              <a:path extrusionOk="0" h="120000" w="120000">
+              <a:path w="120000" h="120000" extrusionOk="0">
                 <a:moveTo>
                   <a:pt x="0" y="0"/>
                 </a:moveTo>
@@ -957,9 +992,11 @@
       <p:sp>
         <p:nvSpPr>
           <p:cNvPr id="69" name="Google Shape;69;g2d3f0d7c4d3_0_342:notes"/>
-          <p:cNvSpPr txBox="1"/>
+          <p:cNvSpPr txBox="1">
+            <a:spLocks noGrp="1"/>
+          </p:cNvSpPr>
           <p:nvPr>
-            <p:ph idx="1" type="body"/>
+            <p:ph type="body" idx="1"/>
           </p:nvPr>
         </p:nvSpPr>
         <p:spPr>
@@ -972,12 +1009,12 @@
           </a:prstGeom>
         </p:spPr>
         <p:txBody>
-          <a:bodyPr anchorCtr="0" anchor="t" bIns="91425" lIns="91425" spcFirstLastPara="1" rIns="91425" wrap="square" tIns="91425">
+          <a:bodyPr spcFirstLastPara="1" wrap="square" lIns="91425" tIns="91425" rIns="91425" bIns="91425" anchor="t" anchorCtr="0">
             <a:noAutofit/>
           </a:bodyPr>
           <a:lstStyle/>
           <a:p>
-            <a:pPr indent="0" lvl="0" marL="0" rtl="0" algn="l">
+            <a:pPr marL="0" lvl="0" indent="0" algn="l" rtl="0">
               <a:spcBef>
                 <a:spcPts val="0"/>
               </a:spcBef>
@@ -986,9 +1023,6 @@
               </a:spcAft>
               <a:buNone/>
             </a:pPr>
-            <a:r>
-              <a:t/>
-            </a:r>
             <a:endParaRPr/>
           </a:p>
         </p:txBody>
@@ -1002,11 +1036,11 @@
 </file>
 
 <file path=ppt/notesSlides/notesSlide4.xml><?xml version="1.0" encoding="utf-8"?>
-<p:notes xmlns:a="http://schemas.openxmlformats.org/drawingml/2006/main" xmlns:r="http://schemas.openxmlformats.org/officeDocument/2006/relationships" xmlns:mc="http://schemas.openxmlformats.org/markup-compatibility/2006" xmlns:mv="urn:schemas-microsoft-com:mac:vml" xmlns:p="http://schemas.openxmlformats.org/presentationml/2006/main" xmlns:c="http://schemas.openxmlformats.org/drawingml/2006/chart" xmlns:dgm="http://schemas.openxmlformats.org/drawingml/2006/diagram" xmlns:o="urn:schemas-microsoft-com:office:office" xmlns:v="urn:schemas-microsoft-com:vml" xmlns:pvml="urn:schemas-microsoft-com:office:powerpoint" xmlns:com="http://schemas.openxmlformats.org/drawingml/2006/compatibility" xmlns:p14="http://schemas.microsoft.com/office/powerpoint/2010/main" xmlns:p15="http://schemas.microsoft.com/office/powerpoint/2012/main" xmlns:ahyp="http://schemas.microsoft.com/office/drawing/2018/hyperlinkcolor" showMasterPhAnim="0" showMasterSp="0">
+<p:notes xmlns:a="http://schemas.openxmlformats.org/drawingml/2006/main" xmlns:r="http://schemas.openxmlformats.org/officeDocument/2006/relationships" xmlns:p="http://schemas.openxmlformats.org/presentationml/2006/main" showMasterSp="0" showMasterPhAnim="0">
   <p:cSld>
     <p:spTree>
       <p:nvGrpSpPr>
-        <p:cNvPr id="73" name="Shape 73"/>
+        <p:cNvPr id="1" name="Shape 73"/>
         <p:cNvGrpSpPr/>
         <p:nvPr/>
       </p:nvGrpSpPr>
@@ -1021,9 +1055,11 @@
       <p:sp>
         <p:nvSpPr>
           <p:cNvPr id="74" name="Google Shape;74;g2d3f0d7c4d3_0_356:notes"/>
-          <p:cNvSpPr/>
+          <p:cNvSpPr>
+            <a:spLocks noGrp="1" noRot="1" noChangeAspect="1"/>
+          </p:cNvSpPr>
           <p:nvPr>
-            <p:ph idx="2" type="sldImg"/>
+            <p:ph type="sldImg" idx="2"/>
           </p:nvPr>
         </p:nvSpPr>
         <p:spPr>
@@ -1032,9 +1068,13 @@
             <a:ext cx="6096000" cy="3429000"/>
           </a:xfrm>
           <a:custGeom>
-            <a:rect b="b" l="l" r="r" t="t"/>
+            <a:avLst/>
+            <a:gdLst/>
+            <a:ahLst/>
+            <a:cxnLst/>
+            <a:rect l="l" t="t" r="r" b="b"/>
             <a:pathLst>
-              <a:path extrusionOk="0" h="120000" w="120000">
+              <a:path w="120000" h="120000" extrusionOk="0">
                 <a:moveTo>
                   <a:pt x="0" y="0"/>
                 </a:moveTo>
@@ -1056,9 +1096,11 @@
       <p:sp>
         <p:nvSpPr>
           <p:cNvPr id="75" name="Google Shape;75;g2d3f0d7c4d3_0_356:notes"/>
-          <p:cNvSpPr txBox="1"/>
+          <p:cNvSpPr txBox="1">
+            <a:spLocks noGrp="1"/>
+          </p:cNvSpPr>
           <p:nvPr>
-            <p:ph idx="1" type="body"/>
+            <p:ph type="body" idx="1"/>
           </p:nvPr>
         </p:nvSpPr>
         <p:spPr>
@@ -1071,12 +1113,12 @@
           </a:prstGeom>
         </p:spPr>
         <p:txBody>
-          <a:bodyPr anchorCtr="0" anchor="t" bIns="91425" lIns="91425" spcFirstLastPara="1" rIns="91425" wrap="square" tIns="91425">
+          <a:bodyPr spcFirstLastPara="1" wrap="square" lIns="91425" tIns="91425" rIns="91425" bIns="91425" anchor="t" anchorCtr="0">
             <a:noAutofit/>
           </a:bodyPr>
           <a:lstStyle/>
           <a:p>
-            <a:pPr indent="0" lvl="0" marL="0" rtl="0" algn="l">
+            <a:pPr marL="0" lvl="0" indent="0" algn="l" rtl="0">
               <a:spcBef>
                 <a:spcPts val="0"/>
               </a:spcBef>
@@ -1102,11 +1144,11 @@
 </file>
 
 <file path=ppt/notesSlides/notesSlide5.xml><?xml version="1.0" encoding="utf-8"?>
-<p:notes xmlns:a="http://schemas.openxmlformats.org/drawingml/2006/main" xmlns:r="http://schemas.openxmlformats.org/officeDocument/2006/relationships" xmlns:mc="http://schemas.openxmlformats.org/markup-compatibility/2006" xmlns:mv="urn:schemas-microsoft-com:mac:vml" xmlns:p="http://schemas.openxmlformats.org/presentationml/2006/main" xmlns:c="http://schemas.openxmlformats.org/drawingml/2006/chart" xmlns:dgm="http://schemas.openxmlformats.org/drawingml/2006/diagram" xmlns:o="urn:schemas-microsoft-com:office:office" xmlns:v="urn:schemas-microsoft-com:vml" xmlns:pvml="urn:schemas-microsoft-com:office:powerpoint" xmlns:com="http://schemas.openxmlformats.org/drawingml/2006/compatibility" xmlns:p14="http://schemas.microsoft.com/office/powerpoint/2010/main" xmlns:p15="http://schemas.microsoft.com/office/powerpoint/2012/main" xmlns:ahyp="http://schemas.microsoft.com/office/drawing/2018/hyperlinkcolor" showMasterPhAnim="0" showMasterSp="0">
+<p:notes xmlns:a="http://schemas.openxmlformats.org/drawingml/2006/main" xmlns:r="http://schemas.openxmlformats.org/officeDocument/2006/relationships" xmlns:p="http://schemas.openxmlformats.org/presentationml/2006/main" showMasterSp="0" showMasterPhAnim="0">
   <p:cSld>
     <p:spTree>
       <p:nvGrpSpPr>
-        <p:cNvPr id="79" name="Shape 79"/>
+        <p:cNvPr id="1" name="Shape 79"/>
         <p:cNvGrpSpPr/>
         <p:nvPr/>
       </p:nvGrpSpPr>
@@ -1121,9 +1163,11 @@
       <p:sp>
         <p:nvSpPr>
           <p:cNvPr id="80" name="Google Shape;80;g2d3f0d7c4d3_0_365:notes"/>
-          <p:cNvSpPr/>
+          <p:cNvSpPr>
+            <a:spLocks noGrp="1" noRot="1" noChangeAspect="1"/>
+          </p:cNvSpPr>
           <p:nvPr>
-            <p:ph idx="2" type="sldImg"/>
+            <p:ph type="sldImg" idx="2"/>
           </p:nvPr>
         </p:nvSpPr>
         <p:spPr>
@@ -1132,9 +1176,13 @@
             <a:ext cx="6096000" cy="3429000"/>
           </a:xfrm>
           <a:custGeom>
-            <a:rect b="b" l="l" r="r" t="t"/>
+            <a:avLst/>
+            <a:gdLst/>
+            <a:ahLst/>
+            <a:cxnLst/>
+            <a:rect l="l" t="t" r="r" b="b"/>
             <a:pathLst>
-              <a:path extrusionOk="0" h="120000" w="120000">
+              <a:path w="120000" h="120000" extrusionOk="0">
                 <a:moveTo>
                   <a:pt x="0" y="0"/>
                 </a:moveTo>
@@ -1156,9 +1204,11 @@
       <p:sp>
         <p:nvSpPr>
           <p:cNvPr id="81" name="Google Shape;81;g2d3f0d7c4d3_0_365:notes"/>
-          <p:cNvSpPr txBox="1"/>
+          <p:cNvSpPr txBox="1">
+            <a:spLocks noGrp="1"/>
+          </p:cNvSpPr>
           <p:nvPr>
-            <p:ph idx="1" type="body"/>
+            <p:ph type="body" idx="1"/>
           </p:nvPr>
         </p:nvSpPr>
         <p:spPr>
@@ -1171,12 +1221,12 @@
           </a:prstGeom>
         </p:spPr>
         <p:txBody>
-          <a:bodyPr anchorCtr="0" anchor="t" bIns="91425" lIns="91425" spcFirstLastPara="1" rIns="91425" wrap="square" tIns="91425">
+          <a:bodyPr spcFirstLastPara="1" wrap="square" lIns="91425" tIns="91425" rIns="91425" bIns="91425" anchor="t" anchorCtr="0">
             <a:noAutofit/>
           </a:bodyPr>
           <a:lstStyle/>
           <a:p>
-            <a:pPr indent="0" lvl="0" marL="0" rtl="0" algn="l">
+            <a:pPr marL="0" lvl="0" indent="0" algn="l" rtl="0">
               <a:spcBef>
                 <a:spcPts val="0"/>
               </a:spcBef>
@@ -1202,11 +1252,11 @@
 </file>
 
 <file path=ppt/notesSlides/notesSlide6.xml><?xml version="1.0" encoding="utf-8"?>
-<p:notes xmlns:a="http://schemas.openxmlformats.org/drawingml/2006/main" xmlns:r="http://schemas.openxmlformats.org/officeDocument/2006/relationships" xmlns:mc="http://schemas.openxmlformats.org/markup-compatibility/2006" xmlns:mv="urn:schemas-microsoft-com:mac:vml" xmlns:p="http://schemas.openxmlformats.org/presentationml/2006/main" xmlns:c="http://schemas.openxmlformats.org/drawingml/2006/chart" xmlns:dgm="http://schemas.openxmlformats.org/drawingml/2006/diagram" xmlns:o="urn:schemas-microsoft-com:office:office" xmlns:v="urn:schemas-microsoft-com:vml" xmlns:pvml="urn:schemas-microsoft-com:office:powerpoint" xmlns:com="http://schemas.openxmlformats.org/drawingml/2006/compatibility" xmlns:p14="http://schemas.microsoft.com/office/powerpoint/2010/main" xmlns:p15="http://schemas.microsoft.com/office/powerpoint/2012/main" xmlns:ahyp="http://schemas.microsoft.com/office/drawing/2018/hyperlinkcolor" showMasterPhAnim="0" showMasterSp="0">
+<p:notes xmlns:a="http://schemas.openxmlformats.org/drawingml/2006/main" xmlns:r="http://schemas.openxmlformats.org/officeDocument/2006/relationships" xmlns:p="http://schemas.openxmlformats.org/presentationml/2006/main" showMasterSp="0" showMasterPhAnim="0">
   <p:cSld>
     <p:spTree>
       <p:nvGrpSpPr>
-        <p:cNvPr id="85" name="Shape 85"/>
+        <p:cNvPr id="1" name="Shape 85"/>
         <p:cNvGrpSpPr/>
         <p:nvPr/>
       </p:nvGrpSpPr>
@@ -1221,9 +1271,11 @@
       <p:sp>
         <p:nvSpPr>
           <p:cNvPr id="86" name="Google Shape;86;g2d3f0d7c4d3_0_373:notes"/>
-          <p:cNvSpPr/>
+          <p:cNvSpPr>
+            <a:spLocks noGrp="1" noRot="1" noChangeAspect="1"/>
+          </p:cNvSpPr>
           <p:nvPr>
-            <p:ph idx="2" type="sldImg"/>
+            <p:ph type="sldImg" idx="2"/>
           </p:nvPr>
         </p:nvSpPr>
         <p:spPr>
@@ -1232,9 +1284,13 @@
             <a:ext cx="6096000" cy="3429000"/>
           </a:xfrm>
           <a:custGeom>
-            <a:rect b="b" l="l" r="r" t="t"/>
+            <a:avLst/>
+            <a:gdLst/>
+            <a:ahLst/>
+            <a:cxnLst/>
+            <a:rect l="l" t="t" r="r" b="b"/>
             <a:pathLst>
-              <a:path extrusionOk="0" h="120000" w="120000">
+              <a:path w="120000" h="120000" extrusionOk="0">
                 <a:moveTo>
                   <a:pt x="0" y="0"/>
                 </a:moveTo>
@@ -1256,9 +1312,11 @@
       <p:sp>
         <p:nvSpPr>
           <p:cNvPr id="87" name="Google Shape;87;g2d3f0d7c4d3_0_373:notes"/>
-          <p:cNvSpPr txBox="1"/>
+          <p:cNvSpPr txBox="1">
+            <a:spLocks noGrp="1"/>
+          </p:cNvSpPr>
           <p:nvPr>
-            <p:ph idx="1" type="body"/>
+            <p:ph type="body" idx="1"/>
           </p:nvPr>
         </p:nvSpPr>
         <p:spPr>
@@ -1271,12 +1329,12 @@
           </a:prstGeom>
         </p:spPr>
         <p:txBody>
-          <a:bodyPr anchorCtr="0" anchor="t" bIns="91425" lIns="91425" spcFirstLastPara="1" rIns="91425" wrap="square" tIns="91425">
+          <a:bodyPr spcFirstLastPara="1" wrap="square" lIns="91425" tIns="91425" rIns="91425" bIns="91425" anchor="t" anchorCtr="0">
             <a:noAutofit/>
           </a:bodyPr>
           <a:lstStyle/>
           <a:p>
-            <a:pPr indent="0" lvl="0" marL="0" rtl="0" algn="l">
+            <a:pPr marL="0" lvl="0" indent="0" algn="l" rtl="0">
               <a:spcBef>
                 <a:spcPts val="0"/>
               </a:spcBef>
@@ -1302,11 +1360,11 @@
 </file>
 
 <file path=ppt/notesSlides/notesSlide7.xml><?xml version="1.0" encoding="utf-8"?>
-<p:notes xmlns:a="http://schemas.openxmlformats.org/drawingml/2006/main" xmlns:r="http://schemas.openxmlformats.org/officeDocument/2006/relationships" xmlns:mc="http://schemas.openxmlformats.org/markup-compatibility/2006" xmlns:mv="urn:schemas-microsoft-com:mac:vml" xmlns:p="http://schemas.openxmlformats.org/presentationml/2006/main" xmlns:c="http://schemas.openxmlformats.org/drawingml/2006/chart" xmlns:dgm="http://schemas.openxmlformats.org/drawingml/2006/diagram" xmlns:o="urn:schemas-microsoft-com:office:office" xmlns:v="urn:schemas-microsoft-com:vml" xmlns:pvml="urn:schemas-microsoft-com:office:powerpoint" xmlns:com="http://schemas.openxmlformats.org/drawingml/2006/compatibility" xmlns:p14="http://schemas.microsoft.com/office/powerpoint/2010/main" xmlns:p15="http://schemas.microsoft.com/office/powerpoint/2012/main" xmlns:ahyp="http://schemas.microsoft.com/office/drawing/2018/hyperlinkcolor" showMasterPhAnim="0" showMasterSp="0">
+<p:notes xmlns:a="http://schemas.openxmlformats.org/drawingml/2006/main" xmlns:r="http://schemas.openxmlformats.org/officeDocument/2006/relationships" xmlns:p="http://schemas.openxmlformats.org/presentationml/2006/main" showMasterSp="0" showMasterPhAnim="0">
   <p:cSld>
     <p:spTree>
       <p:nvGrpSpPr>
-        <p:cNvPr id="92" name="Shape 92"/>
+        <p:cNvPr id="1" name="Shape 92"/>
         <p:cNvGrpSpPr/>
         <p:nvPr/>
       </p:nvGrpSpPr>
@@ -1321,9 +1379,11 @@
       <p:sp>
         <p:nvSpPr>
           <p:cNvPr id="93" name="Google Shape;93;g2d3f0d7c4d3_0_383:notes"/>
-          <p:cNvSpPr/>
+          <p:cNvSpPr>
+            <a:spLocks noGrp="1" noRot="1" noChangeAspect="1"/>
+          </p:cNvSpPr>
           <p:nvPr>
-            <p:ph idx="2" type="sldImg"/>
+            <p:ph type="sldImg" idx="2"/>
           </p:nvPr>
         </p:nvSpPr>
         <p:spPr>
@@ -1332,9 +1392,13 @@
             <a:ext cx="6096000" cy="3429000"/>
           </a:xfrm>
           <a:custGeom>
-            <a:rect b="b" l="l" r="r" t="t"/>
+            <a:avLst/>
+            <a:gdLst/>
+            <a:ahLst/>
+            <a:cxnLst/>
+            <a:rect l="l" t="t" r="r" b="b"/>
             <a:pathLst>
-              <a:path extrusionOk="0" h="120000" w="120000">
+              <a:path w="120000" h="120000" extrusionOk="0">
                 <a:moveTo>
                   <a:pt x="0" y="0"/>
                 </a:moveTo>
@@ -1356,9 +1420,11 @@
       <p:sp>
         <p:nvSpPr>
           <p:cNvPr id="94" name="Google Shape;94;g2d3f0d7c4d3_0_383:notes"/>
-          <p:cNvSpPr txBox="1"/>
+          <p:cNvSpPr txBox="1">
+            <a:spLocks noGrp="1"/>
+          </p:cNvSpPr>
           <p:nvPr>
-            <p:ph idx="1" type="body"/>
+            <p:ph type="body" idx="1"/>
           </p:nvPr>
         </p:nvSpPr>
         <p:spPr>
@@ -1371,12 +1437,12 @@
           </a:prstGeom>
         </p:spPr>
         <p:txBody>
-          <a:bodyPr anchorCtr="0" anchor="t" bIns="91425" lIns="91425" spcFirstLastPara="1" rIns="91425" wrap="square" tIns="91425">
+          <a:bodyPr spcFirstLastPara="1" wrap="square" lIns="91425" tIns="91425" rIns="91425" bIns="91425" anchor="t" anchorCtr="0">
             <a:noAutofit/>
           </a:bodyPr>
           <a:lstStyle/>
           <a:p>
-            <a:pPr indent="0" lvl="0" marL="0" rtl="0" algn="l">
+            <a:pPr marL="0" lvl="0" indent="0" algn="l" rtl="0">
               <a:spcBef>
                 <a:spcPts val="0"/>
               </a:spcBef>
@@ -1402,11 +1468,11 @@
 </file>
 
 <file path=ppt/notesSlides/notesSlide8.xml><?xml version="1.0" encoding="utf-8"?>
-<p:notes xmlns:a="http://schemas.openxmlformats.org/drawingml/2006/main" xmlns:r="http://schemas.openxmlformats.org/officeDocument/2006/relationships" xmlns:mc="http://schemas.openxmlformats.org/markup-compatibility/2006" xmlns:mv="urn:schemas-microsoft-com:mac:vml" xmlns:p="http://schemas.openxmlformats.org/presentationml/2006/main" xmlns:c="http://schemas.openxmlformats.org/drawingml/2006/chart" xmlns:dgm="http://schemas.openxmlformats.org/drawingml/2006/diagram" xmlns:o="urn:schemas-microsoft-com:office:office" xmlns:v="urn:schemas-microsoft-com:vml" xmlns:pvml="urn:schemas-microsoft-com:office:powerpoint" xmlns:com="http://schemas.openxmlformats.org/drawingml/2006/compatibility" xmlns:p14="http://schemas.microsoft.com/office/powerpoint/2010/main" xmlns:p15="http://schemas.microsoft.com/office/powerpoint/2012/main" xmlns:ahyp="http://schemas.microsoft.com/office/drawing/2018/hyperlinkcolor" showMasterPhAnim="0" showMasterSp="0">
+<p:notes xmlns:a="http://schemas.openxmlformats.org/drawingml/2006/main" xmlns:r="http://schemas.openxmlformats.org/officeDocument/2006/relationships" xmlns:p="http://schemas.openxmlformats.org/presentationml/2006/main" showMasterSp="0" showMasterPhAnim="0">
   <p:cSld>
     <p:spTree>
       <p:nvGrpSpPr>
-        <p:cNvPr id="98" name="Shape 98"/>
+        <p:cNvPr id="1" name="Shape 98"/>
         <p:cNvGrpSpPr/>
         <p:nvPr/>
       </p:nvGrpSpPr>
@@ -1421,9 +1487,11 @@
       <p:sp>
         <p:nvSpPr>
           <p:cNvPr id="99" name="Google Shape;99;g2d3f0d7c4d3_0_349:notes"/>
-          <p:cNvSpPr/>
+          <p:cNvSpPr>
+            <a:spLocks noGrp="1" noRot="1" noChangeAspect="1"/>
+          </p:cNvSpPr>
           <p:nvPr>
-            <p:ph idx="2" type="sldImg"/>
+            <p:ph type="sldImg" idx="2"/>
           </p:nvPr>
         </p:nvSpPr>
         <p:spPr>
@@ -1432,9 +1500,13 @@
             <a:ext cx="6096000" cy="3429000"/>
           </a:xfrm>
           <a:custGeom>
-            <a:rect b="b" l="l" r="r" t="t"/>
+            <a:avLst/>
+            <a:gdLst/>
+            <a:ahLst/>
+            <a:cxnLst/>
+            <a:rect l="l" t="t" r="r" b="b"/>
             <a:pathLst>
-              <a:path extrusionOk="0" h="120000" w="120000">
+              <a:path w="120000" h="120000" extrusionOk="0">
                 <a:moveTo>
                   <a:pt x="0" y="0"/>
                 </a:moveTo>
@@ -1456,9 +1528,11 @@
       <p:sp>
         <p:nvSpPr>
           <p:cNvPr id="100" name="Google Shape;100;g2d3f0d7c4d3_0_349:notes"/>
-          <p:cNvSpPr txBox="1"/>
+          <p:cNvSpPr txBox="1">
+            <a:spLocks noGrp="1"/>
+          </p:cNvSpPr>
           <p:nvPr>
-            <p:ph idx="1" type="body"/>
+            <p:ph type="body" idx="1"/>
           </p:nvPr>
         </p:nvSpPr>
         <p:spPr>
@@ -1471,12 +1545,12 @@
           </a:prstGeom>
         </p:spPr>
         <p:txBody>
-          <a:bodyPr anchorCtr="0" anchor="t" bIns="91425" lIns="91425" spcFirstLastPara="1" rIns="91425" wrap="square" tIns="91425">
+          <a:bodyPr spcFirstLastPara="1" wrap="square" lIns="91425" tIns="91425" rIns="91425" bIns="91425" anchor="t" anchorCtr="0">
             <a:noAutofit/>
           </a:bodyPr>
           <a:lstStyle/>
           <a:p>
-            <a:pPr indent="0" lvl="0" marL="0" rtl="0" algn="l">
+            <a:pPr marL="0" lvl="0" indent="0" algn="l" rtl="0">
               <a:spcBef>
                 <a:spcPts val="0"/>
               </a:spcBef>
@@ -1485,9 +1559,6 @@
               </a:spcAft>
               <a:buNone/>
             </a:pPr>
-            <a:r>
-              <a:t/>
-            </a:r>
             <a:endParaRPr/>
           </a:p>
         </p:txBody>
@@ -1501,11 +1572,11 @@
 </file>
 
 <file path=ppt/notesSlides/notesSlide9.xml><?xml version="1.0" encoding="utf-8"?>
-<p:notes xmlns:a="http://schemas.openxmlformats.org/drawingml/2006/main" xmlns:r="http://schemas.openxmlformats.org/officeDocument/2006/relationships" xmlns:mc="http://schemas.openxmlformats.org/markup-compatibility/2006" xmlns:mv="urn:schemas-microsoft-com:mac:vml" xmlns:p="http://schemas.openxmlformats.org/presentationml/2006/main" xmlns:c="http://schemas.openxmlformats.org/drawingml/2006/chart" xmlns:dgm="http://schemas.openxmlformats.org/drawingml/2006/diagram" xmlns:o="urn:schemas-microsoft-com:office:office" xmlns:v="urn:schemas-microsoft-com:vml" xmlns:pvml="urn:schemas-microsoft-com:office:powerpoint" xmlns:com="http://schemas.openxmlformats.org/drawingml/2006/compatibility" xmlns:p14="http://schemas.microsoft.com/office/powerpoint/2010/main" xmlns:p15="http://schemas.microsoft.com/office/powerpoint/2012/main" xmlns:ahyp="http://schemas.microsoft.com/office/drawing/2018/hyperlinkcolor" showMasterPhAnim="0" showMasterSp="0">
+<p:notes xmlns:a="http://schemas.openxmlformats.org/drawingml/2006/main" xmlns:r="http://schemas.openxmlformats.org/officeDocument/2006/relationships" xmlns:p="http://schemas.openxmlformats.org/presentationml/2006/main" showMasterSp="0" showMasterPhAnim="0">
   <p:cSld>
     <p:spTree>
       <p:nvGrpSpPr>
-        <p:cNvPr id="104" name="Shape 104"/>
+        <p:cNvPr id="1" name="Shape 104"/>
         <p:cNvGrpSpPr/>
         <p:nvPr/>
       </p:nvGrpSpPr>
@@ -1520,9 +1591,11 @@
       <p:sp>
         <p:nvSpPr>
           <p:cNvPr id="105" name="Google Shape;105;g2d3f0d7c4d3_0_391:notes"/>
-          <p:cNvSpPr/>
+          <p:cNvSpPr>
+            <a:spLocks noGrp="1" noRot="1" noChangeAspect="1"/>
+          </p:cNvSpPr>
           <p:nvPr>
-            <p:ph idx="2" type="sldImg"/>
+            <p:ph type="sldImg" idx="2"/>
           </p:nvPr>
         </p:nvSpPr>
         <p:spPr>
@@ -1531,9 +1604,13 @@
             <a:ext cx="6096000" cy="3429000"/>
           </a:xfrm>
           <a:custGeom>
-            <a:rect b="b" l="l" r="r" t="t"/>
+            <a:avLst/>
+            <a:gdLst/>
+            <a:ahLst/>
+            <a:cxnLst/>
+            <a:rect l="l" t="t" r="r" b="b"/>
             <a:pathLst>
-              <a:path extrusionOk="0" h="120000" w="120000">
+              <a:path w="120000" h="120000" extrusionOk="0">
                 <a:moveTo>
                   <a:pt x="0" y="0"/>
                 </a:moveTo>
@@ -1555,9 +1632,11 @@
       <p:sp>
         <p:nvSpPr>
           <p:cNvPr id="106" name="Google Shape;106;g2d3f0d7c4d3_0_391:notes"/>
-          <p:cNvSpPr txBox="1"/>
+          <p:cNvSpPr txBox="1">
+            <a:spLocks noGrp="1"/>
+          </p:cNvSpPr>
           <p:nvPr>
-            <p:ph idx="1" type="body"/>
+            <p:ph type="body" idx="1"/>
           </p:nvPr>
         </p:nvSpPr>
         <p:spPr>
@@ -1570,12 +1649,12 @@
           </a:prstGeom>
         </p:spPr>
         <p:txBody>
-          <a:bodyPr anchorCtr="0" anchor="t" bIns="91425" lIns="91425" spcFirstLastPara="1" rIns="91425" wrap="square" tIns="91425">
+          <a:bodyPr spcFirstLastPara="1" wrap="square" lIns="91425" tIns="91425" rIns="91425" bIns="91425" anchor="t" anchorCtr="0">
             <a:noAutofit/>
           </a:bodyPr>
           <a:lstStyle/>
           <a:p>
-            <a:pPr indent="0" lvl="0" marL="0" rtl="0" algn="l">
+            <a:pPr marL="0" lvl="0" indent="0" algn="l" rtl="0">
               <a:spcBef>
                 <a:spcPts val="0"/>
               </a:spcBef>
@@ -1584,9 +1663,6 @@
               </a:spcAft>
               <a:buNone/>
             </a:pPr>
-            <a:r>
-              <a:t/>
-            </a:r>
             <a:endParaRPr/>
           </a:p>
         </p:txBody>
@@ -1600,18 +1676,19 @@
 </file>
 
 <file path=ppt/slideLayouts/slideLayout1.xml><?xml version="1.0" encoding="utf-8"?>
-<p:sldLayout xmlns:a="http://schemas.openxmlformats.org/drawingml/2006/main" xmlns:r="http://schemas.openxmlformats.org/officeDocument/2006/relationships" xmlns:mc="http://schemas.openxmlformats.org/markup-compatibility/2006" xmlns:mv="urn:schemas-microsoft-com:mac:vml" xmlns:p="http://schemas.openxmlformats.org/presentationml/2006/main" xmlns:c="http://schemas.openxmlformats.org/drawingml/2006/chart" xmlns:dgm="http://schemas.openxmlformats.org/drawingml/2006/diagram" xmlns:o="urn:schemas-microsoft-com:office:office" xmlns:v="urn:schemas-microsoft-com:vml" xmlns:pvml="urn:schemas-microsoft-com:office:powerpoint" xmlns:com="http://schemas.openxmlformats.org/drawingml/2006/compatibility" xmlns:p14="http://schemas.microsoft.com/office/powerpoint/2010/main" xmlns:p15="http://schemas.microsoft.com/office/powerpoint/2012/main" xmlns:ahyp="http://schemas.microsoft.com/office/drawing/2018/hyperlinkcolor" matchingName="Title slide" type="title">
+<p:sldLayout xmlns:a="http://schemas.openxmlformats.org/drawingml/2006/main" xmlns:r="http://schemas.openxmlformats.org/officeDocument/2006/relationships" xmlns:p="http://schemas.openxmlformats.org/presentationml/2006/main" matchingName="Title slide" type="title">
   <p:cSld name="TITLE">
     <p:bg>
       <p:bgPr>
         <a:solidFill>
           <a:schemeClr val="dk1"/>
         </a:solidFill>
+        <a:effectLst/>
       </p:bgPr>
     </p:bg>
     <p:spTree>
       <p:nvGrpSpPr>
-        <p:cNvPr id="9" name="Shape 9"/>
+        <p:cNvPr id="1" name="Shape 9"/>
         <p:cNvGrpSpPr/>
         <p:nvPr/>
       </p:nvGrpSpPr>
@@ -1638,21 +1715,23 @@
             <a:avLst/>
           </a:prstGeom>
           <a:noFill/>
-          <a:ln cap="flat" cmpd="sng" w="19050">
+          <a:ln w="19050" cap="flat" cmpd="sng">
             <a:solidFill>
               <a:schemeClr val="lt2"/>
             </a:solidFill>
             <a:prstDash val="solid"/>
             <a:round/>
-            <a:headEnd len="sm" w="sm" type="none"/>
-            <a:tailEnd len="sm" w="sm" type="none"/>
+            <a:headEnd type="none" w="sm" len="sm"/>
+            <a:tailEnd type="none" w="sm" len="sm"/>
           </a:ln>
         </p:spPr>
       </p:cxnSp>
       <p:sp>
         <p:nvSpPr>
           <p:cNvPr id="11" name="Google Shape;11;p2"/>
-          <p:cNvSpPr txBox="1"/>
+          <p:cNvSpPr txBox="1">
+            <a:spLocks noGrp="1"/>
+          </p:cNvSpPr>
           <p:nvPr>
             <p:ph type="ctrTitle"/>
           </p:nvPr>
@@ -1667,7 +1746,7 @@
           </a:prstGeom>
         </p:spPr>
         <p:txBody>
-          <a:bodyPr anchorCtr="0" anchor="b" bIns="91425" lIns="91425" spcFirstLastPara="1" rIns="91425" wrap="square" tIns="91425">
+          <a:bodyPr spcFirstLastPara="1" wrap="square" lIns="91425" tIns="91425" rIns="91425" bIns="91425" anchor="b" anchorCtr="0">
             <a:normAutofit/>
           </a:bodyPr>
           <a:lstStyle>
@@ -1834,15 +1913,19 @@
               </a:defRPr>
             </a:lvl9pPr>
           </a:lstStyle>
-          <a:p/>
+          <a:p>
+            <a:endParaRPr/>
+          </a:p>
         </p:txBody>
       </p:sp>
       <p:sp>
         <p:nvSpPr>
           <p:cNvPr id="12" name="Google Shape;12;p2"/>
-          <p:cNvSpPr txBox="1"/>
+          <p:cNvSpPr txBox="1">
+            <a:spLocks noGrp="1"/>
+          </p:cNvSpPr>
           <p:nvPr>
-            <p:ph idx="1" type="subTitle"/>
+            <p:ph type="subTitle" idx="1"/>
           </p:nvPr>
         </p:nvSpPr>
         <p:spPr>
@@ -1855,7 +1938,7 @@
           </a:prstGeom>
         </p:spPr>
         <p:txBody>
-          <a:bodyPr anchorCtr="0" anchor="t" bIns="91425" lIns="91425" spcFirstLastPara="1" rIns="91425" wrap="square" tIns="91425">
+          <a:bodyPr spcFirstLastPara="1" wrap="square" lIns="91425" tIns="91425" rIns="91425" bIns="91425" anchor="t" anchorCtr="0">
             <a:normAutofit/>
           </a:bodyPr>
           <a:lstStyle>
@@ -2049,15 +2132,19 @@
               </a:defRPr>
             </a:lvl9pPr>
           </a:lstStyle>
-          <a:p/>
+          <a:p>
+            <a:endParaRPr/>
+          </a:p>
         </p:txBody>
       </p:sp>
       <p:sp>
         <p:nvSpPr>
           <p:cNvPr id="13" name="Google Shape;13;p2"/>
-          <p:cNvSpPr txBox="1"/>
+          <p:cNvSpPr txBox="1">
+            <a:spLocks noGrp="1"/>
+          </p:cNvSpPr>
           <p:nvPr>
-            <p:ph idx="12" type="sldNum"/>
+            <p:ph type="sldNum" idx="12"/>
           </p:nvPr>
         </p:nvSpPr>
         <p:spPr>
@@ -2070,7 +2157,7 @@
           </a:prstGeom>
         </p:spPr>
         <p:txBody>
-          <a:bodyPr anchorCtr="0" anchor="ctr" bIns="91425" lIns="91425" spcFirstLastPara="1" rIns="91425" wrap="square" tIns="91425">
+          <a:bodyPr spcFirstLastPara="1" wrap="square" lIns="91425" tIns="91425" rIns="91425" bIns="91425" anchor="ctr" anchorCtr="0">
             <a:normAutofit/>
           </a:bodyPr>
           <a:lstStyle>
@@ -2148,7 +2235,7 @@
             </a:lvl9pPr>
           </a:lstStyle>
           <a:p>
-            <a:pPr indent="0" lvl="0" marL="0" rtl="0" algn="r">
+            <a:pPr marL="0" lvl="0" indent="0" algn="r" rtl="0">
               <a:spcBef>
                 <a:spcPts val="0"/>
               </a:spcBef>
@@ -2174,11 +2261,11 @@
 </file>
 
 <file path=ppt/slideLayouts/slideLayout10.xml><?xml version="1.0" encoding="utf-8"?>
-<p:sldLayout xmlns:a="http://schemas.openxmlformats.org/drawingml/2006/main" xmlns:r="http://schemas.openxmlformats.org/officeDocument/2006/relationships" xmlns:mc="http://schemas.openxmlformats.org/markup-compatibility/2006" xmlns:mv="urn:schemas-microsoft-com:mac:vml" xmlns:p="http://schemas.openxmlformats.org/presentationml/2006/main" xmlns:c="http://schemas.openxmlformats.org/drawingml/2006/chart" xmlns:dgm="http://schemas.openxmlformats.org/drawingml/2006/diagram" xmlns:o="urn:schemas-microsoft-com:office:office" xmlns:v="urn:schemas-microsoft-com:vml" xmlns:pvml="urn:schemas-microsoft-com:office:powerpoint" xmlns:com="http://schemas.openxmlformats.org/drawingml/2006/compatibility" xmlns:p14="http://schemas.microsoft.com/office/powerpoint/2010/main" xmlns:p15="http://schemas.microsoft.com/office/powerpoint/2012/main" xmlns:ahyp="http://schemas.microsoft.com/office/drawing/2018/hyperlinkcolor" matchingName="Big number">
+<p:sldLayout xmlns:a="http://schemas.openxmlformats.org/drawingml/2006/main" xmlns:r="http://schemas.openxmlformats.org/officeDocument/2006/relationships" xmlns:p="http://schemas.openxmlformats.org/presentationml/2006/main" matchingName="Big number">
   <p:cSld name="BIG_NUMBER">
     <p:spTree>
       <p:nvGrpSpPr>
-        <p:cNvPr id="48" name="Shape 48"/>
+        <p:cNvPr id="1" name="Shape 48"/>
         <p:cNvGrpSpPr/>
         <p:nvPr/>
       </p:nvGrpSpPr>
@@ -2212,12 +2299,12 @@
           </a:ln>
         </p:spPr>
         <p:txBody>
-          <a:bodyPr anchorCtr="0" anchor="ctr" bIns="91425" lIns="91425" spcFirstLastPara="1" rIns="91425" wrap="square" tIns="91425">
+          <a:bodyPr spcFirstLastPara="1" wrap="square" lIns="91425" tIns="91425" rIns="91425" bIns="91425" anchor="ctr" anchorCtr="0">
             <a:noAutofit/>
           </a:bodyPr>
           <a:lstStyle/>
           <a:p>
-            <a:pPr indent="0" lvl="0" marL="0" rtl="0" algn="l">
+            <a:pPr marL="0" lvl="0" indent="0" algn="l" rtl="0">
               <a:spcBef>
                 <a:spcPts val="0"/>
               </a:spcBef>
@@ -2226,9 +2313,6 @@
               </a:spcAft>
               <a:buNone/>
             </a:pPr>
-            <a:r>
-              <a:t/>
-            </a:r>
             <a:endParaRPr/>
           </a:p>
         </p:txBody>
@@ -2236,9 +2320,11 @@
       <p:sp>
         <p:nvSpPr>
           <p:cNvPr id="50" name="Google Shape;50;p11"/>
-          <p:cNvSpPr txBox="1"/>
+          <p:cNvSpPr txBox="1">
+            <a:spLocks noGrp="1"/>
+          </p:cNvSpPr>
           <p:nvPr>
-            <p:ph hasCustomPrompt="1" type="title"/>
+            <p:ph type="title" hasCustomPrompt="1"/>
           </p:nvPr>
         </p:nvSpPr>
         <p:spPr>
@@ -2251,7 +2337,7 @@
           </a:prstGeom>
         </p:spPr>
         <p:txBody>
-          <a:bodyPr anchorCtr="0" anchor="ctr" bIns="91425" lIns="91425" spcFirstLastPara="1" rIns="91425" wrap="square" tIns="91425">
+          <a:bodyPr spcFirstLastPara="1" wrap="square" lIns="91425" tIns="91425" rIns="91425" bIns="91425" anchor="ctr" anchorCtr="0">
             <a:normAutofit/>
           </a:bodyPr>
           <a:lstStyle>
@@ -2264,7 +2350,7 @@
               </a:spcAft>
               <a:buSzPts val="14000"/>
               <a:buNone/>
-              <a:defRPr b="1" sz="14000"/>
+              <a:defRPr sz="14000" b="1"/>
             </a:lvl1pPr>
             <a:lvl2pPr lvl="1" algn="ctr">
               <a:spcBef>
@@ -2275,7 +2361,7 @@
               </a:spcAft>
               <a:buSzPts val="14000"/>
               <a:buNone/>
-              <a:defRPr b="1" sz="14000"/>
+              <a:defRPr sz="14000" b="1"/>
             </a:lvl2pPr>
             <a:lvl3pPr lvl="2" algn="ctr">
               <a:spcBef>
@@ -2286,7 +2372,7 @@
               </a:spcAft>
               <a:buSzPts val="14000"/>
               <a:buNone/>
-              <a:defRPr b="1" sz="14000"/>
+              <a:defRPr sz="14000" b="1"/>
             </a:lvl3pPr>
             <a:lvl4pPr lvl="3" algn="ctr">
               <a:spcBef>
@@ -2297,7 +2383,7 @@
               </a:spcAft>
               <a:buSzPts val="14000"/>
               <a:buNone/>
-              <a:defRPr b="1" sz="14000"/>
+              <a:defRPr sz="14000" b="1"/>
             </a:lvl4pPr>
             <a:lvl5pPr lvl="4" algn="ctr">
               <a:spcBef>
@@ -2308,7 +2394,7 @@
               </a:spcAft>
               <a:buSzPts val="14000"/>
               <a:buNone/>
-              <a:defRPr b="1" sz="14000"/>
+              <a:defRPr sz="14000" b="1"/>
             </a:lvl5pPr>
             <a:lvl6pPr lvl="5" algn="ctr">
               <a:spcBef>
@@ -2319,7 +2405,7 @@
               </a:spcAft>
               <a:buSzPts val="14000"/>
               <a:buNone/>
-              <a:defRPr b="1" sz="14000"/>
+              <a:defRPr sz="14000" b="1"/>
             </a:lvl6pPr>
             <a:lvl7pPr lvl="6" algn="ctr">
               <a:spcBef>
@@ -2330,7 +2416,7 @@
               </a:spcAft>
               <a:buSzPts val="14000"/>
               <a:buNone/>
-              <a:defRPr b="1" sz="14000"/>
+              <a:defRPr sz="14000" b="1"/>
             </a:lvl7pPr>
             <a:lvl8pPr lvl="7" algn="ctr">
               <a:spcBef>
@@ -2341,7 +2427,7 @@
               </a:spcAft>
               <a:buSzPts val="14000"/>
               <a:buNone/>
-              <a:defRPr b="1" sz="14000"/>
+              <a:defRPr sz="14000" b="1"/>
             </a:lvl8pPr>
             <a:lvl9pPr lvl="8" algn="ctr">
               <a:spcBef>
@@ -2352,7 +2438,7 @@
               </a:spcAft>
               <a:buSzPts val="14000"/>
               <a:buNone/>
-              <a:defRPr b="1" sz="14000"/>
+              <a:defRPr sz="14000" b="1"/>
             </a:lvl9pPr>
           </a:lstStyle>
           <a:p>
@@ -2365,9 +2451,11 @@
       <p:sp>
         <p:nvSpPr>
           <p:cNvPr id="51" name="Google Shape;51;p11"/>
-          <p:cNvSpPr txBox="1"/>
+          <p:cNvSpPr txBox="1">
+            <a:spLocks noGrp="1"/>
+          </p:cNvSpPr>
           <p:nvPr>
-            <p:ph idx="1" type="body"/>
+            <p:ph type="body" idx="1"/>
           </p:nvPr>
         </p:nvSpPr>
         <p:spPr>
@@ -2380,11 +2468,11 @@
           </a:prstGeom>
         </p:spPr>
         <p:txBody>
-          <a:bodyPr anchorCtr="0" anchor="t" bIns="91425" lIns="91425" spcFirstLastPara="1" rIns="91425" wrap="square" tIns="91425">
+          <a:bodyPr spcFirstLastPara="1" wrap="square" lIns="91425" tIns="91425" rIns="91425" bIns="91425" anchor="t" anchorCtr="0">
             <a:normAutofit/>
           </a:bodyPr>
           <a:lstStyle>
-            <a:lvl1pPr indent="-342900" lvl="0" marL="457200" algn="ctr">
+            <a:lvl1pPr marL="457200" lvl="0" indent="-342900" algn="ctr">
               <a:spcBef>
                 <a:spcPts val="0"/>
               </a:spcBef>
@@ -2395,7 +2483,7 @@
               <a:buChar char="●"/>
               <a:defRPr/>
             </a:lvl1pPr>
-            <a:lvl2pPr indent="-317500" lvl="1" marL="914400" algn="ctr">
+            <a:lvl2pPr marL="914400" lvl="1" indent="-317500" algn="ctr">
               <a:spcBef>
                 <a:spcPts val="0"/>
               </a:spcBef>
@@ -2406,7 +2494,7 @@
               <a:buChar char="○"/>
               <a:defRPr/>
             </a:lvl2pPr>
-            <a:lvl3pPr indent="-317500" lvl="2" marL="1371600" algn="ctr">
+            <a:lvl3pPr marL="1371600" lvl="2" indent="-317500" algn="ctr">
               <a:spcBef>
                 <a:spcPts val="0"/>
               </a:spcBef>
@@ -2417,7 +2505,7 @@
               <a:buChar char="■"/>
               <a:defRPr/>
             </a:lvl3pPr>
-            <a:lvl4pPr indent="-317500" lvl="3" marL="1828800" algn="ctr">
+            <a:lvl4pPr marL="1828800" lvl="3" indent="-317500" algn="ctr">
               <a:spcBef>
                 <a:spcPts val="0"/>
               </a:spcBef>
@@ -2428,7 +2516,7 @@
               <a:buChar char="●"/>
               <a:defRPr/>
             </a:lvl4pPr>
-            <a:lvl5pPr indent="-317500" lvl="4" marL="2286000" algn="ctr">
+            <a:lvl5pPr marL="2286000" lvl="4" indent="-317500" algn="ctr">
               <a:spcBef>
                 <a:spcPts val="0"/>
               </a:spcBef>
@@ -2439,7 +2527,7 @@
               <a:buChar char="○"/>
               <a:defRPr/>
             </a:lvl5pPr>
-            <a:lvl6pPr indent="-317500" lvl="5" marL="2743200" algn="ctr">
+            <a:lvl6pPr marL="2743200" lvl="5" indent="-317500" algn="ctr">
               <a:spcBef>
                 <a:spcPts val="0"/>
               </a:spcBef>
@@ -2450,7 +2538,7 @@
               <a:buChar char="■"/>
               <a:defRPr/>
             </a:lvl6pPr>
-            <a:lvl7pPr indent="-317500" lvl="6" marL="3200400" algn="ctr">
+            <a:lvl7pPr marL="3200400" lvl="6" indent="-317500" algn="ctr">
               <a:spcBef>
                 <a:spcPts val="0"/>
               </a:spcBef>
@@ -2461,7 +2549,7 @@
               <a:buChar char="●"/>
               <a:defRPr/>
             </a:lvl7pPr>
-            <a:lvl8pPr indent="-317500" lvl="7" marL="3657600" algn="ctr">
+            <a:lvl8pPr marL="3657600" lvl="7" indent="-317500" algn="ctr">
               <a:spcBef>
                 <a:spcPts val="0"/>
               </a:spcBef>
@@ -2472,7 +2560,7 @@
               <a:buChar char="○"/>
               <a:defRPr/>
             </a:lvl8pPr>
-            <a:lvl9pPr indent="-317500" lvl="8" marL="4114800" algn="ctr">
+            <a:lvl9pPr marL="4114800" lvl="8" indent="-317500" algn="ctr">
               <a:spcBef>
                 <a:spcPts val="0"/>
               </a:spcBef>
@@ -2484,15 +2572,19 @@
               <a:defRPr/>
             </a:lvl9pPr>
           </a:lstStyle>
-          <a:p/>
+          <a:p>
+            <a:endParaRPr/>
+          </a:p>
         </p:txBody>
       </p:sp>
       <p:sp>
         <p:nvSpPr>
           <p:cNvPr id="52" name="Google Shape;52;p11"/>
-          <p:cNvSpPr txBox="1"/>
+          <p:cNvSpPr txBox="1">
+            <a:spLocks noGrp="1"/>
+          </p:cNvSpPr>
           <p:nvPr>
-            <p:ph idx="12" type="sldNum"/>
+            <p:ph type="sldNum" idx="12"/>
           </p:nvPr>
         </p:nvSpPr>
         <p:spPr>
@@ -2505,7 +2597,7 @@
           </a:prstGeom>
         </p:spPr>
         <p:txBody>
-          <a:bodyPr anchorCtr="0" anchor="ctr" bIns="91425" lIns="91425" spcFirstLastPara="1" rIns="91425" wrap="square" tIns="91425">
+          <a:bodyPr spcFirstLastPara="1" wrap="square" lIns="91425" tIns="91425" rIns="91425" bIns="91425" anchor="ctr" anchorCtr="0">
             <a:normAutofit/>
           </a:bodyPr>
           <a:lstStyle>
@@ -2547,7 +2639,7 @@
             </a:lvl9pPr>
           </a:lstStyle>
           <a:p>
-            <a:pPr indent="0" lvl="0" marL="0" rtl="0" algn="r">
+            <a:pPr marL="0" lvl="0" indent="0" algn="r" rtl="0">
               <a:spcBef>
                 <a:spcPts val="0"/>
               </a:spcBef>
@@ -2573,11 +2665,11 @@
 </file>
 
 <file path=ppt/slideLayouts/slideLayout11.xml><?xml version="1.0" encoding="utf-8"?>
-<p:sldLayout xmlns:a="http://schemas.openxmlformats.org/drawingml/2006/main" xmlns:r="http://schemas.openxmlformats.org/officeDocument/2006/relationships" xmlns:mc="http://schemas.openxmlformats.org/markup-compatibility/2006" xmlns:mv="urn:schemas-microsoft-com:mac:vml" xmlns:p="http://schemas.openxmlformats.org/presentationml/2006/main" xmlns:c="http://schemas.openxmlformats.org/drawingml/2006/chart" xmlns:dgm="http://schemas.openxmlformats.org/drawingml/2006/diagram" xmlns:o="urn:schemas-microsoft-com:office:office" xmlns:v="urn:schemas-microsoft-com:vml" xmlns:pvml="urn:schemas-microsoft-com:office:powerpoint" xmlns:com="http://schemas.openxmlformats.org/drawingml/2006/compatibility" xmlns:p14="http://schemas.microsoft.com/office/powerpoint/2010/main" xmlns:p15="http://schemas.microsoft.com/office/powerpoint/2012/main" xmlns:ahyp="http://schemas.microsoft.com/office/drawing/2018/hyperlinkcolor" matchingName="Blank" type="blank">
+<p:sldLayout xmlns:a="http://schemas.openxmlformats.org/drawingml/2006/main" xmlns:r="http://schemas.openxmlformats.org/officeDocument/2006/relationships" xmlns:p="http://schemas.openxmlformats.org/presentationml/2006/main" matchingName="Blank" type="blank">
   <p:cSld name="BLANK">
     <p:spTree>
       <p:nvGrpSpPr>
-        <p:cNvPr id="53" name="Shape 53"/>
+        <p:cNvPr id="1" name="Shape 53"/>
         <p:cNvGrpSpPr/>
         <p:nvPr/>
       </p:nvGrpSpPr>
@@ -2592,9 +2684,11 @@
       <p:sp>
         <p:nvSpPr>
           <p:cNvPr id="54" name="Google Shape;54;p12"/>
-          <p:cNvSpPr txBox="1"/>
+          <p:cNvSpPr txBox="1">
+            <a:spLocks noGrp="1"/>
+          </p:cNvSpPr>
           <p:nvPr>
-            <p:ph idx="12" type="sldNum"/>
+            <p:ph type="sldNum" idx="12"/>
           </p:nvPr>
         </p:nvSpPr>
         <p:spPr>
@@ -2607,7 +2701,7 @@
           </a:prstGeom>
         </p:spPr>
         <p:txBody>
-          <a:bodyPr anchorCtr="0" anchor="ctr" bIns="91425" lIns="91425" spcFirstLastPara="1" rIns="91425" wrap="square" tIns="91425">
+          <a:bodyPr spcFirstLastPara="1" wrap="square" lIns="91425" tIns="91425" rIns="91425" bIns="91425" anchor="ctr" anchorCtr="0">
             <a:normAutofit/>
           </a:bodyPr>
           <a:lstStyle>
@@ -2649,7 +2743,7 @@
             </a:lvl9pPr>
           </a:lstStyle>
           <a:p>
-            <a:pPr indent="0" lvl="0" marL="0" rtl="0" algn="r">
+            <a:pPr marL="0" lvl="0" indent="0" algn="r" rtl="0">
               <a:spcBef>
                 <a:spcPts val="0"/>
               </a:spcBef>
@@ -2675,18 +2769,19 @@
 </file>
 
 <file path=ppt/slideLayouts/slideLayout2.xml><?xml version="1.0" encoding="utf-8"?>
-<p:sldLayout xmlns:a="http://schemas.openxmlformats.org/drawingml/2006/main" xmlns:r="http://schemas.openxmlformats.org/officeDocument/2006/relationships" xmlns:mc="http://schemas.openxmlformats.org/markup-compatibility/2006" xmlns:mv="urn:schemas-microsoft-com:mac:vml" xmlns:p="http://schemas.openxmlformats.org/presentationml/2006/main" xmlns:c="http://schemas.openxmlformats.org/drawingml/2006/chart" xmlns:dgm="http://schemas.openxmlformats.org/drawingml/2006/diagram" xmlns:o="urn:schemas-microsoft-com:office:office" xmlns:v="urn:schemas-microsoft-com:vml" xmlns:pvml="urn:schemas-microsoft-com:office:powerpoint" xmlns:com="http://schemas.openxmlformats.org/drawingml/2006/compatibility" xmlns:p14="http://schemas.microsoft.com/office/powerpoint/2010/main" xmlns:p15="http://schemas.microsoft.com/office/powerpoint/2012/main" xmlns:ahyp="http://schemas.microsoft.com/office/drawing/2018/hyperlinkcolor" matchingName="Section header" type="secHead">
+<p:sldLayout xmlns:a="http://schemas.openxmlformats.org/drawingml/2006/main" xmlns:r="http://schemas.openxmlformats.org/officeDocument/2006/relationships" xmlns:p="http://schemas.openxmlformats.org/presentationml/2006/main" matchingName="Section header" type="secHead">
   <p:cSld name="SECTION_HEADER">
     <p:bg>
       <p:bgPr>
         <a:solidFill>
           <a:schemeClr val="dk1"/>
         </a:solidFill>
+        <a:effectLst/>
       </p:bgPr>
     </p:bg>
     <p:spTree>
       <p:nvGrpSpPr>
-        <p:cNvPr id="14" name="Shape 14"/>
+        <p:cNvPr id="1" name="Shape 14"/>
         <p:cNvGrpSpPr/>
         <p:nvPr/>
       </p:nvGrpSpPr>
@@ -2713,21 +2808,23 @@
             <a:avLst/>
           </a:prstGeom>
           <a:noFill/>
-          <a:ln cap="flat" cmpd="sng" w="19050">
+          <a:ln w="19050" cap="flat" cmpd="sng">
             <a:solidFill>
               <a:schemeClr val="lt2"/>
             </a:solidFill>
             <a:prstDash val="solid"/>
             <a:round/>
-            <a:headEnd len="sm" w="sm" type="none"/>
-            <a:tailEnd len="sm" w="sm" type="none"/>
+            <a:headEnd type="none" w="sm" len="sm"/>
+            <a:tailEnd type="none" w="sm" len="sm"/>
           </a:ln>
         </p:spPr>
       </p:cxnSp>
       <p:sp>
         <p:nvSpPr>
           <p:cNvPr id="16" name="Google Shape;16;p3"/>
-          <p:cNvSpPr txBox="1"/>
+          <p:cNvSpPr txBox="1">
+            <a:spLocks noGrp="1"/>
+          </p:cNvSpPr>
           <p:nvPr>
             <p:ph type="title"/>
           </p:nvPr>
@@ -2742,7 +2839,7 @@
           </a:prstGeom>
         </p:spPr>
         <p:txBody>
-          <a:bodyPr anchorCtr="0" anchor="b" bIns="91425" lIns="91425" spcFirstLastPara="1" rIns="91425" wrap="square" tIns="91425">
+          <a:bodyPr spcFirstLastPara="1" wrap="square" lIns="91425" tIns="91425" rIns="91425" bIns="91425" anchor="b" anchorCtr="0">
             <a:normAutofit/>
           </a:bodyPr>
           <a:lstStyle>
@@ -2909,15 +3006,19 @@
               </a:defRPr>
             </a:lvl9pPr>
           </a:lstStyle>
-          <a:p/>
+          <a:p>
+            <a:endParaRPr/>
+          </a:p>
         </p:txBody>
       </p:sp>
       <p:sp>
         <p:nvSpPr>
           <p:cNvPr id="17" name="Google Shape;17;p3"/>
-          <p:cNvSpPr txBox="1"/>
+          <p:cNvSpPr txBox="1">
+            <a:spLocks noGrp="1"/>
+          </p:cNvSpPr>
           <p:nvPr>
-            <p:ph idx="12" type="sldNum"/>
+            <p:ph type="sldNum" idx="12"/>
           </p:nvPr>
         </p:nvSpPr>
         <p:spPr>
@@ -2930,7 +3031,7 @@
           </a:prstGeom>
         </p:spPr>
         <p:txBody>
-          <a:bodyPr anchorCtr="0" anchor="ctr" bIns="91425" lIns="91425" spcFirstLastPara="1" rIns="91425" wrap="square" tIns="91425">
+          <a:bodyPr spcFirstLastPara="1" wrap="square" lIns="91425" tIns="91425" rIns="91425" bIns="91425" anchor="ctr" anchorCtr="0">
             <a:normAutofit/>
           </a:bodyPr>
           <a:lstStyle>
@@ -3008,7 +3109,7 @@
             </a:lvl9pPr>
           </a:lstStyle>
           <a:p>
-            <a:pPr indent="0" lvl="0" marL="0" rtl="0" algn="r">
+            <a:pPr marL="0" lvl="0" indent="0" algn="r" rtl="0">
               <a:spcBef>
                 <a:spcPts val="0"/>
               </a:spcBef>
@@ -3034,11 +3135,11 @@
 </file>
 
 <file path=ppt/slideLayouts/slideLayout3.xml><?xml version="1.0" encoding="utf-8"?>
-<p:sldLayout xmlns:a="http://schemas.openxmlformats.org/drawingml/2006/main" xmlns:r="http://schemas.openxmlformats.org/officeDocument/2006/relationships" xmlns:mc="http://schemas.openxmlformats.org/markup-compatibility/2006" xmlns:mv="urn:schemas-microsoft-com:mac:vml" xmlns:p="http://schemas.openxmlformats.org/presentationml/2006/main" xmlns:c="http://schemas.openxmlformats.org/drawingml/2006/chart" xmlns:dgm="http://schemas.openxmlformats.org/drawingml/2006/diagram" xmlns:o="urn:schemas-microsoft-com:office:office" xmlns:v="urn:schemas-microsoft-com:vml" xmlns:pvml="urn:schemas-microsoft-com:office:powerpoint" xmlns:com="http://schemas.openxmlformats.org/drawingml/2006/compatibility" xmlns:p14="http://schemas.microsoft.com/office/powerpoint/2010/main" xmlns:p15="http://schemas.microsoft.com/office/powerpoint/2012/main" xmlns:ahyp="http://schemas.microsoft.com/office/drawing/2018/hyperlinkcolor" matchingName="Title and body" type="tx">
+<p:sldLayout xmlns:a="http://schemas.openxmlformats.org/drawingml/2006/main" xmlns:r="http://schemas.openxmlformats.org/officeDocument/2006/relationships" xmlns:p="http://schemas.openxmlformats.org/presentationml/2006/main" matchingName="Title and body" type="tx">
   <p:cSld name="TITLE_AND_BODY">
     <p:spTree>
       <p:nvGrpSpPr>
-        <p:cNvPr id="18" name="Shape 18"/>
+        <p:cNvPr id="1" name="Shape 18"/>
         <p:cNvGrpSpPr/>
         <p:nvPr/>
       </p:nvGrpSpPr>
@@ -3072,12 +3173,12 @@
           </a:ln>
         </p:spPr>
         <p:txBody>
-          <a:bodyPr anchorCtr="0" anchor="ctr" bIns="91425" lIns="91425" spcFirstLastPara="1" rIns="91425" wrap="square" tIns="91425">
+          <a:bodyPr spcFirstLastPara="1" wrap="square" lIns="91425" tIns="91425" rIns="91425" bIns="91425" anchor="ctr" anchorCtr="0">
             <a:noAutofit/>
           </a:bodyPr>
           <a:lstStyle/>
           <a:p>
-            <a:pPr indent="0" lvl="0" marL="0" rtl="0" algn="l">
+            <a:pPr marL="0" lvl="0" indent="0" algn="l" rtl="0">
               <a:spcBef>
                 <a:spcPts val="0"/>
               </a:spcBef>
@@ -3086,9 +3187,6 @@
               </a:spcAft>
               <a:buNone/>
             </a:pPr>
-            <a:r>
-              <a:t/>
-            </a:r>
             <a:endParaRPr/>
           </a:p>
         </p:txBody>
@@ -3096,7 +3194,9 @@
       <p:sp>
         <p:nvSpPr>
           <p:cNvPr id="20" name="Google Shape;20;p4"/>
-          <p:cNvSpPr txBox="1"/>
+          <p:cNvSpPr txBox="1">
+            <a:spLocks noGrp="1"/>
+          </p:cNvSpPr>
           <p:nvPr>
             <p:ph type="title"/>
           </p:nvPr>
@@ -3111,7 +3211,7 @@
           </a:prstGeom>
         </p:spPr>
         <p:txBody>
-          <a:bodyPr anchorCtr="0" anchor="t" bIns="91425" lIns="91425" spcFirstLastPara="1" rIns="91425" wrap="square" tIns="91425">
+          <a:bodyPr spcFirstLastPara="1" wrap="square" lIns="91425" tIns="91425" rIns="91425" bIns="91425" anchor="t" anchorCtr="0">
             <a:normAutofit/>
           </a:bodyPr>
           <a:lstStyle>
@@ -3215,15 +3315,19 @@
               <a:defRPr/>
             </a:lvl9pPr>
           </a:lstStyle>
-          <a:p/>
+          <a:p>
+            <a:endParaRPr/>
+          </a:p>
         </p:txBody>
       </p:sp>
       <p:sp>
         <p:nvSpPr>
           <p:cNvPr id="21" name="Google Shape;21;p4"/>
-          <p:cNvSpPr txBox="1"/>
+          <p:cNvSpPr txBox="1">
+            <a:spLocks noGrp="1"/>
+          </p:cNvSpPr>
           <p:nvPr>
-            <p:ph idx="1" type="body"/>
+            <p:ph type="body" idx="1"/>
           </p:nvPr>
         </p:nvSpPr>
         <p:spPr>
@@ -3236,11 +3340,11 @@
           </a:prstGeom>
         </p:spPr>
         <p:txBody>
-          <a:bodyPr anchorCtr="0" anchor="t" bIns="91425" lIns="91425" spcFirstLastPara="1" rIns="91425" wrap="square" tIns="91425">
+          <a:bodyPr spcFirstLastPara="1" wrap="square" lIns="91425" tIns="91425" rIns="91425" bIns="91425" anchor="t" anchorCtr="0">
             <a:normAutofit/>
           </a:bodyPr>
           <a:lstStyle>
-            <a:lvl1pPr indent="-342900" lvl="0" marL="457200">
+            <a:lvl1pPr marL="457200" lvl="0" indent="-342900">
               <a:spcBef>
                 <a:spcPts val="0"/>
               </a:spcBef>
@@ -3251,7 +3355,7 @@
               <a:buChar char="●"/>
               <a:defRPr/>
             </a:lvl1pPr>
-            <a:lvl2pPr indent="-317500" lvl="1" marL="914400">
+            <a:lvl2pPr marL="914400" lvl="1" indent="-317500">
               <a:spcBef>
                 <a:spcPts val="0"/>
               </a:spcBef>
@@ -3262,7 +3366,7 @@
               <a:buChar char="○"/>
               <a:defRPr/>
             </a:lvl2pPr>
-            <a:lvl3pPr indent="-317500" lvl="2" marL="1371600">
+            <a:lvl3pPr marL="1371600" lvl="2" indent="-317500">
               <a:spcBef>
                 <a:spcPts val="0"/>
               </a:spcBef>
@@ -3273,7 +3377,7 @@
               <a:buChar char="■"/>
               <a:defRPr/>
             </a:lvl3pPr>
-            <a:lvl4pPr indent="-317500" lvl="3" marL="1828800">
+            <a:lvl4pPr marL="1828800" lvl="3" indent="-317500">
               <a:spcBef>
                 <a:spcPts val="0"/>
               </a:spcBef>
@@ -3284,7 +3388,7 @@
               <a:buChar char="●"/>
               <a:defRPr/>
             </a:lvl4pPr>
-            <a:lvl5pPr indent="-317500" lvl="4" marL="2286000">
+            <a:lvl5pPr marL="2286000" lvl="4" indent="-317500">
               <a:spcBef>
                 <a:spcPts val="0"/>
               </a:spcBef>
@@ -3295,7 +3399,7 @@
               <a:buChar char="○"/>
               <a:defRPr/>
             </a:lvl5pPr>
-            <a:lvl6pPr indent="-317500" lvl="5" marL="2743200">
+            <a:lvl6pPr marL="2743200" lvl="5" indent="-317500">
               <a:spcBef>
                 <a:spcPts val="0"/>
               </a:spcBef>
@@ -3306,7 +3410,7 @@
               <a:buChar char="■"/>
               <a:defRPr/>
             </a:lvl6pPr>
-            <a:lvl7pPr indent="-317500" lvl="6" marL="3200400">
+            <a:lvl7pPr marL="3200400" lvl="6" indent="-317500">
               <a:spcBef>
                 <a:spcPts val="0"/>
               </a:spcBef>
@@ -3317,7 +3421,7 @@
               <a:buChar char="●"/>
               <a:defRPr/>
             </a:lvl7pPr>
-            <a:lvl8pPr indent="-317500" lvl="7" marL="3657600">
+            <a:lvl8pPr marL="3657600" lvl="7" indent="-317500">
               <a:spcBef>
                 <a:spcPts val="0"/>
               </a:spcBef>
@@ -3328,7 +3432,7 @@
               <a:buChar char="○"/>
               <a:defRPr/>
             </a:lvl8pPr>
-            <a:lvl9pPr indent="-317500" lvl="8" marL="4114800">
+            <a:lvl9pPr marL="4114800" lvl="8" indent="-317500">
               <a:spcBef>
                 <a:spcPts val="0"/>
               </a:spcBef>
@@ -3340,15 +3444,19 @@
               <a:defRPr/>
             </a:lvl9pPr>
           </a:lstStyle>
-          <a:p/>
+          <a:p>
+            <a:endParaRPr/>
+          </a:p>
         </p:txBody>
       </p:sp>
       <p:sp>
         <p:nvSpPr>
           <p:cNvPr id="22" name="Google Shape;22;p4"/>
-          <p:cNvSpPr txBox="1"/>
+          <p:cNvSpPr txBox="1">
+            <a:spLocks noGrp="1"/>
+          </p:cNvSpPr>
           <p:nvPr>
-            <p:ph idx="12" type="sldNum"/>
+            <p:ph type="sldNum" idx="12"/>
           </p:nvPr>
         </p:nvSpPr>
         <p:spPr>
@@ -3361,7 +3469,7 @@
           </a:prstGeom>
         </p:spPr>
         <p:txBody>
-          <a:bodyPr anchorCtr="0" anchor="ctr" bIns="91425" lIns="91425" spcFirstLastPara="1" rIns="91425" wrap="square" tIns="91425">
+          <a:bodyPr spcFirstLastPara="1" wrap="square" lIns="91425" tIns="91425" rIns="91425" bIns="91425" anchor="ctr" anchorCtr="0">
             <a:normAutofit/>
           </a:bodyPr>
           <a:lstStyle>
@@ -3403,7 +3511,7 @@
             </a:lvl9pPr>
           </a:lstStyle>
           <a:p>
-            <a:pPr indent="0" lvl="0" marL="0" rtl="0" algn="r">
+            <a:pPr marL="0" lvl="0" indent="0" algn="r" rtl="0">
               <a:spcBef>
                 <a:spcPts val="0"/>
               </a:spcBef>
@@ -3429,11 +3537,11 @@
 </file>
 
 <file path=ppt/slideLayouts/slideLayout4.xml><?xml version="1.0" encoding="utf-8"?>
-<p:sldLayout xmlns:a="http://schemas.openxmlformats.org/drawingml/2006/main" xmlns:r="http://schemas.openxmlformats.org/officeDocument/2006/relationships" xmlns:mc="http://schemas.openxmlformats.org/markup-compatibility/2006" xmlns:mv="urn:schemas-microsoft-com:mac:vml" xmlns:p="http://schemas.openxmlformats.org/presentationml/2006/main" xmlns:c="http://schemas.openxmlformats.org/drawingml/2006/chart" xmlns:dgm="http://schemas.openxmlformats.org/drawingml/2006/diagram" xmlns:o="urn:schemas-microsoft-com:office:office" xmlns:v="urn:schemas-microsoft-com:vml" xmlns:pvml="urn:schemas-microsoft-com:office:powerpoint" xmlns:com="http://schemas.openxmlformats.org/drawingml/2006/compatibility" xmlns:p14="http://schemas.microsoft.com/office/powerpoint/2010/main" xmlns:p15="http://schemas.microsoft.com/office/powerpoint/2012/main" xmlns:ahyp="http://schemas.microsoft.com/office/drawing/2018/hyperlinkcolor" matchingName="Title and two columns" type="twoColTx">
+<p:sldLayout xmlns:a="http://schemas.openxmlformats.org/drawingml/2006/main" xmlns:r="http://schemas.openxmlformats.org/officeDocument/2006/relationships" xmlns:p="http://schemas.openxmlformats.org/presentationml/2006/main" matchingName="Title and two columns" type="twoColTx">
   <p:cSld name="TITLE_AND_TWO_COLUMNS">
     <p:spTree>
       <p:nvGrpSpPr>
-        <p:cNvPr id="23" name="Shape 23"/>
+        <p:cNvPr id="1" name="Shape 23"/>
         <p:cNvGrpSpPr/>
         <p:nvPr/>
       </p:nvGrpSpPr>
@@ -3448,7 +3556,9 @@
       <p:sp>
         <p:nvSpPr>
           <p:cNvPr id="24" name="Google Shape;24;p5"/>
-          <p:cNvSpPr txBox="1"/>
+          <p:cNvSpPr txBox="1">
+            <a:spLocks noGrp="1"/>
+          </p:cNvSpPr>
           <p:nvPr>
             <p:ph type="title"/>
           </p:nvPr>
@@ -3463,7 +3573,7 @@
           </a:prstGeom>
         </p:spPr>
         <p:txBody>
-          <a:bodyPr anchorCtr="0" anchor="t" bIns="91425" lIns="91425" spcFirstLastPara="1" rIns="91425" wrap="square" tIns="91425">
+          <a:bodyPr spcFirstLastPara="1" wrap="square" lIns="91425" tIns="91425" rIns="91425" bIns="91425" anchor="t" anchorCtr="0">
             <a:normAutofit/>
           </a:bodyPr>
           <a:lstStyle>
@@ -3567,15 +3677,19 @@
               <a:defRPr/>
             </a:lvl9pPr>
           </a:lstStyle>
-          <a:p/>
+          <a:p>
+            <a:endParaRPr/>
+          </a:p>
         </p:txBody>
       </p:sp>
       <p:sp>
         <p:nvSpPr>
           <p:cNvPr id="25" name="Google Shape;25;p5"/>
-          <p:cNvSpPr txBox="1"/>
+          <p:cNvSpPr txBox="1">
+            <a:spLocks noGrp="1"/>
+          </p:cNvSpPr>
           <p:nvPr>
-            <p:ph idx="1" type="body"/>
+            <p:ph type="body" idx="1"/>
           </p:nvPr>
         </p:nvSpPr>
         <p:spPr>
@@ -3588,11 +3702,11 @@
           </a:prstGeom>
         </p:spPr>
         <p:txBody>
-          <a:bodyPr anchorCtr="0" anchor="t" bIns="91425" lIns="91425" spcFirstLastPara="1" rIns="91425" wrap="square" tIns="91425">
+          <a:bodyPr spcFirstLastPara="1" wrap="square" lIns="91425" tIns="91425" rIns="91425" bIns="91425" anchor="t" anchorCtr="0">
             <a:normAutofit/>
           </a:bodyPr>
           <a:lstStyle>
-            <a:lvl1pPr indent="-317500" lvl="0" marL="457200">
+            <a:lvl1pPr marL="457200" lvl="0" indent="-317500">
               <a:spcBef>
                 <a:spcPts val="0"/>
               </a:spcBef>
@@ -3603,7 +3717,7 @@
               <a:buChar char="●"/>
               <a:defRPr sz="1400"/>
             </a:lvl1pPr>
-            <a:lvl2pPr indent="-304800" lvl="1" marL="914400">
+            <a:lvl2pPr marL="914400" lvl="1" indent="-304800">
               <a:spcBef>
                 <a:spcPts val="0"/>
               </a:spcBef>
@@ -3614,7 +3728,7 @@
               <a:buChar char="○"/>
               <a:defRPr sz="1200"/>
             </a:lvl2pPr>
-            <a:lvl3pPr indent="-304800" lvl="2" marL="1371600">
+            <a:lvl3pPr marL="1371600" lvl="2" indent="-304800">
               <a:spcBef>
                 <a:spcPts val="0"/>
               </a:spcBef>
@@ -3625,7 +3739,7 @@
               <a:buChar char="■"/>
               <a:defRPr sz="1200"/>
             </a:lvl3pPr>
-            <a:lvl4pPr indent="-304800" lvl="3" marL="1828800">
+            <a:lvl4pPr marL="1828800" lvl="3" indent="-304800">
               <a:spcBef>
                 <a:spcPts val="0"/>
               </a:spcBef>
@@ -3636,7 +3750,7 @@
               <a:buChar char="●"/>
               <a:defRPr sz="1200"/>
             </a:lvl4pPr>
-            <a:lvl5pPr indent="-304800" lvl="4" marL="2286000">
+            <a:lvl5pPr marL="2286000" lvl="4" indent="-304800">
               <a:spcBef>
                 <a:spcPts val="0"/>
               </a:spcBef>
@@ -3647,7 +3761,7 @@
               <a:buChar char="○"/>
               <a:defRPr sz="1200"/>
             </a:lvl5pPr>
-            <a:lvl6pPr indent="-304800" lvl="5" marL="2743200">
+            <a:lvl6pPr marL="2743200" lvl="5" indent="-304800">
               <a:spcBef>
                 <a:spcPts val="0"/>
               </a:spcBef>
@@ -3658,7 +3772,7 @@
               <a:buChar char="■"/>
               <a:defRPr sz="1200"/>
             </a:lvl6pPr>
-            <a:lvl7pPr indent="-304800" lvl="6" marL="3200400">
+            <a:lvl7pPr marL="3200400" lvl="6" indent="-304800">
               <a:spcBef>
                 <a:spcPts val="0"/>
               </a:spcBef>
@@ -3669,7 +3783,7 @@
               <a:buChar char="●"/>
               <a:defRPr sz="1200"/>
             </a:lvl7pPr>
-            <a:lvl8pPr indent="-304800" lvl="7" marL="3657600">
+            <a:lvl8pPr marL="3657600" lvl="7" indent="-304800">
               <a:spcBef>
                 <a:spcPts val="0"/>
               </a:spcBef>
@@ -3680,7 +3794,7 @@
               <a:buChar char="○"/>
               <a:defRPr sz="1200"/>
             </a:lvl8pPr>
-            <a:lvl9pPr indent="-304800" lvl="8" marL="4114800">
+            <a:lvl9pPr marL="4114800" lvl="8" indent="-304800">
               <a:spcBef>
                 <a:spcPts val="0"/>
               </a:spcBef>
@@ -3692,15 +3806,19 @@
               <a:defRPr sz="1200"/>
             </a:lvl9pPr>
           </a:lstStyle>
-          <a:p/>
+          <a:p>
+            <a:endParaRPr/>
+          </a:p>
         </p:txBody>
       </p:sp>
       <p:sp>
         <p:nvSpPr>
           <p:cNvPr id="26" name="Google Shape;26;p5"/>
-          <p:cNvSpPr txBox="1"/>
+          <p:cNvSpPr txBox="1">
+            <a:spLocks noGrp="1"/>
+          </p:cNvSpPr>
           <p:nvPr>
-            <p:ph idx="2" type="body"/>
+            <p:ph type="body" idx="2"/>
           </p:nvPr>
         </p:nvSpPr>
         <p:spPr>
@@ -3713,11 +3831,11 @@
           </a:prstGeom>
         </p:spPr>
         <p:txBody>
-          <a:bodyPr anchorCtr="0" anchor="t" bIns="91425" lIns="91425" spcFirstLastPara="1" rIns="91425" wrap="square" tIns="91425">
+          <a:bodyPr spcFirstLastPara="1" wrap="square" lIns="91425" tIns="91425" rIns="91425" bIns="91425" anchor="t" anchorCtr="0">
             <a:normAutofit/>
           </a:bodyPr>
           <a:lstStyle>
-            <a:lvl1pPr indent="-317500" lvl="0" marL="457200">
+            <a:lvl1pPr marL="457200" lvl="0" indent="-317500">
               <a:spcBef>
                 <a:spcPts val="0"/>
               </a:spcBef>
@@ -3728,7 +3846,7 @@
               <a:buChar char="●"/>
               <a:defRPr sz="1400"/>
             </a:lvl1pPr>
-            <a:lvl2pPr indent="-304800" lvl="1" marL="914400">
+            <a:lvl2pPr marL="914400" lvl="1" indent="-304800">
               <a:spcBef>
                 <a:spcPts val="0"/>
               </a:spcBef>
@@ -3739,7 +3857,7 @@
               <a:buChar char="○"/>
               <a:defRPr sz="1200"/>
             </a:lvl2pPr>
-            <a:lvl3pPr indent="-304800" lvl="2" marL="1371600">
+            <a:lvl3pPr marL="1371600" lvl="2" indent="-304800">
               <a:spcBef>
                 <a:spcPts val="0"/>
               </a:spcBef>
@@ -3750,7 +3868,7 @@
               <a:buChar char="■"/>
               <a:defRPr sz="1200"/>
             </a:lvl3pPr>
-            <a:lvl4pPr indent="-304800" lvl="3" marL="1828800">
+            <a:lvl4pPr marL="1828800" lvl="3" indent="-304800">
               <a:spcBef>
                 <a:spcPts val="0"/>
               </a:spcBef>
@@ -3761,7 +3879,7 @@
               <a:buChar char="●"/>
               <a:defRPr sz="1200"/>
             </a:lvl4pPr>
-            <a:lvl5pPr indent="-304800" lvl="4" marL="2286000">
+            <a:lvl5pPr marL="2286000" lvl="4" indent="-304800">
               <a:spcBef>
                 <a:spcPts val="0"/>
               </a:spcBef>
@@ -3772,7 +3890,7 @@
               <a:buChar char="○"/>
               <a:defRPr sz="1200"/>
             </a:lvl5pPr>
-            <a:lvl6pPr indent="-304800" lvl="5" marL="2743200">
+            <a:lvl6pPr marL="2743200" lvl="5" indent="-304800">
               <a:spcBef>
                 <a:spcPts val="0"/>
               </a:spcBef>
@@ -3783,7 +3901,7 @@
               <a:buChar char="■"/>
               <a:defRPr sz="1200"/>
             </a:lvl6pPr>
-            <a:lvl7pPr indent="-304800" lvl="6" marL="3200400">
+            <a:lvl7pPr marL="3200400" lvl="6" indent="-304800">
               <a:spcBef>
                 <a:spcPts val="0"/>
               </a:spcBef>
@@ -3794,7 +3912,7 @@
               <a:buChar char="●"/>
               <a:defRPr sz="1200"/>
             </a:lvl7pPr>
-            <a:lvl8pPr indent="-304800" lvl="7" marL="3657600">
+            <a:lvl8pPr marL="3657600" lvl="7" indent="-304800">
               <a:spcBef>
                 <a:spcPts val="0"/>
               </a:spcBef>
@@ -3805,7 +3923,7 @@
               <a:buChar char="○"/>
               <a:defRPr sz="1200"/>
             </a:lvl8pPr>
-            <a:lvl9pPr indent="-304800" lvl="8" marL="4114800">
+            <a:lvl9pPr marL="4114800" lvl="8" indent="-304800">
               <a:spcBef>
                 <a:spcPts val="0"/>
               </a:spcBef>
@@ -3817,15 +3935,19 @@
               <a:defRPr sz="1200"/>
             </a:lvl9pPr>
           </a:lstStyle>
-          <a:p/>
+          <a:p>
+            <a:endParaRPr/>
+          </a:p>
         </p:txBody>
       </p:sp>
       <p:sp>
         <p:nvSpPr>
           <p:cNvPr id="27" name="Google Shape;27;p5"/>
-          <p:cNvSpPr txBox="1"/>
+          <p:cNvSpPr txBox="1">
+            <a:spLocks noGrp="1"/>
+          </p:cNvSpPr>
           <p:nvPr>
-            <p:ph idx="12" type="sldNum"/>
+            <p:ph type="sldNum" idx="12"/>
           </p:nvPr>
         </p:nvSpPr>
         <p:spPr>
@@ -3838,7 +3960,7 @@
           </a:prstGeom>
         </p:spPr>
         <p:txBody>
-          <a:bodyPr anchorCtr="0" anchor="ctr" bIns="91425" lIns="91425" spcFirstLastPara="1" rIns="91425" wrap="square" tIns="91425">
+          <a:bodyPr spcFirstLastPara="1" wrap="square" lIns="91425" tIns="91425" rIns="91425" bIns="91425" anchor="ctr" anchorCtr="0">
             <a:normAutofit/>
           </a:bodyPr>
           <a:lstStyle>
@@ -3880,7 +4002,7 @@
             </a:lvl9pPr>
           </a:lstStyle>
           <a:p>
-            <a:pPr indent="0" lvl="0" marL="0" rtl="0" algn="r">
+            <a:pPr marL="0" lvl="0" indent="0" algn="r" rtl="0">
               <a:spcBef>
                 <a:spcPts val="0"/>
               </a:spcBef>
@@ -3906,11 +4028,11 @@
 </file>
 
 <file path=ppt/slideLayouts/slideLayout5.xml><?xml version="1.0" encoding="utf-8"?>
-<p:sldLayout xmlns:a="http://schemas.openxmlformats.org/drawingml/2006/main" xmlns:r="http://schemas.openxmlformats.org/officeDocument/2006/relationships" xmlns:mc="http://schemas.openxmlformats.org/markup-compatibility/2006" xmlns:mv="urn:schemas-microsoft-com:mac:vml" xmlns:p="http://schemas.openxmlformats.org/presentationml/2006/main" xmlns:c="http://schemas.openxmlformats.org/drawingml/2006/chart" xmlns:dgm="http://schemas.openxmlformats.org/drawingml/2006/diagram" xmlns:o="urn:schemas-microsoft-com:office:office" xmlns:v="urn:schemas-microsoft-com:vml" xmlns:pvml="urn:schemas-microsoft-com:office:powerpoint" xmlns:com="http://schemas.openxmlformats.org/drawingml/2006/compatibility" xmlns:p14="http://schemas.microsoft.com/office/powerpoint/2010/main" xmlns:p15="http://schemas.microsoft.com/office/powerpoint/2012/main" xmlns:ahyp="http://schemas.microsoft.com/office/drawing/2018/hyperlinkcolor" matchingName="Title only" type="titleOnly">
+<p:sldLayout xmlns:a="http://schemas.openxmlformats.org/drawingml/2006/main" xmlns:r="http://schemas.openxmlformats.org/officeDocument/2006/relationships" xmlns:p="http://schemas.openxmlformats.org/presentationml/2006/main" matchingName="Title only" type="titleOnly">
   <p:cSld name="TITLE_ONLY">
     <p:spTree>
       <p:nvGrpSpPr>
-        <p:cNvPr id="28" name="Shape 28"/>
+        <p:cNvPr id="1" name="Shape 28"/>
         <p:cNvGrpSpPr/>
         <p:nvPr/>
       </p:nvGrpSpPr>
@@ -3925,7 +4047,9 @@
       <p:sp>
         <p:nvSpPr>
           <p:cNvPr id="29" name="Google Shape;29;p6"/>
-          <p:cNvSpPr txBox="1"/>
+          <p:cNvSpPr txBox="1">
+            <a:spLocks noGrp="1"/>
+          </p:cNvSpPr>
           <p:nvPr>
             <p:ph type="title"/>
           </p:nvPr>
@@ -3940,7 +4064,7 @@
           </a:prstGeom>
         </p:spPr>
         <p:txBody>
-          <a:bodyPr anchorCtr="0" anchor="t" bIns="91425" lIns="91425" spcFirstLastPara="1" rIns="91425" wrap="square" tIns="91425">
+          <a:bodyPr spcFirstLastPara="1" wrap="square" lIns="91425" tIns="91425" rIns="91425" bIns="91425" anchor="t" anchorCtr="0">
             <a:normAutofit/>
           </a:bodyPr>
           <a:lstStyle>
@@ -4044,15 +4168,19 @@
               <a:defRPr/>
             </a:lvl9pPr>
           </a:lstStyle>
-          <a:p/>
+          <a:p>
+            <a:endParaRPr/>
+          </a:p>
         </p:txBody>
       </p:sp>
       <p:sp>
         <p:nvSpPr>
           <p:cNvPr id="30" name="Google Shape;30;p6"/>
-          <p:cNvSpPr txBox="1"/>
+          <p:cNvSpPr txBox="1">
+            <a:spLocks noGrp="1"/>
+          </p:cNvSpPr>
           <p:nvPr>
-            <p:ph idx="12" type="sldNum"/>
+            <p:ph type="sldNum" idx="12"/>
           </p:nvPr>
         </p:nvSpPr>
         <p:spPr>
@@ -4065,7 +4193,7 @@
           </a:prstGeom>
         </p:spPr>
         <p:txBody>
-          <a:bodyPr anchorCtr="0" anchor="ctr" bIns="91425" lIns="91425" spcFirstLastPara="1" rIns="91425" wrap="square" tIns="91425">
+          <a:bodyPr spcFirstLastPara="1" wrap="square" lIns="91425" tIns="91425" rIns="91425" bIns="91425" anchor="ctr" anchorCtr="0">
             <a:normAutofit/>
           </a:bodyPr>
           <a:lstStyle>
@@ -4107,7 +4235,7 @@
             </a:lvl9pPr>
           </a:lstStyle>
           <a:p>
-            <a:pPr indent="0" lvl="0" marL="0" rtl="0" algn="r">
+            <a:pPr marL="0" lvl="0" indent="0" algn="r" rtl="0">
               <a:spcBef>
                 <a:spcPts val="0"/>
               </a:spcBef>
@@ -4133,11 +4261,11 @@
 </file>
 
 <file path=ppt/slideLayouts/slideLayout6.xml><?xml version="1.0" encoding="utf-8"?>
-<p:sldLayout xmlns:a="http://schemas.openxmlformats.org/drawingml/2006/main" xmlns:r="http://schemas.openxmlformats.org/officeDocument/2006/relationships" xmlns:mc="http://schemas.openxmlformats.org/markup-compatibility/2006" xmlns:mv="urn:schemas-microsoft-com:mac:vml" xmlns:p="http://schemas.openxmlformats.org/presentationml/2006/main" xmlns:c="http://schemas.openxmlformats.org/drawingml/2006/chart" xmlns:dgm="http://schemas.openxmlformats.org/drawingml/2006/diagram" xmlns:o="urn:schemas-microsoft-com:office:office" xmlns:v="urn:schemas-microsoft-com:vml" xmlns:pvml="urn:schemas-microsoft-com:office:powerpoint" xmlns:com="http://schemas.openxmlformats.org/drawingml/2006/compatibility" xmlns:p14="http://schemas.microsoft.com/office/powerpoint/2010/main" xmlns:p15="http://schemas.microsoft.com/office/powerpoint/2012/main" xmlns:ahyp="http://schemas.microsoft.com/office/drawing/2018/hyperlinkcolor" matchingName="One column text">
+<p:sldLayout xmlns:a="http://schemas.openxmlformats.org/drawingml/2006/main" xmlns:r="http://schemas.openxmlformats.org/officeDocument/2006/relationships" xmlns:p="http://schemas.openxmlformats.org/presentationml/2006/main" matchingName="One column text">
   <p:cSld name="ONE_COLUMN_TEXT">
     <p:spTree>
       <p:nvGrpSpPr>
-        <p:cNvPr id="31" name="Shape 31"/>
+        <p:cNvPr id="1" name="Shape 31"/>
         <p:cNvGrpSpPr/>
         <p:nvPr/>
       </p:nvGrpSpPr>
@@ -4152,7 +4280,9 @@
       <p:sp>
         <p:nvSpPr>
           <p:cNvPr id="32" name="Google Shape;32;p7"/>
-          <p:cNvSpPr txBox="1"/>
+          <p:cNvSpPr txBox="1">
+            <a:spLocks noGrp="1"/>
+          </p:cNvSpPr>
           <p:nvPr>
             <p:ph type="title"/>
           </p:nvPr>
@@ -4167,7 +4297,7 @@
           </a:prstGeom>
         </p:spPr>
         <p:txBody>
-          <a:bodyPr anchorCtr="0" anchor="b" bIns="91425" lIns="91425" spcFirstLastPara="1" rIns="91425" wrap="square" tIns="91425">
+          <a:bodyPr spcFirstLastPara="1" wrap="square" lIns="91425" tIns="91425" rIns="91425" bIns="91425" anchor="b" anchorCtr="0">
             <a:normAutofit/>
           </a:bodyPr>
           <a:lstStyle>
@@ -4271,15 +4401,19 @@
               <a:defRPr sz="2400"/>
             </a:lvl9pPr>
           </a:lstStyle>
-          <a:p/>
+          <a:p>
+            <a:endParaRPr/>
+          </a:p>
         </p:txBody>
       </p:sp>
       <p:sp>
         <p:nvSpPr>
           <p:cNvPr id="33" name="Google Shape;33;p7"/>
-          <p:cNvSpPr txBox="1"/>
+          <p:cNvSpPr txBox="1">
+            <a:spLocks noGrp="1"/>
+          </p:cNvSpPr>
           <p:nvPr>
-            <p:ph idx="1" type="body"/>
+            <p:ph type="body" idx="1"/>
           </p:nvPr>
         </p:nvSpPr>
         <p:spPr>
@@ -4292,11 +4426,11 @@
           </a:prstGeom>
         </p:spPr>
         <p:txBody>
-          <a:bodyPr anchorCtr="0" anchor="t" bIns="91425" lIns="91425" spcFirstLastPara="1" rIns="91425" wrap="square" tIns="91425">
+          <a:bodyPr spcFirstLastPara="1" wrap="square" lIns="91425" tIns="91425" rIns="91425" bIns="91425" anchor="t" anchorCtr="0">
             <a:normAutofit/>
           </a:bodyPr>
           <a:lstStyle>
-            <a:lvl1pPr indent="-304800" lvl="0" marL="457200">
+            <a:lvl1pPr marL="457200" lvl="0" indent="-304800">
               <a:spcBef>
                 <a:spcPts val="0"/>
               </a:spcBef>
@@ -4307,7 +4441,7 @@
               <a:buChar char="●"/>
               <a:defRPr sz="1200"/>
             </a:lvl1pPr>
-            <a:lvl2pPr indent="-304800" lvl="1" marL="914400">
+            <a:lvl2pPr marL="914400" lvl="1" indent="-304800">
               <a:spcBef>
                 <a:spcPts val="0"/>
               </a:spcBef>
@@ -4318,7 +4452,7 @@
               <a:buChar char="○"/>
               <a:defRPr sz="1200"/>
             </a:lvl2pPr>
-            <a:lvl3pPr indent="-304800" lvl="2" marL="1371600">
+            <a:lvl3pPr marL="1371600" lvl="2" indent="-304800">
               <a:spcBef>
                 <a:spcPts val="0"/>
               </a:spcBef>
@@ -4329,7 +4463,7 @@
               <a:buChar char="■"/>
               <a:defRPr sz="1200"/>
             </a:lvl3pPr>
-            <a:lvl4pPr indent="-304800" lvl="3" marL="1828800">
+            <a:lvl4pPr marL="1828800" lvl="3" indent="-304800">
               <a:spcBef>
                 <a:spcPts val="0"/>
               </a:spcBef>
@@ -4340,7 +4474,7 @@
               <a:buChar char="●"/>
               <a:defRPr sz="1200"/>
             </a:lvl4pPr>
-            <a:lvl5pPr indent="-304800" lvl="4" marL="2286000">
+            <a:lvl5pPr marL="2286000" lvl="4" indent="-304800">
               <a:spcBef>
                 <a:spcPts val="0"/>
               </a:spcBef>
@@ -4351,7 +4485,7 @@
               <a:buChar char="○"/>
               <a:defRPr sz="1200"/>
             </a:lvl5pPr>
-            <a:lvl6pPr indent="-304800" lvl="5" marL="2743200">
+            <a:lvl6pPr marL="2743200" lvl="5" indent="-304800">
               <a:spcBef>
                 <a:spcPts val="0"/>
               </a:spcBef>
@@ -4362,7 +4496,7 @@
               <a:buChar char="■"/>
               <a:defRPr sz="1200"/>
             </a:lvl6pPr>
-            <a:lvl7pPr indent="-304800" lvl="6" marL="3200400">
+            <a:lvl7pPr marL="3200400" lvl="6" indent="-304800">
               <a:spcBef>
                 <a:spcPts val="0"/>
               </a:spcBef>
@@ -4373,7 +4507,7 @@
               <a:buChar char="●"/>
               <a:defRPr sz="1200"/>
             </a:lvl7pPr>
-            <a:lvl8pPr indent="-304800" lvl="7" marL="3657600">
+            <a:lvl8pPr marL="3657600" lvl="7" indent="-304800">
               <a:spcBef>
                 <a:spcPts val="0"/>
               </a:spcBef>
@@ -4384,7 +4518,7 @@
               <a:buChar char="○"/>
               <a:defRPr sz="1200"/>
             </a:lvl8pPr>
-            <a:lvl9pPr indent="-304800" lvl="8" marL="4114800">
+            <a:lvl9pPr marL="4114800" lvl="8" indent="-304800">
               <a:spcBef>
                 <a:spcPts val="0"/>
               </a:spcBef>
@@ -4396,15 +4530,19 @@
               <a:defRPr sz="1200"/>
             </a:lvl9pPr>
           </a:lstStyle>
-          <a:p/>
+          <a:p>
+            <a:endParaRPr/>
+          </a:p>
         </p:txBody>
       </p:sp>
       <p:sp>
         <p:nvSpPr>
           <p:cNvPr id="34" name="Google Shape;34;p7"/>
-          <p:cNvSpPr txBox="1"/>
+          <p:cNvSpPr txBox="1">
+            <a:spLocks noGrp="1"/>
+          </p:cNvSpPr>
           <p:nvPr>
-            <p:ph idx="12" type="sldNum"/>
+            <p:ph type="sldNum" idx="12"/>
           </p:nvPr>
         </p:nvSpPr>
         <p:spPr>
@@ -4417,7 +4555,7 @@
           </a:prstGeom>
         </p:spPr>
         <p:txBody>
-          <a:bodyPr anchorCtr="0" anchor="ctr" bIns="91425" lIns="91425" spcFirstLastPara="1" rIns="91425" wrap="square" tIns="91425">
+          <a:bodyPr spcFirstLastPara="1" wrap="square" lIns="91425" tIns="91425" rIns="91425" bIns="91425" anchor="ctr" anchorCtr="0">
             <a:normAutofit/>
           </a:bodyPr>
           <a:lstStyle>
@@ -4459,7 +4597,7 @@
             </a:lvl9pPr>
           </a:lstStyle>
           <a:p>
-            <a:pPr indent="0" lvl="0" marL="0" rtl="0" algn="r">
+            <a:pPr marL="0" lvl="0" indent="0" algn="r" rtl="0">
               <a:spcBef>
                 <a:spcPts val="0"/>
               </a:spcBef>
@@ -4485,18 +4623,19 @@
 </file>
 
 <file path=ppt/slideLayouts/slideLayout7.xml><?xml version="1.0" encoding="utf-8"?>
-<p:sldLayout xmlns:a="http://schemas.openxmlformats.org/drawingml/2006/main" xmlns:r="http://schemas.openxmlformats.org/officeDocument/2006/relationships" xmlns:mc="http://schemas.openxmlformats.org/markup-compatibility/2006" xmlns:mv="urn:schemas-microsoft-com:mac:vml" xmlns:p="http://schemas.openxmlformats.org/presentationml/2006/main" xmlns:c="http://schemas.openxmlformats.org/drawingml/2006/chart" xmlns:dgm="http://schemas.openxmlformats.org/drawingml/2006/diagram" xmlns:o="urn:schemas-microsoft-com:office:office" xmlns:v="urn:schemas-microsoft-com:vml" xmlns:pvml="urn:schemas-microsoft-com:office:powerpoint" xmlns:com="http://schemas.openxmlformats.org/drawingml/2006/compatibility" xmlns:p14="http://schemas.microsoft.com/office/powerpoint/2010/main" xmlns:p15="http://schemas.microsoft.com/office/powerpoint/2012/main" xmlns:ahyp="http://schemas.microsoft.com/office/drawing/2018/hyperlinkcolor" matchingName="Main point">
+<p:sldLayout xmlns:a="http://schemas.openxmlformats.org/drawingml/2006/main" xmlns:r="http://schemas.openxmlformats.org/officeDocument/2006/relationships" xmlns:p="http://schemas.openxmlformats.org/presentationml/2006/main" matchingName="Main point">
   <p:cSld name="MAIN_POINT">
     <p:bg>
       <p:bgPr>
         <a:solidFill>
           <a:schemeClr val="lt2"/>
         </a:solidFill>
+        <a:effectLst/>
       </p:bgPr>
     </p:bg>
     <p:spTree>
       <p:nvGrpSpPr>
-        <p:cNvPr id="35" name="Shape 35"/>
+        <p:cNvPr id="1" name="Shape 35"/>
         <p:cNvGrpSpPr/>
         <p:nvPr/>
       </p:nvGrpSpPr>
@@ -4511,7 +4650,9 @@
       <p:sp>
         <p:nvSpPr>
           <p:cNvPr id="36" name="Google Shape;36;p8"/>
-          <p:cNvSpPr txBox="1"/>
+          <p:cNvSpPr txBox="1">
+            <a:spLocks noGrp="1"/>
+          </p:cNvSpPr>
           <p:nvPr>
             <p:ph type="title"/>
           </p:nvPr>
@@ -4526,7 +4667,7 @@
           </a:prstGeom>
         </p:spPr>
         <p:txBody>
-          <a:bodyPr anchorCtr="0" anchor="ctr" bIns="91425" lIns="91425" spcFirstLastPara="1" rIns="91425" wrap="square" tIns="91425">
+          <a:bodyPr spcFirstLastPara="1" wrap="square" lIns="91425" tIns="91425" rIns="91425" bIns="91425" anchor="ctr" anchorCtr="0">
             <a:normAutofit/>
           </a:bodyPr>
           <a:lstStyle>
@@ -4630,15 +4771,19 @@
               <a:defRPr sz="4800"/>
             </a:lvl9pPr>
           </a:lstStyle>
-          <a:p/>
+          <a:p>
+            <a:endParaRPr/>
+          </a:p>
         </p:txBody>
       </p:sp>
       <p:sp>
         <p:nvSpPr>
           <p:cNvPr id="37" name="Google Shape;37;p8"/>
-          <p:cNvSpPr txBox="1"/>
+          <p:cNvSpPr txBox="1">
+            <a:spLocks noGrp="1"/>
+          </p:cNvSpPr>
           <p:nvPr>
-            <p:ph idx="12" type="sldNum"/>
+            <p:ph type="sldNum" idx="12"/>
           </p:nvPr>
         </p:nvSpPr>
         <p:spPr>
@@ -4651,7 +4796,7 @@
           </a:prstGeom>
         </p:spPr>
         <p:txBody>
-          <a:bodyPr anchorCtr="0" anchor="ctr" bIns="91425" lIns="91425" spcFirstLastPara="1" rIns="91425" wrap="square" tIns="91425">
+          <a:bodyPr spcFirstLastPara="1" wrap="square" lIns="91425" tIns="91425" rIns="91425" bIns="91425" anchor="ctr" anchorCtr="0">
             <a:normAutofit/>
           </a:bodyPr>
           <a:lstStyle>
@@ -4693,7 +4838,7 @@
             </a:lvl9pPr>
           </a:lstStyle>
           <a:p>
-            <a:pPr indent="0" lvl="0" marL="0" rtl="0" algn="r">
+            <a:pPr marL="0" lvl="0" indent="0" algn="r" rtl="0">
               <a:spcBef>
                 <a:spcPts val="0"/>
               </a:spcBef>
@@ -4719,11 +4864,11 @@
 </file>
 
 <file path=ppt/slideLayouts/slideLayout8.xml><?xml version="1.0" encoding="utf-8"?>
-<p:sldLayout xmlns:a="http://schemas.openxmlformats.org/drawingml/2006/main" xmlns:r="http://schemas.openxmlformats.org/officeDocument/2006/relationships" xmlns:mc="http://schemas.openxmlformats.org/markup-compatibility/2006" xmlns:mv="urn:schemas-microsoft-com:mac:vml" xmlns:p="http://schemas.openxmlformats.org/presentationml/2006/main" xmlns:c="http://schemas.openxmlformats.org/drawingml/2006/chart" xmlns:dgm="http://schemas.openxmlformats.org/drawingml/2006/diagram" xmlns:o="urn:schemas-microsoft-com:office:office" xmlns:v="urn:schemas-microsoft-com:vml" xmlns:pvml="urn:schemas-microsoft-com:office:powerpoint" xmlns:com="http://schemas.openxmlformats.org/drawingml/2006/compatibility" xmlns:p14="http://schemas.microsoft.com/office/powerpoint/2010/main" xmlns:p15="http://schemas.microsoft.com/office/powerpoint/2012/main" xmlns:ahyp="http://schemas.microsoft.com/office/drawing/2018/hyperlinkcolor" matchingName="Section title and description">
+<p:sldLayout xmlns:a="http://schemas.openxmlformats.org/drawingml/2006/main" xmlns:r="http://schemas.openxmlformats.org/officeDocument/2006/relationships" xmlns:p="http://schemas.openxmlformats.org/presentationml/2006/main" matchingName="Section title and description">
   <p:cSld name="SECTION_TITLE_AND_DESCRIPTION">
     <p:spTree>
       <p:nvGrpSpPr>
-        <p:cNvPr id="38" name="Shape 38"/>
+        <p:cNvPr id="1" name="Shape 38"/>
         <p:cNvGrpSpPr/>
         <p:nvPr/>
       </p:nvGrpSpPr>
@@ -4757,12 +4902,12 @@
           </a:ln>
         </p:spPr>
         <p:txBody>
-          <a:bodyPr anchorCtr="0" anchor="ctr" bIns="91425" lIns="91425" spcFirstLastPara="1" rIns="91425" wrap="square" tIns="91425">
+          <a:bodyPr spcFirstLastPara="1" wrap="square" lIns="91425" tIns="91425" rIns="91425" bIns="91425" anchor="ctr" anchorCtr="0">
             <a:noAutofit/>
           </a:bodyPr>
           <a:lstStyle/>
           <a:p>
-            <a:pPr indent="0" lvl="0" marL="0" rtl="0" algn="l">
+            <a:pPr marL="0" lvl="0" indent="0" algn="l" rtl="0">
               <a:spcBef>
                 <a:spcPts val="0"/>
               </a:spcBef>
@@ -4771,9 +4916,6 @@
               </a:spcAft>
               <a:buNone/>
             </a:pPr>
-            <a:r>
-              <a:t/>
-            </a:r>
             <a:endParaRPr/>
           </a:p>
         </p:txBody>
@@ -4793,21 +4935,23 @@
             <a:avLst/>
           </a:prstGeom>
           <a:noFill/>
-          <a:ln cap="flat" cmpd="sng" w="19050">
+          <a:ln w="19050" cap="flat" cmpd="sng">
             <a:solidFill>
               <a:schemeClr val="lt2"/>
             </a:solidFill>
             <a:prstDash val="solid"/>
             <a:round/>
-            <a:headEnd len="sm" w="sm" type="none"/>
-            <a:tailEnd len="sm" w="sm" type="none"/>
+            <a:headEnd type="none" w="sm" len="sm"/>
+            <a:tailEnd type="none" w="sm" len="sm"/>
           </a:ln>
         </p:spPr>
       </p:cxnSp>
       <p:sp>
         <p:nvSpPr>
           <p:cNvPr id="41" name="Google Shape;41;p9"/>
-          <p:cNvSpPr txBox="1"/>
+          <p:cNvSpPr txBox="1">
+            <a:spLocks noGrp="1"/>
+          </p:cNvSpPr>
           <p:nvPr>
             <p:ph type="title"/>
           </p:nvPr>
@@ -4822,7 +4966,7 @@
           </a:prstGeom>
         </p:spPr>
         <p:txBody>
-          <a:bodyPr anchorCtr="0" anchor="b" bIns="91425" lIns="91425" spcFirstLastPara="1" rIns="91425" wrap="square" tIns="91425">
+          <a:bodyPr spcFirstLastPara="1" wrap="square" lIns="91425" tIns="91425" rIns="91425" bIns="91425" anchor="b" anchorCtr="0">
             <a:normAutofit/>
           </a:bodyPr>
           <a:lstStyle>
@@ -4926,15 +5070,19 @@
               <a:defRPr sz="4200"/>
             </a:lvl9pPr>
           </a:lstStyle>
-          <a:p/>
+          <a:p>
+            <a:endParaRPr/>
+          </a:p>
         </p:txBody>
       </p:sp>
       <p:sp>
         <p:nvSpPr>
           <p:cNvPr id="42" name="Google Shape;42;p9"/>
-          <p:cNvSpPr txBox="1"/>
+          <p:cNvSpPr txBox="1">
+            <a:spLocks noGrp="1"/>
+          </p:cNvSpPr>
           <p:nvPr>
-            <p:ph idx="1" type="subTitle"/>
+            <p:ph type="subTitle" idx="1"/>
           </p:nvPr>
         </p:nvSpPr>
         <p:spPr>
@@ -4947,7 +5095,7 @@
           </a:prstGeom>
         </p:spPr>
         <p:txBody>
-          <a:bodyPr anchorCtr="0" anchor="t" bIns="91425" lIns="91425" spcFirstLastPara="1" rIns="91425" wrap="square" tIns="91425">
+          <a:bodyPr spcFirstLastPara="1" wrap="square" lIns="91425" tIns="91425" rIns="91425" bIns="91425" anchor="t" anchorCtr="0">
             <a:normAutofit/>
           </a:bodyPr>
           <a:lstStyle>
@@ -5078,15 +5226,19 @@
               <a:defRPr sz="2100"/>
             </a:lvl9pPr>
           </a:lstStyle>
-          <a:p/>
+          <a:p>
+            <a:endParaRPr/>
+          </a:p>
         </p:txBody>
       </p:sp>
       <p:sp>
         <p:nvSpPr>
           <p:cNvPr id="43" name="Google Shape;43;p9"/>
-          <p:cNvSpPr txBox="1"/>
+          <p:cNvSpPr txBox="1">
+            <a:spLocks noGrp="1"/>
+          </p:cNvSpPr>
           <p:nvPr>
-            <p:ph idx="2" type="body"/>
+            <p:ph type="body" idx="2"/>
           </p:nvPr>
         </p:nvSpPr>
         <p:spPr>
@@ -5099,11 +5251,11 @@
           </a:prstGeom>
         </p:spPr>
         <p:txBody>
-          <a:bodyPr anchorCtr="0" anchor="ctr" bIns="91425" lIns="91425" spcFirstLastPara="1" rIns="91425" wrap="square" tIns="91425">
+          <a:bodyPr spcFirstLastPara="1" wrap="square" lIns="91425" tIns="91425" rIns="91425" bIns="91425" anchor="ctr" anchorCtr="0">
             <a:normAutofit/>
           </a:bodyPr>
           <a:lstStyle>
-            <a:lvl1pPr indent="-342900" lvl="0" marL="457200">
+            <a:lvl1pPr marL="457200" lvl="0" indent="-342900">
               <a:spcBef>
                 <a:spcPts val="0"/>
               </a:spcBef>
@@ -5121,7 +5273,7 @@
                 </a:solidFill>
               </a:defRPr>
             </a:lvl1pPr>
-            <a:lvl2pPr indent="-317500" lvl="1" marL="914400">
+            <a:lvl2pPr marL="914400" lvl="1" indent="-317500">
               <a:spcBef>
                 <a:spcPts val="0"/>
               </a:spcBef>
@@ -5139,7 +5291,7 @@
                 </a:solidFill>
               </a:defRPr>
             </a:lvl2pPr>
-            <a:lvl3pPr indent="-317500" lvl="2" marL="1371600">
+            <a:lvl3pPr marL="1371600" lvl="2" indent="-317500">
               <a:spcBef>
                 <a:spcPts val="0"/>
               </a:spcBef>
@@ -5157,7 +5309,7 @@
                 </a:solidFill>
               </a:defRPr>
             </a:lvl3pPr>
-            <a:lvl4pPr indent="-317500" lvl="3" marL="1828800">
+            <a:lvl4pPr marL="1828800" lvl="3" indent="-317500">
               <a:spcBef>
                 <a:spcPts val="0"/>
               </a:spcBef>
@@ -5175,7 +5327,7 @@
                 </a:solidFill>
               </a:defRPr>
             </a:lvl4pPr>
-            <a:lvl5pPr indent="-317500" lvl="4" marL="2286000">
+            <a:lvl5pPr marL="2286000" lvl="4" indent="-317500">
               <a:spcBef>
                 <a:spcPts val="0"/>
               </a:spcBef>
@@ -5193,7 +5345,7 @@
                 </a:solidFill>
               </a:defRPr>
             </a:lvl5pPr>
-            <a:lvl6pPr indent="-317500" lvl="5" marL="2743200">
+            <a:lvl6pPr marL="2743200" lvl="5" indent="-317500">
               <a:spcBef>
                 <a:spcPts val="0"/>
               </a:spcBef>
@@ -5211,7 +5363,7 @@
                 </a:solidFill>
               </a:defRPr>
             </a:lvl6pPr>
-            <a:lvl7pPr indent="-317500" lvl="6" marL="3200400">
+            <a:lvl7pPr marL="3200400" lvl="6" indent="-317500">
               <a:spcBef>
                 <a:spcPts val="0"/>
               </a:spcBef>
@@ -5229,7 +5381,7 @@
                 </a:solidFill>
               </a:defRPr>
             </a:lvl7pPr>
-            <a:lvl8pPr indent="-317500" lvl="7" marL="3657600">
+            <a:lvl8pPr marL="3657600" lvl="7" indent="-317500">
               <a:spcBef>
                 <a:spcPts val="0"/>
               </a:spcBef>
@@ -5247,7 +5399,7 @@
                 </a:solidFill>
               </a:defRPr>
             </a:lvl8pPr>
-            <a:lvl9pPr indent="-317500" lvl="8" marL="4114800">
+            <a:lvl9pPr marL="4114800" lvl="8" indent="-317500">
               <a:spcBef>
                 <a:spcPts val="0"/>
               </a:spcBef>
@@ -5266,15 +5418,19 @@
               </a:defRPr>
             </a:lvl9pPr>
           </a:lstStyle>
-          <a:p/>
+          <a:p>
+            <a:endParaRPr/>
+          </a:p>
         </p:txBody>
       </p:sp>
       <p:sp>
         <p:nvSpPr>
           <p:cNvPr id="44" name="Google Shape;44;p9"/>
-          <p:cNvSpPr txBox="1"/>
+          <p:cNvSpPr txBox="1">
+            <a:spLocks noGrp="1"/>
+          </p:cNvSpPr>
           <p:nvPr>
-            <p:ph idx="12" type="sldNum"/>
+            <p:ph type="sldNum" idx="12"/>
           </p:nvPr>
         </p:nvSpPr>
         <p:spPr>
@@ -5287,7 +5443,7 @@
           </a:prstGeom>
         </p:spPr>
         <p:txBody>
-          <a:bodyPr anchorCtr="0" anchor="ctr" bIns="91425" lIns="91425" spcFirstLastPara="1" rIns="91425" wrap="square" tIns="91425">
+          <a:bodyPr spcFirstLastPara="1" wrap="square" lIns="91425" tIns="91425" rIns="91425" bIns="91425" anchor="ctr" anchorCtr="0">
             <a:normAutofit/>
           </a:bodyPr>
           <a:lstStyle>
@@ -5365,7 +5521,7 @@
             </a:lvl9pPr>
           </a:lstStyle>
           <a:p>
-            <a:pPr indent="0" lvl="0" marL="0" rtl="0" algn="r">
+            <a:pPr marL="0" lvl="0" indent="0" algn="r" rtl="0">
               <a:spcBef>
                 <a:spcPts val="0"/>
               </a:spcBef>
@@ -5391,11 +5547,11 @@
 </file>
 
 <file path=ppt/slideLayouts/slideLayout9.xml><?xml version="1.0" encoding="utf-8"?>
-<p:sldLayout xmlns:a="http://schemas.openxmlformats.org/drawingml/2006/main" xmlns:r="http://schemas.openxmlformats.org/officeDocument/2006/relationships" xmlns:mc="http://schemas.openxmlformats.org/markup-compatibility/2006" xmlns:mv="urn:schemas-microsoft-com:mac:vml" xmlns:p="http://schemas.openxmlformats.org/presentationml/2006/main" xmlns:c="http://schemas.openxmlformats.org/drawingml/2006/chart" xmlns:dgm="http://schemas.openxmlformats.org/drawingml/2006/diagram" xmlns:o="urn:schemas-microsoft-com:office:office" xmlns:v="urn:schemas-microsoft-com:vml" xmlns:pvml="urn:schemas-microsoft-com:office:powerpoint" xmlns:com="http://schemas.openxmlformats.org/drawingml/2006/compatibility" xmlns:p14="http://schemas.microsoft.com/office/powerpoint/2010/main" xmlns:p15="http://schemas.microsoft.com/office/powerpoint/2012/main" xmlns:ahyp="http://schemas.microsoft.com/office/drawing/2018/hyperlinkcolor" matchingName="Caption">
+<p:sldLayout xmlns:a="http://schemas.openxmlformats.org/drawingml/2006/main" xmlns:r="http://schemas.openxmlformats.org/officeDocument/2006/relationships" xmlns:p="http://schemas.openxmlformats.org/presentationml/2006/main" matchingName="Caption">
   <p:cSld name="CAPTION_ONLY">
     <p:spTree>
       <p:nvGrpSpPr>
-        <p:cNvPr id="45" name="Shape 45"/>
+        <p:cNvPr id="1" name="Shape 45"/>
         <p:cNvGrpSpPr/>
         <p:nvPr/>
       </p:nvGrpSpPr>
@@ -5410,9 +5566,11 @@
       <p:sp>
         <p:nvSpPr>
           <p:cNvPr id="46" name="Google Shape;46;p10"/>
-          <p:cNvSpPr txBox="1"/>
+          <p:cNvSpPr txBox="1">
+            <a:spLocks noGrp="1"/>
+          </p:cNvSpPr>
           <p:nvPr>
-            <p:ph idx="1" type="body"/>
+            <p:ph type="body" idx="1"/>
           </p:nvPr>
         </p:nvSpPr>
         <p:spPr>
@@ -5425,11 +5583,11 @@
           </a:prstGeom>
         </p:spPr>
         <p:txBody>
-          <a:bodyPr anchorCtr="0" anchor="ctr" bIns="91425" lIns="91425" spcFirstLastPara="1" rIns="91425" wrap="square" tIns="91425">
+          <a:bodyPr spcFirstLastPara="1" wrap="square" lIns="91425" tIns="91425" rIns="91425" bIns="91425" anchor="ctr" anchorCtr="0">
             <a:normAutofit/>
           </a:bodyPr>
           <a:lstStyle>
-            <a:lvl1pPr indent="-228600" lvl="0" marL="457200">
+            <a:lvl1pPr marL="457200" lvl="0" indent="-228600">
               <a:lnSpc>
                 <a:spcPct val="100000"/>
               </a:lnSpc>
@@ -5444,15 +5602,19 @@
               <a:defRPr sz="2100"/>
             </a:lvl1pPr>
           </a:lstStyle>
-          <a:p/>
+          <a:p>
+            <a:endParaRPr/>
+          </a:p>
         </p:txBody>
       </p:sp>
       <p:sp>
         <p:nvSpPr>
           <p:cNvPr id="47" name="Google Shape;47;p10"/>
-          <p:cNvSpPr txBox="1"/>
+          <p:cNvSpPr txBox="1">
+            <a:spLocks noGrp="1"/>
+          </p:cNvSpPr>
           <p:nvPr>
-            <p:ph idx="12" type="sldNum"/>
+            <p:ph type="sldNum" idx="12"/>
           </p:nvPr>
         </p:nvSpPr>
         <p:spPr>
@@ -5465,7 +5627,7 @@
           </a:prstGeom>
         </p:spPr>
         <p:txBody>
-          <a:bodyPr anchorCtr="0" anchor="ctr" bIns="91425" lIns="91425" spcFirstLastPara="1" rIns="91425" wrap="square" tIns="91425">
+          <a:bodyPr spcFirstLastPara="1" wrap="square" lIns="91425" tIns="91425" rIns="91425" bIns="91425" anchor="ctr" anchorCtr="0">
             <a:normAutofit/>
           </a:bodyPr>
           <a:lstStyle>
@@ -5507,7 +5669,7 @@
             </a:lvl9pPr>
           </a:lstStyle>
           <a:p>
-            <a:pPr indent="0" lvl="0" marL="0" rtl="0" algn="r">
+            <a:pPr marL="0" lvl="0" indent="0" algn="r" rtl="0">
               <a:spcBef>
                 <a:spcPts val="0"/>
               </a:spcBef>
@@ -5533,18 +5695,19 @@
 </file>
 
 <file path=ppt/slideMasters/slideMaster1.xml><?xml version="1.0" encoding="utf-8"?>
-<p:sldMaster xmlns:a="http://schemas.openxmlformats.org/drawingml/2006/main" xmlns:r="http://schemas.openxmlformats.org/officeDocument/2006/relationships" xmlns:mc="http://schemas.openxmlformats.org/markup-compatibility/2006" xmlns:mv="urn:schemas-microsoft-com:mac:vml" xmlns:p="http://schemas.openxmlformats.org/presentationml/2006/main" xmlns:c="http://schemas.openxmlformats.org/drawingml/2006/chart" xmlns:dgm="http://schemas.openxmlformats.org/drawingml/2006/diagram" xmlns:o="urn:schemas-microsoft-com:office:office" xmlns:v="urn:schemas-microsoft-com:vml" xmlns:pvml="urn:schemas-microsoft-com:office:powerpoint" xmlns:com="http://schemas.openxmlformats.org/drawingml/2006/compatibility" xmlns:p14="http://schemas.microsoft.com/office/powerpoint/2010/main" xmlns:p15="http://schemas.microsoft.com/office/powerpoint/2012/main" xmlns:ahyp="http://schemas.microsoft.com/office/drawing/2018/hyperlinkcolor">
+<p:sldMaster xmlns:a="http://schemas.openxmlformats.org/drawingml/2006/main" xmlns:r="http://schemas.openxmlformats.org/officeDocument/2006/relationships" xmlns:p="http://schemas.openxmlformats.org/presentationml/2006/main">
   <p:cSld name="spearmint">
     <p:bg>
       <p:bgPr>
         <a:solidFill>
           <a:schemeClr val="lt1"/>
         </a:solidFill>
+        <a:effectLst/>
       </p:bgPr>
     </p:bg>
     <p:spTree>
       <p:nvGrpSpPr>
-        <p:cNvPr id="5" name="Shape 5"/>
+        <p:cNvPr id="1" name="Shape 5"/>
         <p:cNvGrpSpPr/>
         <p:nvPr/>
       </p:nvGrpSpPr>
@@ -5559,7 +5722,9 @@
       <p:sp>
         <p:nvSpPr>
           <p:cNvPr id="6" name="Google Shape;6;p1"/>
-          <p:cNvSpPr txBox="1"/>
+          <p:cNvSpPr txBox="1">
+            <a:spLocks noGrp="1"/>
+          </p:cNvSpPr>
           <p:nvPr>
             <p:ph type="title"/>
           </p:nvPr>
@@ -5578,7 +5743,7 @@
           </a:ln>
         </p:spPr>
         <p:txBody>
-          <a:bodyPr anchorCtr="0" anchor="t" bIns="91425" lIns="91425" spcFirstLastPara="1" rIns="91425" wrap="square" tIns="91425">
+          <a:bodyPr spcFirstLastPara="1" wrap="square" lIns="91425" tIns="91425" rIns="91425" bIns="91425" anchor="t" anchorCtr="0">
             <a:normAutofit/>
           </a:bodyPr>
           <a:lstStyle>
@@ -5790,15 +5955,19 @@
               </a:defRPr>
             </a:lvl9pPr>
           </a:lstStyle>
-          <a:p/>
+          <a:p>
+            <a:endParaRPr/>
+          </a:p>
         </p:txBody>
       </p:sp>
       <p:sp>
         <p:nvSpPr>
           <p:cNvPr id="7" name="Google Shape;7;p1"/>
-          <p:cNvSpPr txBox="1"/>
+          <p:cNvSpPr txBox="1">
+            <a:spLocks noGrp="1"/>
+          </p:cNvSpPr>
           <p:nvPr>
-            <p:ph idx="1" type="body"/>
+            <p:ph type="body" idx="1"/>
           </p:nvPr>
         </p:nvSpPr>
         <p:spPr>
@@ -5815,11 +5984,11 @@
           </a:ln>
         </p:spPr>
         <p:txBody>
-          <a:bodyPr anchorCtr="0" anchor="t" bIns="91425" lIns="91425" spcFirstLastPara="1" rIns="91425" wrap="square" tIns="91425">
+          <a:bodyPr spcFirstLastPara="1" wrap="square" lIns="91425" tIns="91425" rIns="91425" bIns="91425" anchor="t" anchorCtr="0">
             <a:normAutofit/>
           </a:bodyPr>
           <a:lstStyle>
-            <a:lvl1pPr indent="-342900" lvl="0" marL="457200">
+            <a:lvl1pPr marL="457200" lvl="0" indent="-342900">
               <a:lnSpc>
                 <a:spcPct val="115000"/>
               </a:lnSpc>
@@ -5845,7 +6014,7 @@
                 <a:sym typeface="Proxima Nova"/>
               </a:defRPr>
             </a:lvl1pPr>
-            <a:lvl2pPr indent="-317500" lvl="1" marL="914400">
+            <a:lvl2pPr marL="914400" lvl="1" indent="-317500">
               <a:lnSpc>
                 <a:spcPct val="115000"/>
               </a:lnSpc>
@@ -5871,7 +6040,7 @@
                 <a:sym typeface="Proxima Nova"/>
               </a:defRPr>
             </a:lvl2pPr>
-            <a:lvl3pPr indent="-317500" lvl="2" marL="1371600">
+            <a:lvl3pPr marL="1371600" lvl="2" indent="-317500">
               <a:lnSpc>
                 <a:spcPct val="115000"/>
               </a:lnSpc>
@@ -5897,7 +6066,7 @@
                 <a:sym typeface="Proxima Nova"/>
               </a:defRPr>
             </a:lvl3pPr>
-            <a:lvl4pPr indent="-317500" lvl="3" marL="1828800">
+            <a:lvl4pPr marL="1828800" lvl="3" indent="-317500">
               <a:lnSpc>
                 <a:spcPct val="115000"/>
               </a:lnSpc>
@@ -5923,7 +6092,7 @@
                 <a:sym typeface="Proxima Nova"/>
               </a:defRPr>
             </a:lvl4pPr>
-            <a:lvl5pPr indent="-317500" lvl="4" marL="2286000">
+            <a:lvl5pPr marL="2286000" lvl="4" indent="-317500">
               <a:lnSpc>
                 <a:spcPct val="115000"/>
               </a:lnSpc>
@@ -5949,7 +6118,7 @@
                 <a:sym typeface="Proxima Nova"/>
               </a:defRPr>
             </a:lvl5pPr>
-            <a:lvl6pPr indent="-317500" lvl="5" marL="2743200">
+            <a:lvl6pPr marL="2743200" lvl="5" indent="-317500">
               <a:lnSpc>
                 <a:spcPct val="115000"/>
               </a:lnSpc>
@@ -5975,7 +6144,7 @@
                 <a:sym typeface="Proxima Nova"/>
               </a:defRPr>
             </a:lvl6pPr>
-            <a:lvl7pPr indent="-317500" lvl="6" marL="3200400">
+            <a:lvl7pPr marL="3200400" lvl="6" indent="-317500">
               <a:lnSpc>
                 <a:spcPct val="115000"/>
               </a:lnSpc>
@@ -6001,7 +6170,7 @@
                 <a:sym typeface="Proxima Nova"/>
               </a:defRPr>
             </a:lvl7pPr>
-            <a:lvl8pPr indent="-317500" lvl="7" marL="3657600">
+            <a:lvl8pPr marL="3657600" lvl="7" indent="-317500">
               <a:lnSpc>
                 <a:spcPct val="115000"/>
               </a:lnSpc>
@@ -6027,7 +6196,7 @@
                 <a:sym typeface="Proxima Nova"/>
               </a:defRPr>
             </a:lvl8pPr>
-            <a:lvl9pPr indent="-317500" lvl="8" marL="4114800">
+            <a:lvl9pPr marL="4114800" lvl="8" indent="-317500">
               <a:lnSpc>
                 <a:spcPct val="115000"/>
               </a:lnSpc>
@@ -6054,15 +6223,19 @@
               </a:defRPr>
             </a:lvl9pPr>
           </a:lstStyle>
-          <a:p/>
+          <a:p>
+            <a:endParaRPr/>
+          </a:p>
         </p:txBody>
       </p:sp>
       <p:sp>
         <p:nvSpPr>
           <p:cNvPr id="8" name="Google Shape;8;p1"/>
-          <p:cNvSpPr txBox="1"/>
+          <p:cNvSpPr txBox="1">
+            <a:spLocks noGrp="1"/>
+          </p:cNvSpPr>
           <p:nvPr>
-            <p:ph idx="12" type="sldNum"/>
+            <p:ph type="sldNum" idx="12"/>
           </p:nvPr>
         </p:nvSpPr>
         <p:spPr>
@@ -6079,7 +6252,7 @@
           </a:ln>
         </p:spPr>
         <p:txBody>
-          <a:bodyPr anchorCtr="0" anchor="ctr" bIns="91425" lIns="91425" spcFirstLastPara="1" rIns="91425" wrap="square" tIns="91425">
+          <a:bodyPr spcFirstLastPara="1" wrap="square" lIns="91425" tIns="91425" rIns="91425" bIns="91425" anchor="ctr" anchorCtr="0">
             <a:normAutofit/>
           </a:bodyPr>
           <a:lstStyle>
@@ -6193,7 +6366,7 @@
             </a:lvl9pPr>
           </a:lstStyle>
           <a:p>
-            <a:pPr indent="0" lvl="0" marL="0" rtl="0" algn="r">
+            <a:pPr marL="0" lvl="0" indent="0" algn="r" rtl="0">
               <a:spcBef>
                 <a:spcPts val="0"/>
               </a:spcBef>
@@ -6212,7 +6385,7 @@
       </p:sp>
     </p:spTree>
   </p:cSld>
-  <p:clrMap accent1="accent1" accent2="accent2" accent3="accent3" accent4="accent4" accent5="accent5" accent6="accent6" bg1="lt1" bg2="dk2" tx1="dk1" tx2="lt2" folHlink="folHlink" hlink="hlink"/>
+  <p:clrMap bg1="lt1" tx1="dk1" bg2="dk2" tx2="lt2" accent1="accent1" accent2="accent2" accent3="accent3" accent4="accent4" accent5="accent5" accent6="accent6" hlink="hlink" folHlink="folHlink"/>
   <p:sldLayoutIdLst>
     <p:sldLayoutId id="2147483648" r:id="rId1"/>
     <p:sldLayoutId id="2147483649" r:id="rId2"/>
@@ -6226,10 +6399,10 @@
     <p:sldLayoutId id="2147483657" r:id="rId10"/>
     <p:sldLayoutId id="2147483658" r:id="rId11"/>
   </p:sldLayoutIdLst>
-  <p:hf dt="0" ftr="0" hdr="0" sldNum="0"/>
+  <p:hf sldNum="0" hdr="0" ftr="0" dt="0"/>
   <p:txStyles>
     <p:titleStyle>
-      <a:defPPr lvl="0" marR="0" rtl="0" algn="l">
+      <a:defPPr marR="0" lvl="0" algn="l" rtl="0">
         <a:lnSpc>
           <a:spcPct val="100000"/>
         </a:lnSpc>
@@ -6240,7 +6413,7 @@
           <a:spcPts val="0"/>
         </a:spcAft>
       </a:defPPr>
-      <a:lvl1pPr lvl="0" marR="0" rtl="0" algn="l">
+      <a:lvl1pPr marR="0" lvl="0" algn="l" rtl="0">
         <a:lnSpc>
           <a:spcPct val="100000"/>
         </a:lnSpc>
@@ -6254,7 +6427,7 @@
           <a:srgbClr val="000000"/>
         </a:buClr>
         <a:buFont typeface="Arial"/>
-        <a:defRPr b="0" i="0" sz="1400" u="none" cap="none" strike="noStrike">
+        <a:defRPr sz="1400" b="0" i="0" u="none" strike="noStrike" cap="none">
           <a:solidFill>
             <a:srgbClr val="000000"/>
           </a:solidFill>
@@ -6264,7 +6437,7 @@
           <a:sym typeface="Arial"/>
         </a:defRPr>
       </a:lvl1pPr>
-      <a:lvl2pPr lvl="1" marR="0" rtl="0" algn="l">
+      <a:lvl2pPr marR="0" lvl="1" algn="l" rtl="0">
         <a:lnSpc>
           <a:spcPct val="100000"/>
         </a:lnSpc>
@@ -6278,7 +6451,7 @@
           <a:srgbClr val="000000"/>
         </a:buClr>
         <a:buFont typeface="Arial"/>
-        <a:defRPr b="0" i="0" sz="1400" u="none" cap="none" strike="noStrike">
+        <a:defRPr sz="1400" b="0" i="0" u="none" strike="noStrike" cap="none">
           <a:solidFill>
             <a:srgbClr val="000000"/>
           </a:solidFill>
@@ -6288,7 +6461,7 @@
           <a:sym typeface="Arial"/>
         </a:defRPr>
       </a:lvl2pPr>
-      <a:lvl3pPr lvl="2" marR="0" rtl="0" algn="l">
+      <a:lvl3pPr marR="0" lvl="2" algn="l" rtl="0">
         <a:lnSpc>
           <a:spcPct val="100000"/>
         </a:lnSpc>
@@ -6302,7 +6475,7 @@
           <a:srgbClr val="000000"/>
         </a:buClr>
         <a:buFont typeface="Arial"/>
-        <a:defRPr b="0" i="0" sz="1400" u="none" cap="none" strike="noStrike">
+        <a:defRPr sz="1400" b="0" i="0" u="none" strike="noStrike" cap="none">
           <a:solidFill>
             <a:srgbClr val="000000"/>
           </a:solidFill>
@@ -6312,7 +6485,7 @@
           <a:sym typeface="Arial"/>
         </a:defRPr>
       </a:lvl3pPr>
-      <a:lvl4pPr lvl="3" marR="0" rtl="0" algn="l">
+      <a:lvl4pPr marR="0" lvl="3" algn="l" rtl="0">
         <a:lnSpc>
           <a:spcPct val="100000"/>
         </a:lnSpc>
@@ -6326,7 +6499,7 @@
           <a:srgbClr val="000000"/>
         </a:buClr>
         <a:buFont typeface="Arial"/>
-        <a:defRPr b="0" i="0" sz="1400" u="none" cap="none" strike="noStrike">
+        <a:defRPr sz="1400" b="0" i="0" u="none" strike="noStrike" cap="none">
           <a:solidFill>
             <a:srgbClr val="000000"/>
           </a:solidFill>
@@ -6336,7 +6509,7 @@
           <a:sym typeface="Arial"/>
         </a:defRPr>
       </a:lvl4pPr>
-      <a:lvl5pPr lvl="4" marR="0" rtl="0" algn="l">
+      <a:lvl5pPr marR="0" lvl="4" algn="l" rtl="0">
         <a:lnSpc>
           <a:spcPct val="100000"/>
         </a:lnSpc>
@@ -6350,7 +6523,7 @@
           <a:srgbClr val="000000"/>
         </a:buClr>
         <a:buFont typeface="Arial"/>
-        <a:defRPr b="0" i="0" sz="1400" u="none" cap="none" strike="noStrike">
+        <a:defRPr sz="1400" b="0" i="0" u="none" strike="noStrike" cap="none">
           <a:solidFill>
             <a:srgbClr val="000000"/>
           </a:solidFill>
@@ -6360,7 +6533,7 @@
           <a:sym typeface="Arial"/>
         </a:defRPr>
       </a:lvl5pPr>
-      <a:lvl6pPr lvl="5" marR="0" rtl="0" algn="l">
+      <a:lvl6pPr marR="0" lvl="5" algn="l" rtl="0">
         <a:lnSpc>
           <a:spcPct val="100000"/>
         </a:lnSpc>
@@ -6374,7 +6547,7 @@
           <a:srgbClr val="000000"/>
         </a:buClr>
         <a:buFont typeface="Arial"/>
-        <a:defRPr b="0" i="0" sz="1400" u="none" cap="none" strike="noStrike">
+        <a:defRPr sz="1400" b="0" i="0" u="none" strike="noStrike" cap="none">
           <a:solidFill>
             <a:srgbClr val="000000"/>
           </a:solidFill>
@@ -6384,7 +6557,7 @@
           <a:sym typeface="Arial"/>
         </a:defRPr>
       </a:lvl6pPr>
-      <a:lvl7pPr lvl="6" marR="0" rtl="0" algn="l">
+      <a:lvl7pPr marR="0" lvl="6" algn="l" rtl="0">
         <a:lnSpc>
           <a:spcPct val="100000"/>
         </a:lnSpc>
@@ -6398,7 +6571,7 @@
           <a:srgbClr val="000000"/>
         </a:buClr>
         <a:buFont typeface="Arial"/>
-        <a:defRPr b="0" i="0" sz="1400" u="none" cap="none" strike="noStrike">
+        <a:defRPr sz="1400" b="0" i="0" u="none" strike="noStrike" cap="none">
           <a:solidFill>
             <a:srgbClr val="000000"/>
           </a:solidFill>
@@ -6408,7 +6581,7 @@
           <a:sym typeface="Arial"/>
         </a:defRPr>
       </a:lvl7pPr>
-      <a:lvl8pPr lvl="7" marR="0" rtl="0" algn="l">
+      <a:lvl8pPr marR="0" lvl="7" algn="l" rtl="0">
         <a:lnSpc>
           <a:spcPct val="100000"/>
         </a:lnSpc>
@@ -6422,7 +6595,7 @@
           <a:srgbClr val="000000"/>
         </a:buClr>
         <a:buFont typeface="Arial"/>
-        <a:defRPr b="0" i="0" sz="1400" u="none" cap="none" strike="noStrike">
+        <a:defRPr sz="1400" b="0" i="0" u="none" strike="noStrike" cap="none">
           <a:solidFill>
             <a:srgbClr val="000000"/>
           </a:solidFill>
@@ -6432,7 +6605,7 @@
           <a:sym typeface="Arial"/>
         </a:defRPr>
       </a:lvl8pPr>
-      <a:lvl9pPr lvl="8" marR="0" rtl="0" algn="l">
+      <a:lvl9pPr marR="0" lvl="8" algn="l" rtl="0">
         <a:lnSpc>
           <a:spcPct val="100000"/>
         </a:lnSpc>
@@ -6446,7 +6619,7 @@
           <a:srgbClr val="000000"/>
         </a:buClr>
         <a:buFont typeface="Arial"/>
-        <a:defRPr b="0" i="0" sz="1400" u="none" cap="none" strike="noStrike">
+        <a:defRPr sz="1400" b="0" i="0" u="none" strike="noStrike" cap="none">
           <a:solidFill>
             <a:srgbClr val="000000"/>
           </a:solidFill>
@@ -6458,7 +6631,7 @@
       </a:lvl9pPr>
     </p:titleStyle>
     <p:bodyStyle>
-      <a:defPPr lvl="0" marR="0" rtl="0" algn="l">
+      <a:defPPr marR="0" lvl="0" algn="l" rtl="0">
         <a:lnSpc>
           <a:spcPct val="100000"/>
         </a:lnSpc>
@@ -6469,7 +6642,7 @@
           <a:spcPts val="0"/>
         </a:spcAft>
       </a:defPPr>
-      <a:lvl1pPr lvl="0" marR="0" rtl="0" algn="l">
+      <a:lvl1pPr marR="0" lvl="0" algn="l" rtl="0">
         <a:lnSpc>
           <a:spcPct val="100000"/>
         </a:lnSpc>
@@ -6483,7 +6656,7 @@
           <a:srgbClr val="000000"/>
         </a:buClr>
         <a:buFont typeface="Arial"/>
-        <a:defRPr b="0" i="0" sz="1400" u="none" cap="none" strike="noStrike">
+        <a:defRPr sz="1400" b="0" i="0" u="none" strike="noStrike" cap="none">
           <a:solidFill>
             <a:srgbClr val="000000"/>
           </a:solidFill>
@@ -6493,7 +6666,7 @@
           <a:sym typeface="Arial"/>
         </a:defRPr>
       </a:lvl1pPr>
-      <a:lvl2pPr lvl="1" marR="0" rtl="0" algn="l">
+      <a:lvl2pPr marR="0" lvl="1" algn="l" rtl="0">
         <a:lnSpc>
           <a:spcPct val="100000"/>
         </a:lnSpc>
@@ -6507,7 +6680,7 @@
           <a:srgbClr val="000000"/>
         </a:buClr>
         <a:buFont typeface="Arial"/>
-        <a:defRPr b="0" i="0" sz="1400" u="none" cap="none" strike="noStrike">
+        <a:defRPr sz="1400" b="0" i="0" u="none" strike="noStrike" cap="none">
           <a:solidFill>
             <a:srgbClr val="000000"/>
           </a:solidFill>
@@ -6517,7 +6690,7 @@
           <a:sym typeface="Arial"/>
         </a:defRPr>
       </a:lvl2pPr>
-      <a:lvl3pPr lvl="2" marR="0" rtl="0" algn="l">
+      <a:lvl3pPr marR="0" lvl="2" algn="l" rtl="0">
         <a:lnSpc>
           <a:spcPct val="100000"/>
         </a:lnSpc>
@@ -6531,7 +6704,7 @@
           <a:srgbClr val="000000"/>
         </a:buClr>
         <a:buFont typeface="Arial"/>
-        <a:defRPr b="0" i="0" sz="1400" u="none" cap="none" strike="noStrike">
+        <a:defRPr sz="1400" b="0" i="0" u="none" strike="noStrike" cap="none">
           <a:solidFill>
             <a:srgbClr val="000000"/>
           </a:solidFill>
@@ -6541,7 +6714,7 @@
           <a:sym typeface="Arial"/>
         </a:defRPr>
       </a:lvl3pPr>
-      <a:lvl4pPr lvl="3" marR="0" rtl="0" algn="l">
+      <a:lvl4pPr marR="0" lvl="3" algn="l" rtl="0">
         <a:lnSpc>
           <a:spcPct val="100000"/>
         </a:lnSpc>
@@ -6555,7 +6728,7 @@
           <a:srgbClr val="000000"/>
         </a:buClr>
         <a:buFont typeface="Arial"/>
-        <a:defRPr b="0" i="0" sz="1400" u="none" cap="none" strike="noStrike">
+        <a:defRPr sz="1400" b="0" i="0" u="none" strike="noStrike" cap="none">
           <a:solidFill>
             <a:srgbClr val="000000"/>
           </a:solidFill>
@@ -6565,7 +6738,7 @@
           <a:sym typeface="Arial"/>
         </a:defRPr>
       </a:lvl4pPr>
-      <a:lvl5pPr lvl="4" marR="0" rtl="0" algn="l">
+      <a:lvl5pPr marR="0" lvl="4" algn="l" rtl="0">
         <a:lnSpc>
           <a:spcPct val="100000"/>
         </a:lnSpc>
@@ -6579,7 +6752,7 @@
           <a:srgbClr val="000000"/>
         </a:buClr>
         <a:buFont typeface="Arial"/>
-        <a:defRPr b="0" i="0" sz="1400" u="none" cap="none" strike="noStrike">
+        <a:defRPr sz="1400" b="0" i="0" u="none" strike="noStrike" cap="none">
           <a:solidFill>
             <a:srgbClr val="000000"/>
           </a:solidFill>
@@ -6589,7 +6762,7 @@
           <a:sym typeface="Arial"/>
         </a:defRPr>
       </a:lvl5pPr>
-      <a:lvl6pPr lvl="5" marR="0" rtl="0" algn="l">
+      <a:lvl6pPr marR="0" lvl="5" algn="l" rtl="0">
         <a:lnSpc>
           <a:spcPct val="100000"/>
         </a:lnSpc>
@@ -6603,7 +6776,7 @@
           <a:srgbClr val="000000"/>
         </a:buClr>
         <a:buFont typeface="Arial"/>
-        <a:defRPr b="0" i="0" sz="1400" u="none" cap="none" strike="noStrike">
+        <a:defRPr sz="1400" b="0" i="0" u="none" strike="noStrike" cap="none">
           <a:solidFill>
             <a:srgbClr val="000000"/>
           </a:solidFill>
@@ -6613,7 +6786,7 @@
           <a:sym typeface="Arial"/>
         </a:defRPr>
       </a:lvl6pPr>
-      <a:lvl7pPr lvl="6" marR="0" rtl="0" algn="l">
+      <a:lvl7pPr marR="0" lvl="6" algn="l" rtl="0">
         <a:lnSpc>
           <a:spcPct val="100000"/>
         </a:lnSpc>
@@ -6627,7 +6800,7 @@
           <a:srgbClr val="000000"/>
         </a:buClr>
         <a:buFont typeface="Arial"/>
-        <a:defRPr b="0" i="0" sz="1400" u="none" cap="none" strike="noStrike">
+        <a:defRPr sz="1400" b="0" i="0" u="none" strike="noStrike" cap="none">
           <a:solidFill>
             <a:srgbClr val="000000"/>
           </a:solidFill>
@@ -6637,7 +6810,7 @@
           <a:sym typeface="Arial"/>
         </a:defRPr>
       </a:lvl7pPr>
-      <a:lvl8pPr lvl="7" marR="0" rtl="0" algn="l">
+      <a:lvl8pPr marR="0" lvl="7" algn="l" rtl="0">
         <a:lnSpc>
           <a:spcPct val="100000"/>
         </a:lnSpc>
@@ -6651,7 +6824,7 @@
           <a:srgbClr val="000000"/>
         </a:buClr>
         <a:buFont typeface="Arial"/>
-        <a:defRPr b="0" i="0" sz="1400" u="none" cap="none" strike="noStrike">
+        <a:defRPr sz="1400" b="0" i="0" u="none" strike="noStrike" cap="none">
           <a:solidFill>
             <a:srgbClr val="000000"/>
           </a:solidFill>
@@ -6661,7 +6834,7 @@
           <a:sym typeface="Arial"/>
         </a:defRPr>
       </a:lvl8pPr>
-      <a:lvl9pPr lvl="8" marR="0" rtl="0" algn="l">
+      <a:lvl9pPr marR="0" lvl="8" algn="l" rtl="0">
         <a:lnSpc>
           <a:spcPct val="100000"/>
         </a:lnSpc>
@@ -6675,7 +6848,7 @@
           <a:srgbClr val="000000"/>
         </a:buClr>
         <a:buFont typeface="Arial"/>
-        <a:defRPr b="0" i="0" sz="1400" u="none" cap="none" strike="noStrike">
+        <a:defRPr sz="1400" b="0" i="0" u="none" strike="noStrike" cap="none">
           <a:solidFill>
             <a:srgbClr val="000000"/>
           </a:solidFill>
@@ -6687,7 +6860,7 @@
       </a:lvl9pPr>
     </p:bodyStyle>
     <p:otherStyle>
-      <a:defPPr lvl="0" marR="0" rtl="0" algn="l">
+      <a:defPPr marR="0" lvl="0" algn="l" rtl="0">
         <a:lnSpc>
           <a:spcPct val="100000"/>
         </a:lnSpc>
@@ -6698,7 +6871,7 @@
           <a:spcPts val="0"/>
         </a:spcAft>
       </a:defPPr>
-      <a:lvl1pPr lvl="0" marR="0" rtl="0" algn="l">
+      <a:lvl1pPr marR="0" lvl="0" algn="l" rtl="0">
         <a:lnSpc>
           <a:spcPct val="100000"/>
         </a:lnSpc>
@@ -6712,7 +6885,7 @@
           <a:srgbClr val="000000"/>
         </a:buClr>
         <a:buFont typeface="Arial"/>
-        <a:defRPr b="0" i="0" sz="1400" u="none" cap="none" strike="noStrike">
+        <a:defRPr sz="1400" b="0" i="0" u="none" strike="noStrike" cap="none">
           <a:solidFill>
             <a:srgbClr val="000000"/>
           </a:solidFill>
@@ -6722,7 +6895,7 @@
           <a:sym typeface="Arial"/>
         </a:defRPr>
       </a:lvl1pPr>
-      <a:lvl2pPr lvl="1" marR="0" rtl="0" algn="l">
+      <a:lvl2pPr marR="0" lvl="1" algn="l" rtl="0">
         <a:lnSpc>
           <a:spcPct val="100000"/>
         </a:lnSpc>
@@ -6736,7 +6909,7 @@
           <a:srgbClr val="000000"/>
         </a:buClr>
         <a:buFont typeface="Arial"/>
-        <a:defRPr b="0" i="0" sz="1400" u="none" cap="none" strike="noStrike">
+        <a:defRPr sz="1400" b="0" i="0" u="none" strike="noStrike" cap="none">
           <a:solidFill>
             <a:srgbClr val="000000"/>
           </a:solidFill>
@@ -6746,7 +6919,7 @@
           <a:sym typeface="Arial"/>
         </a:defRPr>
       </a:lvl2pPr>
-      <a:lvl3pPr lvl="2" marR="0" rtl="0" algn="l">
+      <a:lvl3pPr marR="0" lvl="2" algn="l" rtl="0">
         <a:lnSpc>
           <a:spcPct val="100000"/>
         </a:lnSpc>
@@ -6760,7 +6933,7 @@
           <a:srgbClr val="000000"/>
         </a:buClr>
         <a:buFont typeface="Arial"/>
-        <a:defRPr b="0" i="0" sz="1400" u="none" cap="none" strike="noStrike">
+        <a:defRPr sz="1400" b="0" i="0" u="none" strike="noStrike" cap="none">
           <a:solidFill>
             <a:srgbClr val="000000"/>
           </a:solidFill>
@@ -6770,7 +6943,7 @@
           <a:sym typeface="Arial"/>
         </a:defRPr>
       </a:lvl3pPr>
-      <a:lvl4pPr lvl="3" marR="0" rtl="0" algn="l">
+      <a:lvl4pPr marR="0" lvl="3" algn="l" rtl="0">
         <a:lnSpc>
           <a:spcPct val="100000"/>
         </a:lnSpc>
@@ -6784,7 +6957,7 @@
           <a:srgbClr val="000000"/>
         </a:buClr>
         <a:buFont typeface="Arial"/>
-        <a:defRPr b="0" i="0" sz="1400" u="none" cap="none" strike="noStrike">
+        <a:defRPr sz="1400" b="0" i="0" u="none" strike="noStrike" cap="none">
           <a:solidFill>
             <a:srgbClr val="000000"/>
           </a:solidFill>
@@ -6794,7 +6967,7 @@
           <a:sym typeface="Arial"/>
         </a:defRPr>
       </a:lvl4pPr>
-      <a:lvl5pPr lvl="4" marR="0" rtl="0" algn="l">
+      <a:lvl5pPr marR="0" lvl="4" algn="l" rtl="0">
         <a:lnSpc>
           <a:spcPct val="100000"/>
         </a:lnSpc>
@@ -6808,7 +6981,7 @@
           <a:srgbClr val="000000"/>
         </a:buClr>
         <a:buFont typeface="Arial"/>
-        <a:defRPr b="0" i="0" sz="1400" u="none" cap="none" strike="noStrike">
+        <a:defRPr sz="1400" b="0" i="0" u="none" strike="noStrike" cap="none">
           <a:solidFill>
             <a:srgbClr val="000000"/>
           </a:solidFill>
@@ -6818,7 +6991,7 @@
           <a:sym typeface="Arial"/>
         </a:defRPr>
       </a:lvl5pPr>
-      <a:lvl6pPr lvl="5" marR="0" rtl="0" algn="l">
+      <a:lvl6pPr marR="0" lvl="5" algn="l" rtl="0">
         <a:lnSpc>
           <a:spcPct val="100000"/>
         </a:lnSpc>
@@ -6832,7 +7005,7 @@
           <a:srgbClr val="000000"/>
         </a:buClr>
         <a:buFont typeface="Arial"/>
-        <a:defRPr b="0" i="0" sz="1400" u="none" cap="none" strike="noStrike">
+        <a:defRPr sz="1400" b="0" i="0" u="none" strike="noStrike" cap="none">
           <a:solidFill>
             <a:srgbClr val="000000"/>
           </a:solidFill>
@@ -6842,7 +7015,7 @@
           <a:sym typeface="Arial"/>
         </a:defRPr>
       </a:lvl6pPr>
-      <a:lvl7pPr lvl="6" marR="0" rtl="0" algn="l">
+      <a:lvl7pPr marR="0" lvl="6" algn="l" rtl="0">
         <a:lnSpc>
           <a:spcPct val="100000"/>
         </a:lnSpc>
@@ -6856,7 +7029,7 @@
           <a:srgbClr val="000000"/>
         </a:buClr>
         <a:buFont typeface="Arial"/>
-        <a:defRPr b="0" i="0" sz="1400" u="none" cap="none" strike="noStrike">
+        <a:defRPr sz="1400" b="0" i="0" u="none" strike="noStrike" cap="none">
           <a:solidFill>
             <a:srgbClr val="000000"/>
           </a:solidFill>
@@ -6866,7 +7039,7 @@
           <a:sym typeface="Arial"/>
         </a:defRPr>
       </a:lvl7pPr>
-      <a:lvl8pPr lvl="7" marR="0" rtl="0" algn="l">
+      <a:lvl8pPr marR="0" lvl="7" algn="l" rtl="0">
         <a:lnSpc>
           <a:spcPct val="100000"/>
         </a:lnSpc>
@@ -6880,7 +7053,7 @@
           <a:srgbClr val="000000"/>
         </a:buClr>
         <a:buFont typeface="Arial"/>
-        <a:defRPr b="0" i="0" sz="1400" u="none" cap="none" strike="noStrike">
+        <a:defRPr sz="1400" b="0" i="0" u="none" strike="noStrike" cap="none">
           <a:solidFill>
             <a:srgbClr val="000000"/>
           </a:solidFill>
@@ -6890,7 +7063,7 @@
           <a:sym typeface="Arial"/>
         </a:defRPr>
       </a:lvl8pPr>
-      <a:lvl9pPr lvl="8" marR="0" rtl="0" algn="l">
+      <a:lvl9pPr marR="0" lvl="8" algn="l" rtl="0">
         <a:lnSpc>
           <a:spcPct val="100000"/>
         </a:lnSpc>
@@ -6904,7 +7077,7 @@
           <a:srgbClr val="000000"/>
         </a:buClr>
         <a:buFont typeface="Arial"/>
-        <a:defRPr b="0" i="0" sz="1400" u="none" cap="none" strike="noStrike">
+        <a:defRPr sz="1400" b="0" i="0" u="none" strike="noStrike" cap="none">
           <a:solidFill>
             <a:srgbClr val="000000"/>
           </a:solidFill>
@@ -6920,11 +7093,11 @@
 </file>
 
 <file path=ppt/slides/slide1.xml><?xml version="1.0" encoding="utf-8"?>
-<p:sld xmlns:a="http://schemas.openxmlformats.org/drawingml/2006/main" xmlns:r="http://schemas.openxmlformats.org/officeDocument/2006/relationships" xmlns:mc="http://schemas.openxmlformats.org/markup-compatibility/2006" xmlns:mv="urn:schemas-microsoft-com:mac:vml" xmlns:p="http://schemas.openxmlformats.org/presentationml/2006/main" xmlns:c="http://schemas.openxmlformats.org/drawingml/2006/chart" xmlns:dgm="http://schemas.openxmlformats.org/drawingml/2006/diagram" xmlns:o="urn:schemas-microsoft-com:office:office" xmlns:v="urn:schemas-microsoft-com:vml" xmlns:pvml="urn:schemas-microsoft-com:office:powerpoint" xmlns:com="http://schemas.openxmlformats.org/drawingml/2006/compatibility" xmlns:p14="http://schemas.microsoft.com/office/powerpoint/2010/main" xmlns:p15="http://schemas.microsoft.com/office/powerpoint/2012/main" xmlns:ahyp="http://schemas.microsoft.com/office/drawing/2018/hyperlinkcolor">
+<p:sld xmlns:a="http://schemas.openxmlformats.org/drawingml/2006/main" xmlns:r="http://schemas.openxmlformats.org/officeDocument/2006/relationships" xmlns:p="http://schemas.openxmlformats.org/presentationml/2006/main">
   <p:cSld>
     <p:spTree>
       <p:nvGrpSpPr>
-        <p:cNvPr id="58" name="Shape 58"/>
+        <p:cNvPr id="1" name="Shape 58"/>
         <p:cNvGrpSpPr/>
         <p:nvPr/>
       </p:nvGrpSpPr>
@@ -6939,7 +7112,9 @@
       <p:sp>
         <p:nvSpPr>
           <p:cNvPr id="59" name="Google Shape;59;p13"/>
-          <p:cNvSpPr txBox="1"/>
+          <p:cNvSpPr txBox="1">
+            <a:spLocks noGrp="1"/>
+          </p:cNvSpPr>
           <p:nvPr>
             <p:ph type="ctrTitle"/>
           </p:nvPr>
@@ -6954,12 +7129,12 @@
           </a:prstGeom>
         </p:spPr>
         <p:txBody>
-          <a:bodyPr anchorCtr="0" anchor="b" bIns="91425" lIns="91425" spcFirstLastPara="1" rIns="91425" wrap="square" tIns="91425">
+          <a:bodyPr spcFirstLastPara="1" wrap="square" lIns="91425" tIns="91425" rIns="91425" bIns="91425" anchor="b" anchorCtr="0">
             <a:normAutofit/>
           </a:bodyPr>
           <a:lstStyle/>
           <a:p>
-            <a:pPr indent="0" lvl="0" marL="0" rtl="0" algn="l">
+            <a:pPr marL="0" lvl="0" indent="0" algn="l" rtl="0">
               <a:spcBef>
                 <a:spcPts val="0"/>
               </a:spcBef>
@@ -6979,9 +7154,11 @@
       <p:sp>
         <p:nvSpPr>
           <p:cNvPr id="60" name="Google Shape;60;p13"/>
-          <p:cNvSpPr txBox="1"/>
+          <p:cNvSpPr txBox="1">
+            <a:spLocks noGrp="1"/>
+          </p:cNvSpPr>
           <p:nvPr>
-            <p:ph idx="1" type="subTitle"/>
+            <p:ph type="subTitle" idx="1"/>
           </p:nvPr>
         </p:nvSpPr>
         <p:spPr>
@@ -6994,12 +7171,75 @@
           </a:prstGeom>
         </p:spPr>
         <p:txBody>
-          <a:bodyPr anchorCtr="0" anchor="t" bIns="91425" lIns="91425" spcFirstLastPara="1" rIns="91425" wrap="square" tIns="91425">
+          <a:bodyPr spcFirstLastPara="1" wrap="square" lIns="91425" tIns="91425" rIns="91425" bIns="91425" anchor="t" anchorCtr="0">
             <a:normAutofit/>
           </a:bodyPr>
           <a:lstStyle/>
           <a:p>
-            <a:pPr indent="0" lvl="0" marL="0" rtl="0" algn="l">
+            <a:pPr marL="0" lvl="0" indent="0" algn="l" rtl="0">
+              <a:spcBef>
+                <a:spcPts val="0"/>
+              </a:spcBef>
+              <a:spcAft>
+                <a:spcPts val="0"/>
+              </a:spcAft>
+              <a:buNone/>
+            </a:pPr>
+            <a:endParaRPr/>
+          </a:p>
+        </p:txBody>
+      </p:sp>
+    </p:spTree>
+  </p:cSld>
+  <p:clrMapOvr>
+    <a:masterClrMapping/>
+  </p:clrMapOvr>
+</p:sld>
+</file>
+
+<file path=ppt/slides/slide10.xml><?xml version="1.0" encoding="utf-8"?>
+<p:sld xmlns:a="http://schemas.openxmlformats.org/drawingml/2006/main" xmlns:r="http://schemas.openxmlformats.org/officeDocument/2006/relationships" xmlns:p="http://schemas.openxmlformats.org/presentationml/2006/main">
+  <p:cSld>
+    <p:spTree>
+      <p:nvGrpSpPr>
+        <p:cNvPr id="1" name="Shape 107"/>
+        <p:cNvGrpSpPr/>
+        <p:nvPr/>
+      </p:nvGrpSpPr>
+      <p:grpSpPr>
+        <a:xfrm>
+          <a:off x="0" y="0"/>
+          <a:ext cx="0" cy="0"/>
+          <a:chOff x="0" y="0"/>
+          <a:chExt cx="0" cy="0"/>
+        </a:xfrm>
+      </p:grpSpPr>
+      <p:sp>
+        <p:nvSpPr>
+          <p:cNvPr id="108" name="Google Shape;108;p21"/>
+          <p:cNvSpPr txBox="1">
+            <a:spLocks noGrp="1"/>
+          </p:cNvSpPr>
+          <p:nvPr>
+            <p:ph type="title"/>
+          </p:nvPr>
+        </p:nvSpPr>
+        <p:spPr>
+          <a:xfrm>
+            <a:off x="311700" y="445025"/>
+            <a:ext cx="8520600" cy="572700"/>
+          </a:xfrm>
+          <a:prstGeom prst="rect">
+            <a:avLst/>
+          </a:prstGeom>
+        </p:spPr>
+        <p:txBody>
+          <a:bodyPr spcFirstLastPara="1" wrap="square" lIns="91425" tIns="91425" rIns="91425" bIns="91425" anchor="t" anchorCtr="0">
+            <a:normAutofit fontScale="90000"/>
+          </a:bodyPr>
+          <a:lstStyle/>
+          <a:p>
+            <a:pPr marL="0" lvl="0" indent="0" algn="l" rtl="0">
               <a:spcBef>
                 <a:spcPts val="0"/>
               </a:spcBef>
@@ -7009,7 +7249,163 @@
               <a:buNone/>
             </a:pPr>
             <a:r>
-              <a:t/>
+              <a:rPr lang="en"/>
+              <a:t>Resources	</a:t>
+            </a:r>
+            <a:endParaRPr/>
+          </a:p>
+        </p:txBody>
+      </p:sp>
+      <p:sp>
+        <p:nvSpPr>
+          <p:cNvPr id="109" name="Google Shape;109;p21"/>
+          <p:cNvSpPr txBox="1">
+            <a:spLocks noGrp="1"/>
+          </p:cNvSpPr>
+          <p:nvPr>
+            <p:ph type="body" idx="1"/>
+          </p:nvPr>
+        </p:nvSpPr>
+        <p:spPr>
+          <a:xfrm>
+            <a:off x="311700" y="1152475"/>
+            <a:ext cx="8520600" cy="3416400"/>
+          </a:xfrm>
+          <a:prstGeom prst="rect">
+            <a:avLst/>
+          </a:prstGeom>
+        </p:spPr>
+        <p:txBody>
+          <a:bodyPr spcFirstLastPara="1" wrap="square" lIns="91425" tIns="91425" rIns="91425" bIns="91425" anchor="t" anchorCtr="0">
+            <a:normAutofit lnSpcReduction="20000"/>
+          </a:bodyPr>
+          <a:lstStyle/>
+          <a:p>
+            <a:pPr marL="0" lvl="0" indent="0" algn="l" rtl="0">
+              <a:spcBef>
+                <a:spcPts val="0"/>
+              </a:spcBef>
+              <a:spcAft>
+                <a:spcPts val="0"/>
+              </a:spcAft>
+              <a:buNone/>
+            </a:pPr>
+            <a:r>
+              <a:rPr lang="en" u="sng">
+                <a:solidFill>
+                  <a:schemeClr val="hlink"/>
+                </a:solidFill>
+                <a:hlinkClick r:id="rId3"/>
+              </a:rPr>
+              <a:t>https://react.dev/learn</a:t>
+            </a:r>
+            <a:endParaRPr/>
+          </a:p>
+          <a:p>
+            <a:pPr marL="0" lvl="0" indent="0" algn="l" rtl="0">
+              <a:spcBef>
+                <a:spcPts val="1200"/>
+              </a:spcBef>
+              <a:spcAft>
+                <a:spcPts val="0"/>
+              </a:spcAft>
+              <a:buNone/>
+            </a:pPr>
+            <a:r>
+              <a:rPr lang="en"/>
+              <a:t>VS Code</a:t>
+            </a:r>
+            <a:endParaRPr/>
+          </a:p>
+          <a:p>
+            <a:pPr marL="0" lvl="0" indent="0" algn="l" rtl="0">
+              <a:spcBef>
+                <a:spcPts val="1200"/>
+              </a:spcBef>
+              <a:spcAft>
+                <a:spcPts val="0"/>
+              </a:spcAft>
+              <a:buNone/>
+            </a:pPr>
+            <a:r>
+              <a:rPr lang="en"/>
+              <a:t>	Plugins:</a:t>
+            </a:r>
+            <a:endParaRPr/>
+          </a:p>
+          <a:p>
+            <a:pPr marL="0" lvl="0" indent="0" algn="l" rtl="0">
+              <a:spcBef>
+                <a:spcPts val="1200"/>
+              </a:spcBef>
+              <a:spcAft>
+                <a:spcPts val="0"/>
+              </a:spcAft>
+              <a:buNone/>
+            </a:pPr>
+            <a:r>
+              <a:rPr lang="en"/>
+              <a:t>		ES7 React Redux…. Snippet</a:t>
+            </a:r>
+            <a:endParaRPr/>
+          </a:p>
+          <a:p>
+            <a:pPr marL="0" lvl="0" indent="0" algn="l" rtl="0">
+              <a:spcBef>
+                <a:spcPts val="1200"/>
+              </a:spcBef>
+              <a:spcAft>
+                <a:spcPts val="0"/>
+              </a:spcAft>
+              <a:buNone/>
+            </a:pPr>
+            <a:r>
+              <a:rPr lang="en"/>
+              <a:t>		Prettier Code Formatter</a:t>
+            </a:r>
+            <a:endParaRPr/>
+          </a:p>
+          <a:p>
+            <a:pPr marL="0" lvl="0" indent="0" algn="l" rtl="0">
+              <a:spcBef>
+                <a:spcPts val="1200"/>
+              </a:spcBef>
+              <a:spcAft>
+                <a:spcPts val="0"/>
+              </a:spcAft>
+              <a:buNone/>
+            </a:pPr>
+            <a:r>
+              <a:rPr lang="en"/>
+              <a:t>			Prettier ESLint</a:t>
+            </a:r>
+            <a:endParaRPr/>
+          </a:p>
+          <a:p>
+            <a:pPr marL="0" lvl="0" indent="0" algn="l" rtl="0">
+              <a:spcBef>
+                <a:spcPts val="1200"/>
+              </a:spcBef>
+              <a:spcAft>
+                <a:spcPts val="0"/>
+              </a:spcAft>
+              <a:buNone/>
+            </a:pPr>
+            <a:endParaRPr/>
+          </a:p>
+          <a:p>
+            <a:pPr marL="0" lvl="0" indent="0" algn="l" rtl="0">
+              <a:spcBef>
+                <a:spcPts val="1200"/>
+              </a:spcBef>
+              <a:spcAft>
+                <a:spcPts val="1200"/>
+              </a:spcAft>
+              <a:buNone/>
+            </a:pPr>
+            <a:r>
+              <a:rPr lang="en"/>
+              <a:t>Pesticide for chrome</a:t>
             </a:r>
             <a:endParaRPr/>
           </a:p>
@@ -7024,11 +7420,11 @@
 </file>
 
 <file path=ppt/slides/slide2.xml><?xml version="1.0" encoding="utf-8"?>
-<p:sld xmlns:a="http://schemas.openxmlformats.org/drawingml/2006/main" xmlns:r="http://schemas.openxmlformats.org/officeDocument/2006/relationships" xmlns:mc="http://schemas.openxmlformats.org/markup-compatibility/2006" xmlns:mv="urn:schemas-microsoft-com:mac:vml" xmlns:p="http://schemas.openxmlformats.org/presentationml/2006/main" xmlns:c="http://schemas.openxmlformats.org/drawingml/2006/chart" xmlns:dgm="http://schemas.openxmlformats.org/drawingml/2006/diagram" xmlns:o="urn:schemas-microsoft-com:office:office" xmlns:v="urn:schemas-microsoft-com:vml" xmlns:pvml="urn:schemas-microsoft-com:office:powerpoint" xmlns:com="http://schemas.openxmlformats.org/drawingml/2006/compatibility" xmlns:p14="http://schemas.microsoft.com/office/powerpoint/2010/main" xmlns:p15="http://schemas.microsoft.com/office/powerpoint/2012/main" xmlns:ahyp="http://schemas.microsoft.com/office/drawing/2018/hyperlinkcolor">
+<p:sld xmlns:a="http://schemas.openxmlformats.org/drawingml/2006/main" xmlns:r="http://schemas.openxmlformats.org/officeDocument/2006/relationships" xmlns:p="http://schemas.openxmlformats.org/presentationml/2006/main">
   <p:cSld>
     <p:spTree>
       <p:nvGrpSpPr>
-        <p:cNvPr id="64" name="Shape 64"/>
+        <p:cNvPr id="1" name="Shape 64"/>
         <p:cNvGrpSpPr/>
         <p:nvPr/>
       </p:nvGrpSpPr>
@@ -7043,7 +7439,9 @@
       <p:sp>
         <p:nvSpPr>
           <p:cNvPr id="65" name="Google Shape;65;p14"/>
-          <p:cNvSpPr txBox="1"/>
+          <p:cNvSpPr txBox="1">
+            <a:spLocks noGrp="1"/>
+          </p:cNvSpPr>
           <p:nvPr>
             <p:ph type="title"/>
           </p:nvPr>
@@ -7058,12 +7456,12 @@
           </a:prstGeom>
         </p:spPr>
         <p:txBody>
-          <a:bodyPr anchorCtr="0" anchor="t" bIns="91425" lIns="91425" spcFirstLastPara="1" rIns="91425" wrap="square" tIns="91425">
+          <a:bodyPr spcFirstLastPara="1" wrap="square" lIns="91425" tIns="91425" rIns="91425" bIns="91425" anchor="t" anchorCtr="0">
             <a:normAutofit fontScale="90000"/>
           </a:bodyPr>
           <a:lstStyle/>
           <a:p>
-            <a:pPr indent="0" lvl="0" marL="0" rtl="0" algn="l">
+            <a:pPr marL="0" lvl="0" indent="0" algn="l" rtl="0">
               <a:spcBef>
                 <a:spcPts val="0"/>
               </a:spcBef>
@@ -7083,9 +7481,11 @@
       <p:sp>
         <p:nvSpPr>
           <p:cNvPr id="66" name="Google Shape;66;p14"/>
-          <p:cNvSpPr txBox="1"/>
+          <p:cNvSpPr txBox="1">
+            <a:spLocks noGrp="1"/>
+          </p:cNvSpPr>
           <p:nvPr>
-            <p:ph idx="1" type="body"/>
+            <p:ph type="body" idx="1"/>
           </p:nvPr>
         </p:nvSpPr>
         <p:spPr>
@@ -7098,12 +7498,12 @@
           </a:prstGeom>
         </p:spPr>
         <p:txBody>
-          <a:bodyPr anchorCtr="0" anchor="t" bIns="91425" lIns="91425" spcFirstLastPara="1" rIns="91425" wrap="square" tIns="91425">
+          <a:bodyPr spcFirstLastPara="1" wrap="square" lIns="91425" tIns="91425" rIns="91425" bIns="91425" anchor="t" anchorCtr="0">
             <a:normAutofit/>
           </a:bodyPr>
           <a:lstStyle/>
           <a:p>
-            <a:pPr indent="-342900" lvl="0" marL="457200" rtl="0" algn="l">
+            <a:pPr marL="457200" lvl="0" indent="-342900" algn="l" rtl="0">
               <a:spcBef>
                 <a:spcPts val="0"/>
               </a:spcBef>
@@ -7120,7 +7520,7 @@
             <a:endParaRPr/>
           </a:p>
           <a:p>
-            <a:pPr indent="-342900" lvl="0" marL="457200" rtl="0" algn="l">
+            <a:pPr marL="457200" lvl="0" indent="-342900" algn="l" rtl="0">
               <a:spcBef>
                 <a:spcPts val="0"/>
               </a:spcBef>
@@ -7137,7 +7537,7 @@
             <a:endParaRPr/>
           </a:p>
           <a:p>
-            <a:pPr indent="-342900" lvl="0" marL="457200" rtl="0" algn="l">
+            <a:pPr marL="457200" lvl="0" indent="-342900" algn="l" rtl="0">
               <a:spcBef>
                 <a:spcPts val="0"/>
               </a:spcBef>
@@ -7154,7 +7554,7 @@
             <a:endParaRPr/>
           </a:p>
           <a:p>
-            <a:pPr indent="0" lvl="0" marL="0" rtl="0" algn="l">
+            <a:pPr marL="0" lvl="0" indent="0" algn="l" rtl="0">
               <a:spcBef>
                 <a:spcPts val="1200"/>
               </a:spcBef>
@@ -7163,9 +7563,6 @@
               </a:spcAft>
               <a:buNone/>
             </a:pPr>
-            <a:r>
-              <a:t/>
-            </a:r>
             <a:endParaRPr/>
           </a:p>
         </p:txBody>
@@ -7179,11 +7576,11 @@
 </file>
 
 <file path=ppt/slides/slide3.xml><?xml version="1.0" encoding="utf-8"?>
-<p:sld xmlns:a="http://schemas.openxmlformats.org/drawingml/2006/main" xmlns:r="http://schemas.openxmlformats.org/officeDocument/2006/relationships" xmlns:mc="http://schemas.openxmlformats.org/markup-compatibility/2006" xmlns:mv="urn:schemas-microsoft-com:mac:vml" xmlns:p="http://schemas.openxmlformats.org/presentationml/2006/main" xmlns:c="http://schemas.openxmlformats.org/drawingml/2006/chart" xmlns:dgm="http://schemas.openxmlformats.org/drawingml/2006/diagram" xmlns:o="urn:schemas-microsoft-com:office:office" xmlns:v="urn:schemas-microsoft-com:vml" xmlns:pvml="urn:schemas-microsoft-com:office:powerpoint" xmlns:com="http://schemas.openxmlformats.org/drawingml/2006/compatibility" xmlns:p14="http://schemas.microsoft.com/office/powerpoint/2010/main" xmlns:p15="http://schemas.microsoft.com/office/powerpoint/2012/main" xmlns:ahyp="http://schemas.microsoft.com/office/drawing/2018/hyperlinkcolor">
+<p:sld xmlns:a="http://schemas.openxmlformats.org/drawingml/2006/main" xmlns:r="http://schemas.openxmlformats.org/officeDocument/2006/relationships" xmlns:p="http://schemas.openxmlformats.org/presentationml/2006/main">
   <p:cSld>
     <p:spTree>
       <p:nvGrpSpPr>
-        <p:cNvPr id="70" name="Shape 70"/>
+        <p:cNvPr id="1" name="Shape 70"/>
         <p:cNvGrpSpPr/>
         <p:nvPr/>
       </p:nvGrpSpPr>
@@ -7198,7 +7595,9 @@
       <p:sp>
         <p:nvSpPr>
           <p:cNvPr id="71" name="Google Shape;71;p15"/>
-          <p:cNvSpPr txBox="1"/>
+          <p:cNvSpPr txBox="1">
+            <a:spLocks noGrp="1"/>
+          </p:cNvSpPr>
           <p:nvPr>
             <p:ph type="title"/>
           </p:nvPr>
@@ -7213,12 +7612,12 @@
           </a:prstGeom>
         </p:spPr>
         <p:txBody>
-          <a:bodyPr anchorCtr="0" anchor="t" bIns="91425" lIns="91425" spcFirstLastPara="1" rIns="91425" wrap="square" tIns="91425">
+          <a:bodyPr spcFirstLastPara="1" wrap="square" lIns="91425" tIns="91425" rIns="91425" bIns="91425" anchor="t" anchorCtr="0">
             <a:normAutofit fontScale="90000"/>
           </a:bodyPr>
           <a:lstStyle/>
           <a:p>
-            <a:pPr indent="0" lvl="0" marL="0" rtl="0" algn="l">
+            <a:pPr marL="0" lvl="0" indent="0" algn="l" rtl="0">
               <a:spcBef>
                 <a:spcPts val="0"/>
               </a:spcBef>
@@ -7238,9 +7637,11 @@
       <p:sp>
         <p:nvSpPr>
           <p:cNvPr id="72" name="Google Shape;72;p15"/>
-          <p:cNvSpPr txBox="1"/>
+          <p:cNvSpPr txBox="1">
+            <a:spLocks noGrp="1"/>
+          </p:cNvSpPr>
           <p:nvPr>
-            <p:ph idx="1" type="body"/>
+            <p:ph type="body" idx="1"/>
           </p:nvPr>
         </p:nvSpPr>
         <p:spPr>
@@ -7253,12 +7654,12 @@
           </a:prstGeom>
         </p:spPr>
         <p:txBody>
-          <a:bodyPr anchorCtr="0" anchor="t" bIns="91425" lIns="91425" spcFirstLastPara="1" rIns="91425" wrap="square" tIns="91425">
+          <a:bodyPr spcFirstLastPara="1" wrap="square" lIns="91425" tIns="91425" rIns="91425" bIns="91425" anchor="t" anchorCtr="0">
             <a:normAutofit/>
           </a:bodyPr>
           <a:lstStyle/>
           <a:p>
-            <a:pPr indent="0" lvl="0" marL="0" rtl="0" algn="l">
+            <a:pPr marL="0" lvl="0" indent="0" algn="l" rtl="0">
               <a:spcBef>
                 <a:spcPts val="0"/>
               </a:spcBef>
@@ -7274,7 +7675,7 @@
             <a:endParaRPr/>
           </a:p>
           <a:p>
-            <a:pPr indent="0" lvl="0" marL="0" rtl="0" algn="l">
+            <a:pPr marL="0" lvl="0" indent="0" algn="l" rtl="0">
               <a:spcBef>
                 <a:spcPts val="1200"/>
               </a:spcBef>
@@ -7290,7 +7691,7 @@
             <a:endParaRPr/>
           </a:p>
           <a:p>
-            <a:pPr indent="0" lvl="0" marL="0" rtl="0" algn="l">
+            <a:pPr marL="0" lvl="0" indent="0" algn="l" rtl="0">
               <a:spcBef>
                 <a:spcPts val="1200"/>
               </a:spcBef>
@@ -7306,7 +7707,7 @@
             <a:endParaRPr/>
           </a:p>
           <a:p>
-            <a:pPr indent="0" lvl="0" marL="0" rtl="0" algn="l">
+            <a:pPr marL="0" lvl="0" indent="0" algn="l" rtl="0">
               <a:spcBef>
                 <a:spcPts val="1200"/>
               </a:spcBef>
@@ -7334,7 +7735,7 @@
             <a:endParaRPr/>
           </a:p>
           <a:p>
-            <a:pPr indent="0" lvl="0" marL="0" rtl="0" algn="l">
+            <a:pPr marL="0" lvl="0" indent="0" algn="l" rtl="0">
               <a:spcBef>
                 <a:spcPts val="1200"/>
               </a:spcBef>
@@ -7343,9 +7744,6 @@
               </a:spcAft>
               <a:buNone/>
             </a:pPr>
-            <a:r>
-              <a:t/>
-            </a:r>
             <a:endParaRPr/>
           </a:p>
         </p:txBody>
@@ -7359,11 +7757,11 @@
 </file>
 
 <file path=ppt/slides/slide4.xml><?xml version="1.0" encoding="utf-8"?>
-<p:sld xmlns:a="http://schemas.openxmlformats.org/drawingml/2006/main" xmlns:r="http://schemas.openxmlformats.org/officeDocument/2006/relationships" xmlns:mc="http://schemas.openxmlformats.org/markup-compatibility/2006" xmlns:mv="urn:schemas-microsoft-com:mac:vml" xmlns:p="http://schemas.openxmlformats.org/presentationml/2006/main" xmlns:c="http://schemas.openxmlformats.org/drawingml/2006/chart" xmlns:dgm="http://schemas.openxmlformats.org/drawingml/2006/diagram" xmlns:o="urn:schemas-microsoft-com:office:office" xmlns:v="urn:schemas-microsoft-com:vml" xmlns:pvml="urn:schemas-microsoft-com:office:powerpoint" xmlns:com="http://schemas.openxmlformats.org/drawingml/2006/compatibility" xmlns:p14="http://schemas.microsoft.com/office/powerpoint/2010/main" xmlns:p15="http://schemas.microsoft.com/office/powerpoint/2012/main" xmlns:ahyp="http://schemas.microsoft.com/office/drawing/2018/hyperlinkcolor">
+<p:sld xmlns:a="http://schemas.openxmlformats.org/drawingml/2006/main" xmlns:r="http://schemas.openxmlformats.org/officeDocument/2006/relationships" xmlns:p="http://schemas.openxmlformats.org/presentationml/2006/main">
   <p:cSld>
     <p:spTree>
       <p:nvGrpSpPr>
-        <p:cNvPr id="76" name="Shape 76"/>
+        <p:cNvPr id="1" name="Shape 76"/>
         <p:cNvGrpSpPr/>
         <p:nvPr/>
       </p:nvGrpSpPr>
@@ -7378,7 +7776,9 @@
       <p:sp>
         <p:nvSpPr>
           <p:cNvPr id="77" name="Google Shape;77;p16"/>
-          <p:cNvSpPr txBox="1"/>
+          <p:cNvSpPr txBox="1">
+            <a:spLocks noGrp="1"/>
+          </p:cNvSpPr>
           <p:nvPr>
             <p:ph type="title"/>
           </p:nvPr>
@@ -7393,12 +7793,12 @@
           </a:prstGeom>
         </p:spPr>
         <p:txBody>
-          <a:bodyPr anchorCtr="0" anchor="t" bIns="91425" lIns="91425" spcFirstLastPara="1" rIns="91425" wrap="square" tIns="91425">
+          <a:bodyPr spcFirstLastPara="1" wrap="square" lIns="91425" tIns="91425" rIns="91425" bIns="91425" anchor="t" anchorCtr="0">
             <a:normAutofit fontScale="90000"/>
           </a:bodyPr>
           <a:lstStyle/>
           <a:p>
-            <a:pPr indent="0" lvl="0" marL="0" rtl="0" algn="l">
+            <a:pPr marL="0" lvl="0" indent="0" algn="l" rtl="0">
               <a:spcBef>
                 <a:spcPts val="0"/>
               </a:spcBef>
@@ -7418,9 +7818,11 @@
       <p:sp>
         <p:nvSpPr>
           <p:cNvPr id="78" name="Google Shape;78;p16"/>
-          <p:cNvSpPr txBox="1"/>
+          <p:cNvSpPr txBox="1">
+            <a:spLocks noGrp="1"/>
+          </p:cNvSpPr>
           <p:nvPr>
-            <p:ph idx="1" type="body"/>
+            <p:ph type="body" idx="1"/>
           </p:nvPr>
         </p:nvSpPr>
         <p:spPr>
@@ -7433,12 +7835,12 @@
           </a:prstGeom>
         </p:spPr>
         <p:txBody>
-          <a:bodyPr anchorCtr="0" anchor="t" bIns="91425" lIns="91425" spcFirstLastPara="1" rIns="91425" wrap="square" tIns="91425">
+          <a:bodyPr spcFirstLastPara="1" wrap="square" lIns="91425" tIns="91425" rIns="91425" bIns="91425" anchor="t" anchorCtr="0">
             <a:normAutofit/>
           </a:bodyPr>
           <a:lstStyle/>
           <a:p>
-            <a:pPr indent="0" lvl="0" marL="0" rtl="0" algn="l">
+            <a:pPr marL="0" lvl="0" indent="0" algn="l" rtl="0">
               <a:spcBef>
                 <a:spcPts val="0"/>
               </a:spcBef>
@@ -7454,7 +7856,7 @@
             <a:endParaRPr/>
           </a:p>
           <a:p>
-            <a:pPr indent="0" lvl="0" marL="0" rtl="0" algn="l">
+            <a:pPr marL="0" lvl="0" indent="0" algn="l" rtl="0">
               <a:spcBef>
                 <a:spcPts val="1200"/>
               </a:spcBef>
@@ -7470,7 +7872,7 @@
             <a:endParaRPr/>
           </a:p>
           <a:p>
-            <a:pPr indent="0" lvl="0" marL="0" rtl="0" algn="l">
+            <a:pPr marL="0" lvl="0" indent="0" algn="l" rtl="0">
               <a:spcBef>
                 <a:spcPts val="1200"/>
               </a:spcBef>
@@ -7479,13 +7881,10 @@
               </a:spcAft>
               <a:buNone/>
             </a:pPr>
-            <a:r>
-              <a:t/>
-            </a:r>
-            <a:endParaRPr/>
-          </a:p>
-          <a:p>
-            <a:pPr indent="0" lvl="0" marL="0" rtl="0" algn="l">
+            <a:endParaRPr/>
+          </a:p>
+          <a:p>
+            <a:pPr marL="0" lvl="0" indent="0" algn="l" rtl="0">
               <a:spcBef>
                 <a:spcPts val="1200"/>
               </a:spcBef>
@@ -7513,7 +7912,7 @@
             <a:endParaRPr/>
           </a:p>
           <a:p>
-            <a:pPr indent="0" lvl="0" marL="0" rtl="0" algn="l">
+            <a:pPr marL="0" lvl="0" indent="0" algn="l" rtl="0">
               <a:spcBef>
                 <a:spcPts val="1200"/>
               </a:spcBef>
@@ -7522,9 +7921,6 @@
               </a:spcAft>
               <a:buNone/>
             </a:pPr>
-            <a:r>
-              <a:t/>
-            </a:r>
             <a:endParaRPr/>
           </a:p>
         </p:txBody>
@@ -7538,11 +7934,11 @@
 </file>
 
 <file path=ppt/slides/slide5.xml><?xml version="1.0" encoding="utf-8"?>
-<p:sld xmlns:a="http://schemas.openxmlformats.org/drawingml/2006/main" xmlns:r="http://schemas.openxmlformats.org/officeDocument/2006/relationships" xmlns:mc="http://schemas.openxmlformats.org/markup-compatibility/2006" xmlns:mv="urn:schemas-microsoft-com:mac:vml" xmlns:p="http://schemas.openxmlformats.org/presentationml/2006/main" xmlns:c="http://schemas.openxmlformats.org/drawingml/2006/chart" xmlns:dgm="http://schemas.openxmlformats.org/drawingml/2006/diagram" xmlns:o="urn:schemas-microsoft-com:office:office" xmlns:v="urn:schemas-microsoft-com:vml" xmlns:pvml="urn:schemas-microsoft-com:office:powerpoint" xmlns:com="http://schemas.openxmlformats.org/drawingml/2006/compatibility" xmlns:p14="http://schemas.microsoft.com/office/powerpoint/2010/main" xmlns:p15="http://schemas.microsoft.com/office/powerpoint/2012/main" xmlns:ahyp="http://schemas.microsoft.com/office/drawing/2018/hyperlinkcolor">
+<p:sld xmlns:a="http://schemas.openxmlformats.org/drawingml/2006/main" xmlns:r="http://schemas.openxmlformats.org/officeDocument/2006/relationships" xmlns:p="http://schemas.openxmlformats.org/presentationml/2006/main">
   <p:cSld>
     <p:spTree>
       <p:nvGrpSpPr>
-        <p:cNvPr id="82" name="Shape 82"/>
+        <p:cNvPr id="1" name="Shape 82"/>
         <p:cNvGrpSpPr/>
         <p:nvPr/>
       </p:nvGrpSpPr>
@@ -7557,7 +7953,9 @@
       <p:sp>
         <p:nvSpPr>
           <p:cNvPr id="83" name="Google Shape;83;p17"/>
-          <p:cNvSpPr txBox="1"/>
+          <p:cNvSpPr txBox="1">
+            <a:spLocks noGrp="1"/>
+          </p:cNvSpPr>
           <p:nvPr>
             <p:ph type="title"/>
           </p:nvPr>
@@ -7572,12 +7970,12 @@
           </a:prstGeom>
         </p:spPr>
         <p:txBody>
-          <a:bodyPr anchorCtr="0" anchor="t" bIns="91425" lIns="91425" spcFirstLastPara="1" rIns="91425" wrap="square" tIns="91425">
+          <a:bodyPr spcFirstLastPara="1" wrap="square" lIns="91425" tIns="91425" rIns="91425" bIns="91425" anchor="t" anchorCtr="0">
             <a:normAutofit fontScale="90000"/>
           </a:bodyPr>
           <a:lstStyle/>
           <a:p>
-            <a:pPr indent="0" lvl="0" marL="0" rtl="0" algn="l">
+            <a:pPr marL="0" lvl="0" indent="0" algn="l" rtl="0">
               <a:spcBef>
                 <a:spcPts val="0"/>
               </a:spcBef>
@@ -7597,9 +7995,11 @@
       <p:sp>
         <p:nvSpPr>
           <p:cNvPr id="84" name="Google Shape;84;p17"/>
-          <p:cNvSpPr txBox="1"/>
+          <p:cNvSpPr txBox="1">
+            <a:spLocks noGrp="1"/>
+          </p:cNvSpPr>
           <p:nvPr>
-            <p:ph idx="1" type="body"/>
+            <p:ph type="body" idx="1"/>
           </p:nvPr>
         </p:nvSpPr>
         <p:spPr>
@@ -7612,12 +8012,12 @@
           </a:prstGeom>
         </p:spPr>
         <p:txBody>
-          <a:bodyPr anchorCtr="0" anchor="t" bIns="91425" lIns="91425" spcFirstLastPara="1" rIns="91425" wrap="square" tIns="91425">
+          <a:bodyPr spcFirstLastPara="1" wrap="square" lIns="91425" tIns="91425" rIns="91425" bIns="91425" anchor="t" anchorCtr="0">
             <a:normAutofit fontScale="85000" lnSpcReduction="20000"/>
           </a:bodyPr>
           <a:lstStyle/>
           <a:p>
-            <a:pPr indent="0" lvl="0" marL="0" rtl="0" algn="l">
+            <a:pPr marL="0" lvl="0" indent="0" algn="l" rtl="0">
               <a:spcBef>
                 <a:spcPts val="0"/>
               </a:spcBef>
@@ -7633,7 +8033,7 @@
             <a:endParaRPr/>
           </a:p>
           <a:p>
-            <a:pPr indent="0" lvl="0" marL="0" rtl="0" algn="l">
+            <a:pPr marL="0" lvl="0" indent="0" algn="l" rtl="0">
               <a:spcBef>
                 <a:spcPts val="1200"/>
               </a:spcBef>
@@ -7649,7 +8049,7 @@
             <a:endParaRPr/>
           </a:p>
           <a:p>
-            <a:pPr indent="0" lvl="0" marL="0" rtl="0" algn="l">
+            <a:pPr marL="0" lvl="0" indent="0" algn="l" rtl="0">
               <a:spcBef>
                 <a:spcPts val="1200"/>
               </a:spcBef>
@@ -7658,13 +8058,10 @@
               </a:spcAft>
               <a:buNone/>
             </a:pPr>
-            <a:r>
-              <a:t/>
-            </a:r>
-            <a:endParaRPr/>
-          </a:p>
-          <a:p>
-            <a:pPr indent="0" lvl="0" marL="0" rtl="0" algn="l">
+            <a:endParaRPr/>
+          </a:p>
+          <a:p>
+            <a:pPr marL="0" lvl="0" indent="0" algn="l" rtl="0">
               <a:spcBef>
                 <a:spcPts val="1200"/>
               </a:spcBef>
@@ -7688,7 +8085,7 @@
             </a:endParaRPr>
           </a:p>
           <a:p>
-            <a:pPr indent="0" lvl="0" marL="0" rtl="0" algn="l">
+            <a:pPr marL="0" lvl="0" indent="0" algn="l" rtl="0">
               <a:spcBef>
                 <a:spcPts val="1200"/>
               </a:spcBef>
@@ -7712,7 +8109,7 @@
             </a:endParaRPr>
           </a:p>
           <a:p>
-            <a:pPr indent="0" lvl="0" marL="0" rtl="0" algn="l">
+            <a:pPr marL="0" lvl="0" indent="0" algn="l" rtl="0">
               <a:spcBef>
                 <a:spcPts val="1200"/>
               </a:spcBef>
@@ -7736,7 +8133,7 @@
             </a:endParaRPr>
           </a:p>
           <a:p>
-            <a:pPr indent="0" lvl="0" marL="0" rtl="0" algn="l">
+            <a:pPr marL="0" lvl="0" indent="0" algn="l" rtl="0">
               <a:spcBef>
                 <a:spcPts val="1200"/>
               </a:spcBef>
@@ -7745,13 +8142,10 @@
               </a:spcAft>
               <a:buNone/>
             </a:pPr>
-            <a:r>
-              <a:t/>
-            </a:r>
-            <a:endParaRPr/>
-          </a:p>
-          <a:p>
-            <a:pPr indent="0" lvl="0" marL="0" rtl="0" algn="l">
+            <a:endParaRPr/>
+          </a:p>
+          <a:p>
+            <a:pPr marL="0" lvl="0" indent="0" algn="l" rtl="0">
               <a:spcBef>
                 <a:spcPts val="1200"/>
               </a:spcBef>
@@ -7760,9 +8154,6 @@
               </a:spcAft>
               <a:buNone/>
             </a:pPr>
-            <a:r>
-              <a:t/>
-            </a:r>
             <a:endParaRPr/>
           </a:p>
         </p:txBody>
@@ -7776,11 +8167,11 @@
 </file>
 
 <file path=ppt/slides/slide6.xml><?xml version="1.0" encoding="utf-8"?>
-<p:sld xmlns:a="http://schemas.openxmlformats.org/drawingml/2006/main" xmlns:r="http://schemas.openxmlformats.org/officeDocument/2006/relationships" xmlns:mc="http://schemas.openxmlformats.org/markup-compatibility/2006" xmlns:mv="urn:schemas-microsoft-com:mac:vml" xmlns:p="http://schemas.openxmlformats.org/presentationml/2006/main" xmlns:c="http://schemas.openxmlformats.org/drawingml/2006/chart" xmlns:dgm="http://schemas.openxmlformats.org/drawingml/2006/diagram" xmlns:o="urn:schemas-microsoft-com:office:office" xmlns:v="urn:schemas-microsoft-com:vml" xmlns:pvml="urn:schemas-microsoft-com:office:powerpoint" xmlns:com="http://schemas.openxmlformats.org/drawingml/2006/compatibility" xmlns:p14="http://schemas.microsoft.com/office/powerpoint/2010/main" xmlns:p15="http://schemas.microsoft.com/office/powerpoint/2012/main" xmlns:ahyp="http://schemas.microsoft.com/office/drawing/2018/hyperlinkcolor">
+<p:sld xmlns:a="http://schemas.openxmlformats.org/drawingml/2006/main" xmlns:r="http://schemas.openxmlformats.org/officeDocument/2006/relationships" xmlns:p="http://schemas.openxmlformats.org/presentationml/2006/main">
   <p:cSld>
     <p:spTree>
       <p:nvGrpSpPr>
-        <p:cNvPr id="88" name="Shape 88"/>
+        <p:cNvPr id="1" name="Shape 88"/>
         <p:cNvGrpSpPr/>
         <p:nvPr/>
       </p:nvGrpSpPr>
@@ -7795,7 +8186,9 @@
       <p:sp>
         <p:nvSpPr>
           <p:cNvPr id="89" name="Google Shape;89;p18"/>
-          <p:cNvSpPr txBox="1"/>
+          <p:cNvSpPr txBox="1">
+            <a:spLocks noGrp="1"/>
+          </p:cNvSpPr>
           <p:nvPr>
             <p:ph type="title"/>
           </p:nvPr>
@@ -7810,12 +8203,12 @@
           </a:prstGeom>
         </p:spPr>
         <p:txBody>
-          <a:bodyPr anchorCtr="0" anchor="t" bIns="91425" lIns="91425" spcFirstLastPara="1" rIns="91425" wrap="square" tIns="91425">
+          <a:bodyPr spcFirstLastPara="1" wrap="square" lIns="91425" tIns="91425" rIns="91425" bIns="91425" anchor="t" anchorCtr="0">
             <a:normAutofit fontScale="90000"/>
           </a:bodyPr>
           <a:lstStyle/>
           <a:p>
-            <a:pPr indent="0" lvl="0" marL="0" rtl="0" algn="l">
+            <a:pPr marL="0" lvl="0" indent="0" algn="l" rtl="0">
               <a:spcBef>
                 <a:spcPts val="0"/>
               </a:spcBef>
@@ -7835,9 +8228,11 @@
       <p:sp>
         <p:nvSpPr>
           <p:cNvPr id="90" name="Google Shape;90;p18"/>
-          <p:cNvSpPr txBox="1"/>
+          <p:cNvSpPr txBox="1">
+            <a:spLocks noGrp="1"/>
+          </p:cNvSpPr>
           <p:nvPr>
-            <p:ph idx="1" type="body"/>
+            <p:ph type="body" idx="1"/>
           </p:nvPr>
         </p:nvSpPr>
         <p:spPr>
@@ -7850,12 +8245,12 @@
           </a:prstGeom>
         </p:spPr>
         <p:txBody>
-          <a:bodyPr anchorCtr="0" anchor="t" bIns="91425" lIns="91425" spcFirstLastPara="1" rIns="91425" wrap="square" tIns="91425">
+          <a:bodyPr spcFirstLastPara="1" wrap="square" lIns="91425" tIns="91425" rIns="91425" bIns="91425" anchor="t" anchorCtr="0">
             <a:normAutofit/>
           </a:bodyPr>
           <a:lstStyle/>
           <a:p>
-            <a:pPr indent="0" lvl="0" marL="0" rtl="0" algn="l">
+            <a:pPr marL="0" lvl="0" indent="0" algn="l" rtl="0">
               <a:spcBef>
                 <a:spcPts val="0"/>
               </a:spcBef>
@@ -7883,7 +8278,7 @@
             <a:endParaRPr/>
           </a:p>
           <a:p>
-            <a:pPr indent="0" lvl="0" marL="0" rtl="0" algn="l">
+            <a:pPr marL="0" lvl="0" indent="0" algn="l" rtl="0">
               <a:spcBef>
                 <a:spcPts val="1200"/>
               </a:spcBef>
@@ -7899,7 +8294,7 @@
             <a:endParaRPr/>
           </a:p>
           <a:p>
-            <a:pPr indent="0" lvl="0" marL="0" rtl="0" algn="l">
+            <a:pPr marL="0" lvl="0" indent="0" algn="l" rtl="0">
               <a:spcBef>
                 <a:spcPts val="1200"/>
               </a:spcBef>
@@ -7908,13 +8303,10 @@
               </a:spcAft>
               <a:buNone/>
             </a:pPr>
-            <a:r>
-              <a:t/>
-            </a:r>
-            <a:endParaRPr/>
-          </a:p>
-          <a:p>
-            <a:pPr indent="0" lvl="0" marL="0" rtl="0" algn="l">
+            <a:endParaRPr/>
+          </a:p>
+          <a:p>
+            <a:pPr marL="0" lvl="0" indent="0" algn="l" rtl="0">
               <a:spcBef>
                 <a:spcPts val="1200"/>
               </a:spcBef>
@@ -7930,7 +8322,7 @@
             <a:endParaRPr/>
           </a:p>
           <a:p>
-            <a:pPr indent="457200" lvl="0" marL="0" rtl="0" algn="l">
+            <a:pPr marL="0" lvl="0" indent="457200" algn="l" rtl="0">
               <a:spcBef>
                 <a:spcPts val="1200"/>
               </a:spcBef>
@@ -7954,7 +8346,7 @@
             <a:endParaRPr/>
           </a:p>
           <a:p>
-            <a:pPr indent="0" lvl="0" marL="0" rtl="0" algn="l">
+            <a:pPr marL="0" lvl="0" indent="0" algn="l" rtl="0">
               <a:spcBef>
                 <a:spcPts val="1200"/>
               </a:spcBef>
@@ -7970,7 +8362,7 @@
             <a:endParaRPr/>
           </a:p>
           <a:p>
-            <a:pPr indent="0" lvl="0" marL="0" rtl="0" algn="l">
+            <a:pPr marL="0" lvl="0" indent="0" algn="l" rtl="0">
               <a:spcBef>
                 <a:spcPts val="1200"/>
               </a:spcBef>
@@ -7979,9 +8371,6 @@
               </a:spcAft>
               <a:buNone/>
             </a:pPr>
-            <a:r>
-              <a:t/>
-            </a:r>
             <a:endParaRPr>
               <a:solidFill>
                 <a:schemeClr val="accent5"/>
@@ -8012,12 +8401,12 @@
           </a:ln>
         </p:spPr>
         <p:txBody>
-          <a:bodyPr anchorCtr="0" anchor="t" bIns="91425" lIns="91425" spcFirstLastPara="1" rIns="91425" wrap="square" tIns="91425">
+          <a:bodyPr spcFirstLastPara="1" wrap="square" lIns="91425" tIns="91425" rIns="91425" bIns="91425" anchor="t" anchorCtr="0">
             <a:spAutoFit/>
           </a:bodyPr>
           <a:lstStyle/>
           <a:p>
-            <a:pPr indent="0" lvl="0" marL="0" rtl="0" algn="l">
+            <a:pPr marL="0" lvl="0" indent="0" algn="l" rtl="0">
               <a:spcBef>
                 <a:spcPts val="0"/>
               </a:spcBef>
@@ -8049,7 +8438,7 @@
             </a:endParaRPr>
           </a:p>
           <a:p>
-            <a:pPr indent="457200" lvl="0" marL="0" rtl="0" algn="l">
+            <a:pPr marL="0" lvl="0" indent="457200" algn="l" rtl="0">
               <a:spcBef>
                 <a:spcPts val="0"/>
               </a:spcBef>
@@ -8081,7 +8470,7 @@
             </a:endParaRPr>
           </a:p>
           <a:p>
-            <a:pPr indent="0" lvl="0" marL="0" rtl="0" algn="l">
+            <a:pPr marL="0" lvl="0" indent="0" algn="l" rtl="0">
               <a:spcBef>
                 <a:spcPts val="0"/>
               </a:spcBef>
@@ -8123,11 +8512,142 @@
 </file>
 
 <file path=ppt/slides/slide7.xml><?xml version="1.0" encoding="utf-8"?>
-<p:sld xmlns:a="http://schemas.openxmlformats.org/drawingml/2006/main" xmlns:r="http://schemas.openxmlformats.org/officeDocument/2006/relationships" xmlns:mc="http://schemas.openxmlformats.org/markup-compatibility/2006" xmlns:mv="urn:schemas-microsoft-com:mac:vml" xmlns:p="http://schemas.openxmlformats.org/presentationml/2006/main" xmlns:c="http://schemas.openxmlformats.org/drawingml/2006/chart" xmlns:dgm="http://schemas.openxmlformats.org/drawingml/2006/diagram" xmlns:o="urn:schemas-microsoft-com:office:office" xmlns:v="urn:schemas-microsoft-com:vml" xmlns:pvml="urn:schemas-microsoft-com:office:powerpoint" xmlns:com="http://schemas.openxmlformats.org/drawingml/2006/compatibility" xmlns:p14="http://schemas.microsoft.com/office/powerpoint/2010/main" xmlns:p15="http://schemas.microsoft.com/office/powerpoint/2012/main" xmlns:ahyp="http://schemas.microsoft.com/office/drawing/2018/hyperlinkcolor">
+<p:sld xmlns:a="http://schemas.openxmlformats.org/drawingml/2006/main" xmlns:r="http://schemas.openxmlformats.org/officeDocument/2006/relationships" xmlns:p="http://schemas.openxmlformats.org/presentationml/2006/main">
   <p:cSld>
     <p:spTree>
       <p:nvGrpSpPr>
-        <p:cNvPr id="95" name="Shape 95"/>
+        <p:cNvPr id="1" name=""/>
+        <p:cNvGrpSpPr/>
+        <p:nvPr/>
+      </p:nvGrpSpPr>
+      <p:grpSpPr>
+        <a:xfrm>
+          <a:off x="0" y="0"/>
+          <a:ext cx="0" cy="0"/>
+          <a:chOff x="0" y="0"/>
+          <a:chExt cx="0" cy="0"/>
+        </a:xfrm>
+      </p:grpSpPr>
+      <p:sp>
+        <p:nvSpPr>
+          <p:cNvPr id="2" name="Title 1">
+            <a:extLst>
+              <a:ext uri="{FF2B5EF4-FFF2-40B4-BE49-F238E27FC236}">
+                <a16:creationId xmlns:a16="http://schemas.microsoft.com/office/drawing/2014/main" id="{1370589E-CC22-4925-8BED-AA197F6CB3CA}"/>
+              </a:ext>
+            </a:extLst>
+          </p:cNvPr>
+          <p:cNvSpPr>
+            <a:spLocks noGrp="1"/>
+          </p:cNvSpPr>
+          <p:nvPr>
+            <p:ph type="title"/>
+          </p:nvPr>
+        </p:nvSpPr>
+        <p:spPr/>
+        <p:txBody>
+          <a:bodyPr/>
+          <a:lstStyle/>
+          <a:p>
+            <a:endParaRPr lang="en-US"/>
+          </a:p>
+        </p:txBody>
+      </p:sp>
+      <p:sp>
+        <p:nvSpPr>
+          <p:cNvPr id="3" name="Text Placeholder 2">
+            <a:extLst>
+              <a:ext uri="{FF2B5EF4-FFF2-40B4-BE49-F238E27FC236}">
+                <a16:creationId xmlns:a16="http://schemas.microsoft.com/office/drawing/2014/main" id="{72668F06-3302-40B1-8D69-A77A657DC366}"/>
+              </a:ext>
+            </a:extLst>
+          </p:cNvPr>
+          <p:cNvSpPr>
+            <a:spLocks noGrp="1"/>
+          </p:cNvSpPr>
+          <p:nvPr>
+            <p:ph type="body" idx="1"/>
+          </p:nvPr>
+        </p:nvSpPr>
+        <p:spPr/>
+        <p:txBody>
+          <a:bodyPr/>
+          <a:lstStyle/>
+          <a:p>
+            <a:r>
+              <a:rPr lang="en-US" dirty="0"/>
+              <a:t>&lt;</a:t>
+            </a:r>
+            <a:r>
+              <a:rPr lang="en-US" dirty="0" err="1"/>
+              <a:t>img</a:t>
+            </a:r>
+            <a:r>
+              <a:rPr lang="en-US" dirty="0"/>
+              <a:t>     </a:t>
+            </a:r>
+            <a:r>
+              <a:rPr lang="en-US" dirty="0" err="1"/>
+              <a:t>className</a:t>
+            </a:r>
+            <a:r>
+              <a:rPr lang="en-US" dirty="0"/>
+              <a:t>="avatar"        </a:t>
+            </a:r>
+            <a:r>
+              <a:rPr lang="en-US" dirty="0" err="1"/>
+              <a:t>src</a:t>
+            </a:r>
+            <a:r>
+              <a:rPr lang="en-US" dirty="0"/>
+              <a:t>={</a:t>
+            </a:r>
+            <a:r>
+              <a:rPr lang="en-US" dirty="0" err="1"/>
+              <a:t>user.imageUrl</a:t>
+            </a:r>
+            <a:r>
+              <a:rPr lang="en-US" dirty="0"/>
+              <a:t>}        alt={'Photo of ' + user.name}        style={{          width: </a:t>
+            </a:r>
+            <a:r>
+              <a:rPr lang="en-US" dirty="0" err="1"/>
+              <a:t>user.imageSize</a:t>
+            </a:r>
+            <a:r>
+              <a:rPr lang="en-US" dirty="0"/>
+              <a:t>,          height: </a:t>
+            </a:r>
+            <a:r>
+              <a:rPr lang="en-US" dirty="0" err="1"/>
+              <a:t>user.imageSize</a:t>
+            </a:r>
+            <a:r>
+              <a:rPr lang="en-US" dirty="0"/>
+              <a:t>        }}      /&gt;</a:t>
+            </a:r>
+          </a:p>
+        </p:txBody>
+      </p:sp>
+    </p:spTree>
+    <p:extLst>
+      <p:ext uri="{BB962C8B-B14F-4D97-AF65-F5344CB8AC3E}">
+        <p14:creationId xmlns:p14="http://schemas.microsoft.com/office/powerpoint/2010/main" val="156259635"/>
+      </p:ext>
+    </p:extLst>
+  </p:cSld>
+  <p:clrMapOvr>
+    <a:masterClrMapping/>
+  </p:clrMapOvr>
+</p:sld>
+</file>
+
+<file path=ppt/slides/slide8.xml><?xml version="1.0" encoding="utf-8"?>
+<p:sld xmlns:a="http://schemas.openxmlformats.org/drawingml/2006/main" xmlns:r="http://schemas.openxmlformats.org/officeDocument/2006/relationships" xmlns:p="http://schemas.openxmlformats.org/presentationml/2006/main">
+  <p:cSld>
+    <p:spTree>
+      <p:nvGrpSpPr>
+        <p:cNvPr id="1" name="Shape 95"/>
         <p:cNvGrpSpPr/>
         <p:nvPr/>
       </p:nvGrpSpPr>
@@ -8142,7 +8662,9 @@
       <p:sp>
         <p:nvSpPr>
           <p:cNvPr id="96" name="Google Shape;96;p19"/>
-          <p:cNvSpPr txBox="1"/>
+          <p:cNvSpPr txBox="1">
+            <a:spLocks noGrp="1"/>
+          </p:cNvSpPr>
           <p:nvPr>
             <p:ph type="title"/>
           </p:nvPr>
@@ -8157,12 +8679,12 @@
           </a:prstGeom>
         </p:spPr>
         <p:txBody>
-          <a:bodyPr anchorCtr="0" anchor="t" bIns="91425" lIns="91425" spcFirstLastPara="1" rIns="91425" wrap="square" tIns="91425">
+          <a:bodyPr spcFirstLastPara="1" wrap="square" lIns="91425" tIns="91425" rIns="91425" bIns="91425" anchor="t" anchorCtr="0">
             <a:normAutofit fontScale="90000"/>
           </a:bodyPr>
           <a:lstStyle/>
           <a:p>
-            <a:pPr indent="0" lvl="0" marL="0" rtl="0" algn="l">
+            <a:pPr marL="0" lvl="0" indent="0" algn="l" rtl="0">
               <a:spcBef>
                 <a:spcPts val="0"/>
               </a:spcBef>
@@ -8182,9 +8704,11 @@
       <p:sp>
         <p:nvSpPr>
           <p:cNvPr id="97" name="Google Shape;97;p19"/>
-          <p:cNvSpPr txBox="1"/>
+          <p:cNvSpPr txBox="1">
+            <a:spLocks noGrp="1"/>
+          </p:cNvSpPr>
           <p:nvPr>
-            <p:ph idx="1" type="body"/>
+            <p:ph type="body" idx="1"/>
           </p:nvPr>
         </p:nvSpPr>
         <p:spPr>
@@ -8197,12 +8721,12 @@
           </a:prstGeom>
         </p:spPr>
         <p:txBody>
-          <a:bodyPr anchorCtr="0" anchor="t" bIns="91425" lIns="91425" spcFirstLastPara="1" rIns="91425" wrap="square" tIns="91425">
+          <a:bodyPr spcFirstLastPara="1" wrap="square" lIns="91425" tIns="91425" rIns="91425" bIns="91425" anchor="t" anchorCtr="0">
             <a:normAutofit lnSpcReduction="20000"/>
           </a:bodyPr>
           <a:lstStyle/>
           <a:p>
-            <a:pPr indent="0" lvl="0" marL="0" rtl="0" algn="l">
+            <a:pPr marL="0" lvl="0" indent="0" algn="l" rtl="0">
               <a:spcBef>
                 <a:spcPts val="0"/>
               </a:spcBef>
@@ -8218,7 +8742,7 @@
             <a:endParaRPr/>
           </a:p>
           <a:p>
-            <a:pPr indent="0" lvl="0" marL="457200" rtl="0" algn="l">
+            <a:pPr marL="457200" lvl="0" indent="0" algn="l" rtl="0">
               <a:spcBef>
                 <a:spcPts val="1200"/>
               </a:spcBef>
@@ -8234,7 +8758,7 @@
             <a:endParaRPr/>
           </a:p>
           <a:p>
-            <a:pPr indent="0" lvl="0" marL="457200" rtl="0" algn="l">
+            <a:pPr marL="457200" lvl="0" indent="0" algn="l" rtl="0">
               <a:spcBef>
                 <a:spcPts val="1200"/>
               </a:spcBef>
@@ -8250,7 +8774,7 @@
             <a:endParaRPr/>
           </a:p>
           <a:p>
-            <a:pPr indent="0" lvl="0" marL="0" rtl="0" algn="l">
+            <a:pPr marL="0" lvl="0" indent="0" algn="l" rtl="0">
               <a:spcBef>
                 <a:spcPts val="1200"/>
               </a:spcBef>
@@ -8259,13 +8783,10 @@
               </a:spcAft>
               <a:buNone/>
             </a:pPr>
-            <a:r>
-              <a:t/>
-            </a:r>
-            <a:endParaRPr/>
-          </a:p>
-          <a:p>
-            <a:pPr indent="0" lvl="0" marL="0" rtl="0" algn="l">
+            <a:endParaRPr/>
+          </a:p>
+          <a:p>
+            <a:pPr marL="0" lvl="0" indent="0" algn="l" rtl="0">
               <a:spcBef>
                 <a:spcPts val="1200"/>
               </a:spcBef>
@@ -8289,7 +8810,7 @@
             </a:endParaRPr>
           </a:p>
           <a:p>
-            <a:pPr indent="0" lvl="0" marL="0" rtl="0" algn="l">
+            <a:pPr marL="0" lvl="0" indent="0" algn="l" rtl="0">
               <a:spcBef>
                 <a:spcPts val="1200"/>
               </a:spcBef>
@@ -8313,7 +8834,7 @@
             </a:endParaRPr>
           </a:p>
           <a:p>
-            <a:pPr indent="0" lvl="0" marL="0" rtl="0" algn="l">
+            <a:pPr marL="0" lvl="0" indent="0" algn="l" rtl="0">
               <a:spcBef>
                 <a:spcPts val="1200"/>
               </a:spcBef>
@@ -8337,7 +8858,7 @@
             </a:endParaRPr>
           </a:p>
           <a:p>
-            <a:pPr indent="0" lvl="0" marL="0" rtl="0" algn="l">
+            <a:pPr marL="0" lvl="0" indent="0" algn="l" rtl="0">
               <a:spcBef>
                 <a:spcPts val="1200"/>
               </a:spcBef>
@@ -8346,9 +8867,6 @@
               </a:spcAft>
               <a:buNone/>
             </a:pPr>
-            <a:r>
-              <a:t/>
-            </a:r>
             <a:endParaRPr/>
           </a:p>
         </p:txBody>
@@ -8361,12 +8879,12 @@
 </p:sld>
 </file>
 
-<file path=ppt/slides/slide8.xml><?xml version="1.0" encoding="utf-8"?>
-<p:sld xmlns:a="http://schemas.openxmlformats.org/drawingml/2006/main" xmlns:r="http://schemas.openxmlformats.org/officeDocument/2006/relationships" xmlns:mc="http://schemas.openxmlformats.org/markup-compatibility/2006" xmlns:mv="urn:schemas-microsoft-com:mac:vml" xmlns:p="http://schemas.openxmlformats.org/presentationml/2006/main" xmlns:c="http://schemas.openxmlformats.org/drawingml/2006/chart" xmlns:dgm="http://schemas.openxmlformats.org/drawingml/2006/diagram" xmlns:o="urn:schemas-microsoft-com:office:office" xmlns:v="urn:schemas-microsoft-com:vml" xmlns:pvml="urn:schemas-microsoft-com:office:powerpoint" xmlns:com="http://schemas.openxmlformats.org/drawingml/2006/compatibility" xmlns:p14="http://schemas.microsoft.com/office/powerpoint/2010/main" xmlns:p15="http://schemas.microsoft.com/office/powerpoint/2012/main" xmlns:ahyp="http://schemas.microsoft.com/office/drawing/2018/hyperlinkcolor">
+<file path=ppt/slides/slide9.xml><?xml version="1.0" encoding="utf-8"?>
+<p:sld xmlns:a="http://schemas.openxmlformats.org/drawingml/2006/main" xmlns:r="http://schemas.openxmlformats.org/officeDocument/2006/relationships" xmlns:p="http://schemas.openxmlformats.org/presentationml/2006/main">
   <p:cSld>
     <p:spTree>
       <p:nvGrpSpPr>
-        <p:cNvPr id="101" name="Shape 101"/>
+        <p:cNvPr id="1" name="Shape 101"/>
         <p:cNvGrpSpPr/>
         <p:nvPr/>
       </p:nvGrpSpPr>
@@ -8381,7 +8899,9 @@
       <p:sp>
         <p:nvSpPr>
           <p:cNvPr id="102" name="Google Shape;102;p20"/>
-          <p:cNvSpPr txBox="1"/>
+          <p:cNvSpPr txBox="1">
+            <a:spLocks noGrp="1"/>
+          </p:cNvSpPr>
           <p:nvPr>
             <p:ph type="title"/>
           </p:nvPr>
@@ -8396,12 +8916,12 @@
           </a:prstGeom>
         </p:spPr>
         <p:txBody>
-          <a:bodyPr anchorCtr="0" anchor="t" bIns="91425" lIns="91425" spcFirstLastPara="1" rIns="91425" wrap="square" tIns="91425">
+          <a:bodyPr spcFirstLastPara="1" wrap="square" lIns="91425" tIns="91425" rIns="91425" bIns="91425" anchor="t" anchorCtr="0">
             <a:normAutofit fontScale="90000"/>
           </a:bodyPr>
           <a:lstStyle/>
           <a:p>
-            <a:pPr indent="0" lvl="0" marL="0" rtl="0" algn="l">
+            <a:pPr marL="0" lvl="0" indent="0" algn="l" rtl="0">
               <a:spcBef>
                 <a:spcPts val="0"/>
               </a:spcBef>
@@ -8421,9 +8941,11 @@
       <p:sp>
         <p:nvSpPr>
           <p:cNvPr id="103" name="Google Shape;103;p20"/>
-          <p:cNvSpPr txBox="1"/>
+          <p:cNvSpPr txBox="1">
+            <a:spLocks noGrp="1"/>
+          </p:cNvSpPr>
           <p:nvPr>
-            <p:ph idx="1" type="body"/>
+            <p:ph type="body" idx="1"/>
           </p:nvPr>
         </p:nvSpPr>
         <p:spPr>
@@ -8436,12 +8958,12 @@
           </a:prstGeom>
         </p:spPr>
         <p:txBody>
-          <a:bodyPr anchorCtr="0" anchor="t" bIns="91425" lIns="91425" spcFirstLastPara="1" rIns="91425" wrap="square" tIns="91425">
+          <a:bodyPr spcFirstLastPara="1" wrap="square" lIns="91425" tIns="91425" rIns="91425" bIns="91425" anchor="t" anchorCtr="0">
             <a:normAutofit fontScale="85000" lnSpcReduction="20000"/>
           </a:bodyPr>
           <a:lstStyle/>
           <a:p>
-            <a:pPr indent="0" lvl="0" marL="0" rtl="0" algn="l">
+            <a:pPr marL="0" lvl="0" indent="0" algn="l" rtl="0">
               <a:spcBef>
                 <a:spcPts val="0"/>
               </a:spcBef>
@@ -8457,7 +8979,7 @@
             <a:endParaRPr/>
           </a:p>
           <a:p>
-            <a:pPr indent="0" lvl="0" marL="457200" rtl="0" algn="l">
+            <a:pPr marL="457200" lvl="0" indent="0" algn="l" rtl="0">
               <a:spcBef>
                 <a:spcPts val="1200"/>
               </a:spcBef>
@@ -8473,7 +8995,7 @@
             <a:endParaRPr/>
           </a:p>
           <a:p>
-            <a:pPr indent="457200" lvl="0" marL="457200" rtl="0" algn="l">
+            <a:pPr marL="457200" lvl="0" indent="457200" algn="l" rtl="0">
               <a:spcBef>
                 <a:spcPts val="1200"/>
               </a:spcBef>
@@ -8489,7 +9011,7 @@
             <a:endParaRPr/>
           </a:p>
           <a:p>
-            <a:pPr indent="0" lvl="0" marL="457200" rtl="0" algn="l">
+            <a:pPr marL="457200" lvl="0" indent="0" algn="l" rtl="0">
               <a:spcBef>
                 <a:spcPts val="1200"/>
               </a:spcBef>
@@ -8517,7 +9039,7 @@
             <a:endParaRPr/>
           </a:p>
           <a:p>
-            <a:pPr indent="0" lvl="0" marL="457200" rtl="0" algn="l">
+            <a:pPr marL="457200" lvl="0" indent="0" algn="l" rtl="0">
               <a:spcBef>
                 <a:spcPts val="1200"/>
               </a:spcBef>
@@ -8533,7 +9055,7 @@
             <a:endParaRPr/>
           </a:p>
           <a:p>
-            <a:pPr indent="457200" lvl="0" marL="457200" rtl="0" algn="l">
+            <a:pPr marL="457200" lvl="0" indent="457200" algn="l" rtl="0">
               <a:spcBef>
                 <a:spcPts val="1200"/>
               </a:spcBef>
@@ -8549,7 +9071,7 @@
             <a:endParaRPr/>
           </a:p>
           <a:p>
-            <a:pPr indent="457200" lvl="0" marL="457200" rtl="0" algn="l">
+            <a:pPr marL="457200" lvl="0" indent="457200" algn="l" rtl="0">
               <a:spcBef>
                 <a:spcPts val="1200"/>
               </a:spcBef>
@@ -8565,7 +9087,7 @@
             <a:endParaRPr/>
           </a:p>
           <a:p>
-            <a:pPr indent="457200" lvl="0" marL="457200" rtl="0" algn="l">
+            <a:pPr marL="457200" lvl="0" indent="457200" algn="l" rtl="0">
               <a:spcBef>
                 <a:spcPts val="1200"/>
               </a:spcBef>
@@ -8581,7 +9103,7 @@
             <a:endParaRPr/>
           </a:p>
           <a:p>
-            <a:pPr indent="0" lvl="0" marL="0" rtl="0" algn="l">
+            <a:pPr marL="0" lvl="0" indent="0" algn="l" rtl="0">
               <a:spcBef>
                 <a:spcPts val="1200"/>
               </a:spcBef>
@@ -8590,230 +9112,6 @@
               </a:spcAft>
               <a:buNone/>
             </a:pPr>
-            <a:r>
-              <a:t/>
-            </a:r>
-            <a:endParaRPr/>
-          </a:p>
-        </p:txBody>
-      </p:sp>
-    </p:spTree>
-  </p:cSld>
-  <p:clrMapOvr>
-    <a:masterClrMapping/>
-  </p:clrMapOvr>
-</p:sld>
-</file>
-
-<file path=ppt/slides/slide9.xml><?xml version="1.0" encoding="utf-8"?>
-<p:sld xmlns:a="http://schemas.openxmlformats.org/drawingml/2006/main" xmlns:r="http://schemas.openxmlformats.org/officeDocument/2006/relationships" xmlns:mc="http://schemas.openxmlformats.org/markup-compatibility/2006" xmlns:mv="urn:schemas-microsoft-com:mac:vml" xmlns:p="http://schemas.openxmlformats.org/presentationml/2006/main" xmlns:c="http://schemas.openxmlformats.org/drawingml/2006/chart" xmlns:dgm="http://schemas.openxmlformats.org/drawingml/2006/diagram" xmlns:o="urn:schemas-microsoft-com:office:office" xmlns:v="urn:schemas-microsoft-com:vml" xmlns:pvml="urn:schemas-microsoft-com:office:powerpoint" xmlns:com="http://schemas.openxmlformats.org/drawingml/2006/compatibility" xmlns:p14="http://schemas.microsoft.com/office/powerpoint/2010/main" xmlns:p15="http://schemas.microsoft.com/office/powerpoint/2012/main" xmlns:ahyp="http://schemas.microsoft.com/office/drawing/2018/hyperlinkcolor">
-  <p:cSld>
-    <p:spTree>
-      <p:nvGrpSpPr>
-        <p:cNvPr id="107" name="Shape 107"/>
-        <p:cNvGrpSpPr/>
-        <p:nvPr/>
-      </p:nvGrpSpPr>
-      <p:grpSpPr>
-        <a:xfrm>
-          <a:off x="0" y="0"/>
-          <a:ext cx="0" cy="0"/>
-          <a:chOff x="0" y="0"/>
-          <a:chExt cx="0" cy="0"/>
-        </a:xfrm>
-      </p:grpSpPr>
-      <p:sp>
-        <p:nvSpPr>
-          <p:cNvPr id="108" name="Google Shape;108;p21"/>
-          <p:cNvSpPr txBox="1"/>
-          <p:nvPr>
-            <p:ph type="title"/>
-          </p:nvPr>
-        </p:nvSpPr>
-        <p:spPr>
-          <a:xfrm>
-            <a:off x="311700" y="445025"/>
-            <a:ext cx="8520600" cy="572700"/>
-          </a:xfrm>
-          <a:prstGeom prst="rect">
-            <a:avLst/>
-          </a:prstGeom>
-        </p:spPr>
-        <p:txBody>
-          <a:bodyPr anchorCtr="0" anchor="t" bIns="91425" lIns="91425" spcFirstLastPara="1" rIns="91425" wrap="square" tIns="91425">
-            <a:normAutofit fontScale="90000"/>
-          </a:bodyPr>
-          <a:lstStyle/>
-          <a:p>
-            <a:pPr indent="0" lvl="0" marL="0" rtl="0" algn="l">
-              <a:spcBef>
-                <a:spcPts val="0"/>
-              </a:spcBef>
-              <a:spcAft>
-                <a:spcPts val="0"/>
-              </a:spcAft>
-              <a:buNone/>
-            </a:pPr>
-            <a:r>
-              <a:rPr lang="en"/>
-              <a:t>Resources	</a:t>
-            </a:r>
-            <a:endParaRPr/>
-          </a:p>
-        </p:txBody>
-      </p:sp>
-      <p:sp>
-        <p:nvSpPr>
-          <p:cNvPr id="109" name="Google Shape;109;p21"/>
-          <p:cNvSpPr txBox="1"/>
-          <p:nvPr>
-            <p:ph idx="1" type="body"/>
-          </p:nvPr>
-        </p:nvSpPr>
-        <p:spPr>
-          <a:xfrm>
-            <a:off x="311700" y="1152475"/>
-            <a:ext cx="8520600" cy="3416400"/>
-          </a:xfrm>
-          <a:prstGeom prst="rect">
-            <a:avLst/>
-          </a:prstGeom>
-        </p:spPr>
-        <p:txBody>
-          <a:bodyPr anchorCtr="0" anchor="t" bIns="91425" lIns="91425" spcFirstLastPara="1" rIns="91425" wrap="square" tIns="91425">
-            <a:normAutofit lnSpcReduction="20000"/>
-          </a:bodyPr>
-          <a:lstStyle/>
-          <a:p>
-            <a:pPr indent="0" lvl="0" marL="0" rtl="0" algn="l">
-              <a:spcBef>
-                <a:spcPts val="0"/>
-              </a:spcBef>
-              <a:spcAft>
-                <a:spcPts val="0"/>
-              </a:spcAft>
-              <a:buNone/>
-            </a:pPr>
-            <a:r>
-              <a:rPr lang="en" u="sng">
-                <a:solidFill>
-                  <a:schemeClr val="hlink"/>
-                </a:solidFill>
-                <a:hlinkClick r:id="rId3"/>
-              </a:rPr>
-              <a:t>https://react.dev/learn</a:t>
-            </a:r>
-            <a:endParaRPr/>
-          </a:p>
-          <a:p>
-            <a:pPr indent="0" lvl="0" marL="0" rtl="0" algn="l">
-              <a:spcBef>
-                <a:spcPts val="1200"/>
-              </a:spcBef>
-              <a:spcAft>
-                <a:spcPts val="0"/>
-              </a:spcAft>
-              <a:buNone/>
-            </a:pPr>
-            <a:r>
-              <a:rPr lang="en"/>
-              <a:t>VS Code</a:t>
-            </a:r>
-            <a:endParaRPr/>
-          </a:p>
-          <a:p>
-            <a:pPr indent="0" lvl="0" marL="0" rtl="0" algn="l">
-              <a:spcBef>
-                <a:spcPts val="1200"/>
-              </a:spcBef>
-              <a:spcAft>
-                <a:spcPts val="0"/>
-              </a:spcAft>
-              <a:buNone/>
-            </a:pPr>
-            <a:r>
-              <a:rPr lang="en"/>
-              <a:t>	Plugins:</a:t>
-            </a:r>
-            <a:endParaRPr/>
-          </a:p>
-          <a:p>
-            <a:pPr indent="0" lvl="0" marL="0" rtl="0" algn="l">
-              <a:spcBef>
-                <a:spcPts val="1200"/>
-              </a:spcBef>
-              <a:spcAft>
-                <a:spcPts val="0"/>
-              </a:spcAft>
-              <a:buNone/>
-            </a:pPr>
-            <a:r>
-              <a:rPr lang="en"/>
-              <a:t>		ES7 React Redux…. Snippet</a:t>
-            </a:r>
-            <a:endParaRPr/>
-          </a:p>
-          <a:p>
-            <a:pPr indent="0" lvl="0" marL="0" rtl="0" algn="l">
-              <a:spcBef>
-                <a:spcPts val="1200"/>
-              </a:spcBef>
-              <a:spcAft>
-                <a:spcPts val="0"/>
-              </a:spcAft>
-              <a:buNone/>
-            </a:pPr>
-            <a:r>
-              <a:rPr lang="en"/>
-              <a:t>		Prettier Code Formatter</a:t>
-            </a:r>
-            <a:endParaRPr/>
-          </a:p>
-          <a:p>
-            <a:pPr indent="0" lvl="0" marL="0" rtl="0" algn="l">
-              <a:spcBef>
-                <a:spcPts val="1200"/>
-              </a:spcBef>
-              <a:spcAft>
-                <a:spcPts val="0"/>
-              </a:spcAft>
-              <a:buNone/>
-            </a:pPr>
-            <a:r>
-              <a:rPr lang="en"/>
-              <a:t>			Prettier ESLint</a:t>
-            </a:r>
-            <a:endParaRPr/>
-          </a:p>
-          <a:p>
-            <a:pPr indent="0" lvl="0" marL="0" rtl="0" algn="l">
-              <a:spcBef>
-                <a:spcPts val="1200"/>
-              </a:spcBef>
-              <a:spcAft>
-                <a:spcPts val="0"/>
-              </a:spcAft>
-              <a:buNone/>
-            </a:pPr>
-            <a:r>
-              <a:t/>
-            </a:r>
-            <a:endParaRPr/>
-          </a:p>
-          <a:p>
-            <a:pPr indent="0" lvl="0" marL="0" rtl="0" algn="l">
-              <a:spcBef>
-                <a:spcPts val="1200"/>
-              </a:spcBef>
-              <a:spcAft>
-                <a:spcPts val="1200"/>
-              </a:spcAft>
-              <a:buNone/>
-            </a:pPr>
-            <a:r>
-              <a:rPr lang="en"/>
-              <a:t>Pesticide for chrome</a:t>
-            </a:r>
             <a:endParaRPr/>
           </a:p>
         </p:txBody>
@@ -8827,7 +9125,7 @@
 </file>
 
 <file path=ppt/theme/theme1.xml><?xml version="1.0" encoding="utf-8"?>
-<a:theme xmlns:a="http://schemas.openxmlformats.org/drawingml/2006/main" xmlns:r="http://schemas.openxmlformats.org/officeDocument/2006/relationships" name="Spearmint">
+<a:theme xmlns:a="http://schemas.openxmlformats.org/drawingml/2006/main" name="Spearmint">
   <a:themeElements>
     <a:clrScheme name="Spearmint">
       <a:dk1>
@@ -9102,11 +9400,13 @@
       </a:bgFillStyleLst>
     </a:fmtScheme>
   </a:themeElements>
+  <a:objectDefaults/>
+  <a:extraClrSchemeLst/>
 </a:theme>
 </file>
 
 <file path=ppt/theme/theme2.xml><?xml version="1.0" encoding="utf-8"?>
-<a:theme xmlns:a="http://schemas.openxmlformats.org/drawingml/2006/main" xmlns:r="http://schemas.openxmlformats.org/officeDocument/2006/relationships">
+<a:theme xmlns:a="http://schemas.openxmlformats.org/drawingml/2006/main">
   <a:themeElements>
     <a:clrScheme name="Default">
       <a:dk1>
@@ -9381,5 +9681,7 @@
       </a:bgFillStyleLst>
     </a:fmtScheme>
   </a:themeElements>
+  <a:objectDefaults/>
+  <a:extraClrSchemeLst/>
 </a:theme>
 </file>